--- a/craig_slides.pptx
+++ b/craig_slides.pptx
@@ -5,7 +5,8 @@
     <p:sldMasterId id="2147483648" r:id="rId1"/>
   </p:sldMasterIdLst>
   <p:sldIdLst>
-    <p:sldId id="265" r:id="rId2"/>
+    <p:sldId id="266" r:id="rId2"/>
+    <p:sldId id="267" r:id="rId3"/>
   </p:sldIdLst>
   <p:sldSz cx="12192000" cy="6858000"/>
   <p:notesSz cx="6858000" cy="9144000"/>
@@ -116,8 +117,8 @@
 <pc:chgInfo xmlns:a="http://schemas.openxmlformats.org/drawingml/2006/main" xmlns:r="http://schemas.openxmlformats.org/officeDocument/2006/relationships" xmlns:ac="http://schemas.microsoft.com/office/drawing/2013/main/command" xmlns:pc="http://schemas.microsoft.com/office/powerpoint/2013/main/command">
   <pc:docChgLst>
     <pc:chgData name="Craig Gallagher" userId="28cd9cc4fde23f80" providerId="LiveId" clId="{8D5E68E8-7DA0-4E45-B594-BBE4F9FACBA1}"/>
-    <pc:docChg chg="delSld">
-      <pc:chgData name="Craig Gallagher" userId="28cd9cc4fde23f80" providerId="LiveId" clId="{8D5E68E8-7DA0-4E45-B594-BBE4F9FACBA1}" dt="2023-05-02T18:53:17.782" v="8" actId="47"/>
+    <pc:docChg chg="undo custSel addSld delSld modSld">
+      <pc:chgData name="Craig Gallagher" userId="28cd9cc4fde23f80" providerId="LiveId" clId="{8D5E68E8-7DA0-4E45-B594-BBE4F9FACBA1}" dt="2023-05-03T00:56:22.919" v="1678" actId="20577"/>
       <pc:docMkLst>
         <pc:docMk/>
       </pc:docMkLst>
@@ -171,11 +172,72 @@
         </pc:sldMkLst>
       </pc:sldChg>
       <pc:sldChg chg="del">
+        <pc:chgData name="Craig Gallagher" userId="28cd9cc4fde23f80" providerId="LiveId" clId="{8D5E68E8-7DA0-4E45-B594-BBE4F9FACBA1}" dt="2023-05-03T00:24:37.654" v="1232" actId="2696"/>
+        <pc:sldMkLst>
+          <pc:docMk/>
+          <pc:sldMk cId="3623733460" sldId="265"/>
+        </pc:sldMkLst>
+      </pc:sldChg>
+      <pc:sldChg chg="addSp modSp add mod">
+        <pc:chgData name="Craig Gallagher" userId="28cd9cc4fde23f80" providerId="LiveId" clId="{8D5E68E8-7DA0-4E45-B594-BBE4F9FACBA1}" dt="2023-05-03T00:43:23.399" v="1412" actId="14100"/>
+        <pc:sldMkLst>
+          <pc:docMk/>
+          <pc:sldMk cId="347274745" sldId="266"/>
+        </pc:sldMkLst>
+        <pc:spChg chg="mod">
+          <ac:chgData name="Craig Gallagher" userId="28cd9cc4fde23f80" providerId="LiveId" clId="{8D5E68E8-7DA0-4E45-B594-BBE4F9FACBA1}" dt="2023-05-03T00:26:33.225" v="1283" actId="255"/>
+          <ac:spMkLst>
+            <pc:docMk/>
+            <pc:sldMk cId="347274745" sldId="266"/>
+            <ac:spMk id="4" creationId="{9F7A142E-2D28-D2DB-7C4C-A0994DEE6DE5}"/>
+          </ac:spMkLst>
+        </pc:spChg>
+        <pc:spChg chg="mod">
+          <ac:chgData name="Craig Gallagher" userId="28cd9cc4fde23f80" providerId="LiveId" clId="{8D5E68E8-7DA0-4E45-B594-BBE4F9FACBA1}" dt="2023-05-03T00:28:08.885" v="1311" actId="27636"/>
+          <ac:spMkLst>
+            <pc:docMk/>
+            <pc:sldMk cId="347274745" sldId="266"/>
+            <ac:spMk id="5" creationId="{9CDD473B-455C-247E-5EF8-85BBA20BFF57}"/>
+          </ac:spMkLst>
+        </pc:spChg>
+        <pc:spChg chg="add mod">
+          <ac:chgData name="Craig Gallagher" userId="28cd9cc4fde23f80" providerId="LiveId" clId="{8D5E68E8-7DA0-4E45-B594-BBE4F9FACBA1}" dt="2023-05-03T00:43:23.399" v="1412" actId="14100"/>
+          <ac:spMkLst>
+            <pc:docMk/>
+            <pc:sldMk cId="347274745" sldId="266"/>
+            <ac:spMk id="6" creationId="{18FA1085-6709-D1B6-4D24-98463832B7FA}"/>
+          </ac:spMkLst>
+        </pc:spChg>
+        <pc:picChg chg="add mod">
+          <ac:chgData name="Craig Gallagher" userId="28cd9cc4fde23f80" providerId="LiveId" clId="{8D5E68E8-7DA0-4E45-B594-BBE4F9FACBA1}" dt="2023-05-03T00:42:32.974" v="1403" actId="1076"/>
+          <ac:picMkLst>
+            <pc:docMk/>
+            <pc:sldMk cId="347274745" sldId="266"/>
+            <ac:picMk id="3" creationId="{3111DD83-34C6-3500-DCCA-910937858EB9}"/>
+          </ac:picMkLst>
+        </pc:picChg>
+      </pc:sldChg>
+      <pc:sldChg chg="del">
         <pc:chgData name="Craig Gallagher" userId="28cd9cc4fde23f80" providerId="LiveId" clId="{8D5E68E8-7DA0-4E45-B594-BBE4F9FACBA1}" dt="2023-05-02T18:53:14.795" v="2" actId="47"/>
         <pc:sldMkLst>
           <pc:docMk/>
           <pc:sldMk cId="2440788019" sldId="266"/>
         </pc:sldMkLst>
+      </pc:sldChg>
+      <pc:sldChg chg="modSp add mod">
+        <pc:chgData name="Craig Gallagher" userId="28cd9cc4fde23f80" providerId="LiveId" clId="{8D5E68E8-7DA0-4E45-B594-BBE4F9FACBA1}" dt="2023-05-03T00:56:22.919" v="1678" actId="20577"/>
+        <pc:sldMkLst>
+          <pc:docMk/>
+          <pc:sldMk cId="282584994" sldId="267"/>
+        </pc:sldMkLst>
+        <pc:spChg chg="mod">
+          <ac:chgData name="Craig Gallagher" userId="28cd9cc4fde23f80" providerId="LiveId" clId="{8D5E68E8-7DA0-4E45-B594-BBE4F9FACBA1}" dt="2023-05-03T00:56:22.919" v="1678" actId="20577"/>
+          <ac:spMkLst>
+            <pc:docMk/>
+            <pc:sldMk cId="282584994" sldId="267"/>
+            <ac:spMk id="5" creationId="{9CDD473B-455C-247E-5EF8-85BBA20BFF57}"/>
+          </ac:spMkLst>
+        </pc:spChg>
       </pc:sldChg>
       <pc:sldChg chg="del">
         <pc:chgData name="Craig Gallagher" userId="28cd9cc4fde23f80" providerId="LiveId" clId="{8D5E68E8-7DA0-4E45-B594-BBE4F9FACBA1}" dt="2023-05-02T18:53:16.830" v="7" actId="47"/>
@@ -4162,13 +4224,13 @@
         </p:nvSpPr>
         <p:spPr>
           <a:xfrm>
-            <a:off x="838200" y="1929384"/>
-            <a:ext cx="10515600" cy="4251960"/>
+            <a:off x="669036" y="1841755"/>
+            <a:ext cx="5426964" cy="4860883"/>
           </a:xfrm>
         </p:spPr>
         <p:txBody>
           <a:bodyPr>
-            <a:normAutofit fontScale="77500" lnSpcReduction="20000"/>
+            <a:normAutofit fontScale="92500" lnSpcReduction="10000"/>
           </a:bodyPr>
           <a:lstStyle/>
           <a:p>
@@ -4183,21 +4245,905 @@
                   </a:schemeClr>
                 </a:solidFill>
               </a:rPr>
-              <a:t>Data Characteristics:</a:t>
+              <a:t>Data Characteristics and Considerations:</a:t>
             </a:r>
           </a:p>
           <a:p>
             <a:r>
               <a:rPr lang="en-US" sz="2200" dirty="0"/>
-              <a:t>Years with data ranged 44 years from 1975 to 2022, for exactly 13,000 unique zip codes.</a:t>
-            </a:r>
-          </a:p>
-          <a:p>
-            <a:pPr marL="0" indent="0">
-              <a:buNone/>
-            </a:pPr>
+              <a:t>Years with data ranged 44 years from 1975 to 2022, for exactly 13,000 unique Zip Codes.</a:t>
+            </a:r>
+          </a:p>
+          <a:p>
+            <a:r>
+              <a:rPr lang="en-US" sz="2200" dirty="0"/>
+              <a:t>Zip Codes do not have specific geographic boundaries - they specify delivery routes from a single postal station.  So they can not be easily put onto a map.</a:t>
+            </a:r>
+          </a:p>
+          <a:p>
+            <a:r>
+              <a:rPr lang="en-US" sz="2200" dirty="0"/>
+              <a:t>Zip codes vary in geographical size and population.  In the contiguous 48 states, the largest is in NV at over 10,000 sqr miles.  The most populous is in TX with more than 114,000 people.  The smallest and least populated is a two-block area in Manhattan with 1,400 people.</a:t>
+            </a:r>
+          </a:p>
+          <a:p>
+            <a:r>
+              <a:rPr lang="en-US" sz="2200" dirty="0"/>
+              <a:t>Every physical location has a Zip Code, so it can be used to group locations, but geographic considerations (such as proximity to schools) are not cleanly described by the Zip Code number. </a:t>
+            </a:r>
+          </a:p>
+          <a:p>
             <a:endParaRPr lang="en-US" sz="2200" dirty="0"/>
           </a:p>
+        </p:txBody>
+      </p:sp>
+      <p:pic>
+        <p:nvPicPr>
+          <p:cNvPr id="3" name="Picture 2">
+            <a:extLst>
+              <a:ext uri="{FF2B5EF4-FFF2-40B4-BE49-F238E27FC236}">
+                <a16:creationId xmlns:a16="http://schemas.microsoft.com/office/drawing/2014/main" id="{3111DD83-34C6-3500-DCCA-910937858EB9}"/>
+              </a:ext>
+            </a:extLst>
+          </p:cNvPr>
+          <p:cNvPicPr>
+            <a:picLocks noChangeAspect="1"/>
+          </p:cNvPicPr>
+          <p:nvPr/>
+        </p:nvPicPr>
+        <p:blipFill>
+          <a:blip r:embed="rId2"/>
+          <a:stretch>
+            <a:fillRect/>
+          </a:stretch>
+        </p:blipFill>
+        <p:spPr>
+          <a:xfrm>
+            <a:off x="6096000" y="2105318"/>
+            <a:ext cx="5909734" cy="3910530"/>
+          </a:xfrm>
+          <a:prstGeom prst="rect">
+            <a:avLst/>
+          </a:prstGeom>
+        </p:spPr>
+      </p:pic>
+      <p:sp>
+        <p:nvSpPr>
+          <p:cNvPr id="6" name="TextBox 5">
+            <a:extLst>
+              <a:ext uri="{FF2B5EF4-FFF2-40B4-BE49-F238E27FC236}">
+                <a16:creationId xmlns:a16="http://schemas.microsoft.com/office/drawing/2014/main" id="{18FA1085-6709-D1B6-4D24-98463832B7FA}"/>
+              </a:ext>
+            </a:extLst>
+          </p:cNvPr>
+          <p:cNvSpPr txBox="1"/>
+          <p:nvPr/>
+        </p:nvSpPr>
+        <p:spPr>
+          <a:xfrm>
+            <a:off x="7120467" y="1854200"/>
+            <a:ext cx="4055533" cy="276999"/>
+          </a:xfrm>
+          <a:prstGeom prst="rect">
+            <a:avLst/>
+          </a:prstGeom>
+          <a:noFill/>
+        </p:spPr>
+        <p:txBody>
+          <a:bodyPr wrap="square" rtlCol="0">
+            <a:spAutoFit/>
+          </a:bodyPr>
+          <a:lstStyle/>
+          <a:p>
+            <a:r>
+              <a:rPr lang="en-US" sz="1200" b="1" dirty="0"/>
+              <a:t>Figure ##: </a:t>
+            </a:r>
+            <a:r>
+              <a:rPr lang="en-US" sz="1200" dirty="0"/>
+              <a:t>Map of Zip Code Tabulation Area (ZTCA) Centroids</a:t>
+            </a:r>
+          </a:p>
+        </p:txBody>
+      </p:sp>
+    </p:spTree>
+    <p:extLst>
+      <p:ext uri="{BB962C8B-B14F-4D97-AF65-F5344CB8AC3E}">
+        <p14:creationId xmlns:p14="http://schemas.microsoft.com/office/powerpoint/2010/main" val="347274745"/>
+      </p:ext>
+    </p:extLst>
+  </p:cSld>
+  <p:clrMapOvr>
+    <a:masterClrMapping/>
+  </p:clrMapOvr>
+</p:sld>
+</file>
+
+<file path=ppt/slides/slide2.xml><?xml version="1.0" encoding="utf-8"?>
+<p:sld xmlns:a="http://schemas.openxmlformats.org/drawingml/2006/main" xmlns:r="http://schemas.openxmlformats.org/officeDocument/2006/relationships" xmlns:p="http://schemas.openxmlformats.org/presentationml/2006/main">
+  <p:cSld>
+    <p:bg>
+      <p:bgPr>
+        <a:solidFill>
+          <a:schemeClr val="bg1"/>
+        </a:solidFill>
+        <a:effectLst/>
+      </p:bgPr>
+    </p:bg>
+    <p:spTree>
+      <p:nvGrpSpPr>
+        <p:cNvPr id="1" name=""/>
+        <p:cNvGrpSpPr/>
+        <p:nvPr/>
+      </p:nvGrpSpPr>
+      <p:grpSpPr>
+        <a:xfrm>
+          <a:off x="0" y="0"/>
+          <a:ext cx="0" cy="0"/>
+          <a:chOff x="0" y="0"/>
+          <a:chExt cx="0" cy="0"/>
+        </a:xfrm>
+      </p:grpSpPr>
+      <p:sp useBgFill="1">
+        <p:nvSpPr>
+          <p:cNvPr id="19" name="Rectangle 18">
+            <a:extLst>
+              <a:ext uri="{FF2B5EF4-FFF2-40B4-BE49-F238E27FC236}">
+                <a16:creationId xmlns:a16="http://schemas.microsoft.com/office/drawing/2014/main" id="{100EDD19-6802-4EC3-95CE-CFFAB042CFD6}"/>
+              </a:ext>
+              <a:ext uri="{C183D7F6-B498-43B3-948B-1728B52AA6E4}">
+                <adec:decorative xmlns:adec="http://schemas.microsoft.com/office/drawing/2017/decorative" val="1"/>
+              </a:ext>
+            </a:extLst>
+          </p:cNvPr>
+          <p:cNvSpPr>
+            <a:spLocks noGrp="1" noRot="1" noChangeAspect="1" noMove="1" noResize="1" noEditPoints="1" noAdjustHandles="1" noChangeArrowheads="1" noChangeShapeType="1" noTextEdit="1"/>
+          </p:cNvSpPr>
+          <p:nvPr>
+            <p:extLst>
+              <p:ext uri="{386F3935-93C4-4BCD-93E2-E3B085C9AB24}">
+                <p16:designElem xmlns:p16="http://schemas.microsoft.com/office/powerpoint/2015/main" val="1"/>
+              </p:ext>
+            </p:extLst>
+          </p:nvPr>
+        </p:nvSpPr>
+        <p:spPr>
+          <a:xfrm>
+            <a:off x="0" y="0"/>
+            <a:ext cx="12188952" cy="6858000"/>
+          </a:xfrm>
+          <a:prstGeom prst="rect">
+            <a:avLst/>
+          </a:prstGeom>
+          <a:ln>
+            <a:noFill/>
+          </a:ln>
+        </p:spPr>
+        <p:style>
+          <a:lnRef idx="2">
+            <a:schemeClr val="accent1">
+              <a:shade val="50000"/>
+            </a:schemeClr>
+          </a:lnRef>
+          <a:fillRef idx="1">
+            <a:schemeClr val="accent1"/>
+          </a:fillRef>
+          <a:effectRef idx="0">
+            <a:schemeClr val="accent1"/>
+          </a:effectRef>
+          <a:fontRef idx="minor">
+            <a:schemeClr val="lt1"/>
+          </a:fontRef>
+        </p:style>
+        <p:txBody>
+          <a:bodyPr rtlCol="0" anchor="ctr"/>
+          <a:lstStyle/>
+          <a:p>
+            <a:pPr algn="ctr"/>
+            <a:endParaRPr lang="en-US"/>
+          </a:p>
+        </p:txBody>
+      </p:sp>
+      <p:sp>
+        <p:nvSpPr>
+          <p:cNvPr id="4" name="Title 3">
+            <a:extLst>
+              <a:ext uri="{FF2B5EF4-FFF2-40B4-BE49-F238E27FC236}">
+                <a16:creationId xmlns:a16="http://schemas.microsoft.com/office/drawing/2014/main" id="{9F7A142E-2D28-D2DB-7C4C-A0994DEE6DE5}"/>
+              </a:ext>
+            </a:extLst>
+          </p:cNvPr>
+          <p:cNvSpPr>
+            <a:spLocks noGrp="1"/>
+          </p:cNvSpPr>
+          <p:nvPr>
+            <p:ph type="title"/>
+          </p:nvPr>
+        </p:nvSpPr>
+        <p:spPr>
+          <a:xfrm>
+            <a:off x="838200" y="365125"/>
+            <a:ext cx="10515600" cy="1325563"/>
+          </a:xfrm>
+        </p:spPr>
+        <p:txBody>
+          <a:bodyPr>
+            <a:normAutofit/>
+          </a:bodyPr>
+          <a:lstStyle/>
+          <a:p>
+            <a:r>
+              <a:rPr lang="en-US" sz="5400" dirty="0"/>
+              <a:t>Analytics: 1</a:t>
+            </a:r>
+          </a:p>
+        </p:txBody>
+      </p:sp>
+      <p:sp>
+        <p:nvSpPr>
+          <p:cNvPr id="21" name="sketch line">
+            <a:extLst>
+              <a:ext uri="{FF2B5EF4-FFF2-40B4-BE49-F238E27FC236}">
+                <a16:creationId xmlns:a16="http://schemas.microsoft.com/office/drawing/2014/main" id="{DB17E863-922E-4C26-BD64-E8FD41D28661}"/>
+              </a:ext>
+              <a:ext uri="{C183D7F6-B498-43B3-948B-1728B52AA6E4}">
+                <adec:decorative xmlns:adec="http://schemas.microsoft.com/office/drawing/2017/decorative" val="1"/>
+              </a:ext>
+            </a:extLst>
+          </p:cNvPr>
+          <p:cNvSpPr>
+            <a:spLocks noGrp="1" noRot="1" noChangeAspect="1" noMove="1" noResize="1" noEditPoints="1" noAdjustHandles="1" noChangeArrowheads="1" noChangeShapeType="1" noTextEdit="1"/>
+          </p:cNvSpPr>
+          <p:nvPr>
+            <p:extLst>
+              <p:ext uri="{386F3935-93C4-4BCD-93E2-E3B085C9AB24}">
+                <p16:designElem xmlns:p16="http://schemas.microsoft.com/office/powerpoint/2015/main" val="1"/>
+              </p:ext>
+            </p:extLst>
+          </p:nvPr>
+        </p:nvSpPr>
+        <p:spPr>
+          <a:xfrm>
+            <a:off x="669036" y="1677373"/>
+            <a:ext cx="10853928" cy="18288"/>
+          </a:xfrm>
+          <a:custGeom>
+            <a:avLst/>
+            <a:gdLst>
+              <a:gd name="connsiteX0" fmla="*/ 0 w 10853928"/>
+              <a:gd name="connsiteY0" fmla="*/ 0 h 18288"/>
+              <a:gd name="connsiteX1" fmla="*/ 461292 w 10853928"/>
+              <a:gd name="connsiteY1" fmla="*/ 0 h 18288"/>
+              <a:gd name="connsiteX2" fmla="*/ 1139662 w 10853928"/>
+              <a:gd name="connsiteY2" fmla="*/ 0 h 18288"/>
+              <a:gd name="connsiteX3" fmla="*/ 1926572 w 10853928"/>
+              <a:gd name="connsiteY3" fmla="*/ 0 h 18288"/>
+              <a:gd name="connsiteX4" fmla="*/ 2279325 w 10853928"/>
+              <a:gd name="connsiteY4" fmla="*/ 0 h 18288"/>
+              <a:gd name="connsiteX5" fmla="*/ 2632078 w 10853928"/>
+              <a:gd name="connsiteY5" fmla="*/ 0 h 18288"/>
+              <a:gd name="connsiteX6" fmla="*/ 3527527 w 10853928"/>
+              <a:gd name="connsiteY6" fmla="*/ 0 h 18288"/>
+              <a:gd name="connsiteX7" fmla="*/ 4205897 w 10853928"/>
+              <a:gd name="connsiteY7" fmla="*/ 0 h 18288"/>
+              <a:gd name="connsiteX8" fmla="*/ 4558650 w 10853928"/>
+              <a:gd name="connsiteY8" fmla="*/ 0 h 18288"/>
+              <a:gd name="connsiteX9" fmla="*/ 5237020 w 10853928"/>
+              <a:gd name="connsiteY9" fmla="*/ 0 h 18288"/>
+              <a:gd name="connsiteX10" fmla="*/ 6132469 w 10853928"/>
+              <a:gd name="connsiteY10" fmla="*/ 0 h 18288"/>
+              <a:gd name="connsiteX11" fmla="*/ 6702301 w 10853928"/>
+              <a:gd name="connsiteY11" fmla="*/ 0 h 18288"/>
+              <a:gd name="connsiteX12" fmla="*/ 7272132 w 10853928"/>
+              <a:gd name="connsiteY12" fmla="*/ 0 h 18288"/>
+              <a:gd name="connsiteX13" fmla="*/ 7950502 w 10853928"/>
+              <a:gd name="connsiteY13" fmla="*/ 0 h 18288"/>
+              <a:gd name="connsiteX14" fmla="*/ 8737412 w 10853928"/>
+              <a:gd name="connsiteY14" fmla="*/ 0 h 18288"/>
+              <a:gd name="connsiteX15" fmla="*/ 9524322 w 10853928"/>
+              <a:gd name="connsiteY15" fmla="*/ 0 h 18288"/>
+              <a:gd name="connsiteX16" fmla="*/ 10853928 w 10853928"/>
+              <a:gd name="connsiteY16" fmla="*/ 0 h 18288"/>
+              <a:gd name="connsiteX17" fmla="*/ 10853928 w 10853928"/>
+              <a:gd name="connsiteY17" fmla="*/ 18288 h 18288"/>
+              <a:gd name="connsiteX18" fmla="*/ 10392636 w 10853928"/>
+              <a:gd name="connsiteY18" fmla="*/ 18288 h 18288"/>
+              <a:gd name="connsiteX19" fmla="*/ 9497187 w 10853928"/>
+              <a:gd name="connsiteY19" fmla="*/ 18288 h 18288"/>
+              <a:gd name="connsiteX20" fmla="*/ 8818817 w 10853928"/>
+              <a:gd name="connsiteY20" fmla="*/ 18288 h 18288"/>
+              <a:gd name="connsiteX21" fmla="*/ 8466064 w 10853928"/>
+              <a:gd name="connsiteY21" fmla="*/ 18288 h 18288"/>
+              <a:gd name="connsiteX22" fmla="*/ 7787693 w 10853928"/>
+              <a:gd name="connsiteY22" fmla="*/ 18288 h 18288"/>
+              <a:gd name="connsiteX23" fmla="*/ 7217862 w 10853928"/>
+              <a:gd name="connsiteY23" fmla="*/ 18288 h 18288"/>
+              <a:gd name="connsiteX24" fmla="*/ 6648031 w 10853928"/>
+              <a:gd name="connsiteY24" fmla="*/ 18288 h 18288"/>
+              <a:gd name="connsiteX25" fmla="*/ 6078200 w 10853928"/>
+              <a:gd name="connsiteY25" fmla="*/ 18288 h 18288"/>
+              <a:gd name="connsiteX26" fmla="*/ 5508368 w 10853928"/>
+              <a:gd name="connsiteY26" fmla="*/ 18288 h 18288"/>
+              <a:gd name="connsiteX27" fmla="*/ 4721459 w 10853928"/>
+              <a:gd name="connsiteY27" fmla="*/ 18288 h 18288"/>
+              <a:gd name="connsiteX28" fmla="*/ 4043088 w 10853928"/>
+              <a:gd name="connsiteY28" fmla="*/ 18288 h 18288"/>
+              <a:gd name="connsiteX29" fmla="*/ 3690336 w 10853928"/>
+              <a:gd name="connsiteY29" fmla="*/ 18288 h 18288"/>
+              <a:gd name="connsiteX30" fmla="*/ 3120504 w 10853928"/>
+              <a:gd name="connsiteY30" fmla="*/ 18288 h 18288"/>
+              <a:gd name="connsiteX31" fmla="*/ 2333595 w 10853928"/>
+              <a:gd name="connsiteY31" fmla="*/ 18288 h 18288"/>
+              <a:gd name="connsiteX32" fmla="*/ 1872303 w 10853928"/>
+              <a:gd name="connsiteY32" fmla="*/ 18288 h 18288"/>
+              <a:gd name="connsiteX33" fmla="*/ 976854 w 10853928"/>
+              <a:gd name="connsiteY33" fmla="*/ 18288 h 18288"/>
+              <a:gd name="connsiteX34" fmla="*/ 0 w 10853928"/>
+              <a:gd name="connsiteY34" fmla="*/ 18288 h 18288"/>
+              <a:gd name="connsiteX35" fmla="*/ 0 w 10853928"/>
+              <a:gd name="connsiteY35" fmla="*/ 0 h 18288"/>
+            </a:gdLst>
+            <a:ahLst/>
+            <a:cxnLst>
+              <a:cxn ang="0">
+                <a:pos x="connsiteX0" y="connsiteY0"/>
+              </a:cxn>
+              <a:cxn ang="0">
+                <a:pos x="connsiteX1" y="connsiteY1"/>
+              </a:cxn>
+              <a:cxn ang="0">
+                <a:pos x="connsiteX2" y="connsiteY2"/>
+              </a:cxn>
+              <a:cxn ang="0">
+                <a:pos x="connsiteX3" y="connsiteY3"/>
+              </a:cxn>
+              <a:cxn ang="0">
+                <a:pos x="connsiteX4" y="connsiteY4"/>
+              </a:cxn>
+              <a:cxn ang="0">
+                <a:pos x="connsiteX5" y="connsiteY5"/>
+              </a:cxn>
+              <a:cxn ang="0">
+                <a:pos x="connsiteX6" y="connsiteY6"/>
+              </a:cxn>
+              <a:cxn ang="0">
+                <a:pos x="connsiteX7" y="connsiteY7"/>
+              </a:cxn>
+              <a:cxn ang="0">
+                <a:pos x="connsiteX8" y="connsiteY8"/>
+              </a:cxn>
+              <a:cxn ang="0">
+                <a:pos x="connsiteX9" y="connsiteY9"/>
+              </a:cxn>
+              <a:cxn ang="0">
+                <a:pos x="connsiteX10" y="connsiteY10"/>
+              </a:cxn>
+              <a:cxn ang="0">
+                <a:pos x="connsiteX11" y="connsiteY11"/>
+              </a:cxn>
+              <a:cxn ang="0">
+                <a:pos x="connsiteX12" y="connsiteY12"/>
+              </a:cxn>
+              <a:cxn ang="0">
+                <a:pos x="connsiteX13" y="connsiteY13"/>
+              </a:cxn>
+              <a:cxn ang="0">
+                <a:pos x="connsiteX14" y="connsiteY14"/>
+              </a:cxn>
+              <a:cxn ang="0">
+                <a:pos x="connsiteX15" y="connsiteY15"/>
+              </a:cxn>
+              <a:cxn ang="0">
+                <a:pos x="connsiteX16" y="connsiteY16"/>
+              </a:cxn>
+              <a:cxn ang="0">
+                <a:pos x="connsiteX17" y="connsiteY17"/>
+              </a:cxn>
+              <a:cxn ang="0">
+                <a:pos x="connsiteX18" y="connsiteY18"/>
+              </a:cxn>
+              <a:cxn ang="0">
+                <a:pos x="connsiteX19" y="connsiteY19"/>
+              </a:cxn>
+              <a:cxn ang="0">
+                <a:pos x="connsiteX20" y="connsiteY20"/>
+              </a:cxn>
+              <a:cxn ang="0">
+                <a:pos x="connsiteX21" y="connsiteY21"/>
+              </a:cxn>
+              <a:cxn ang="0">
+                <a:pos x="connsiteX22" y="connsiteY22"/>
+              </a:cxn>
+              <a:cxn ang="0">
+                <a:pos x="connsiteX23" y="connsiteY23"/>
+              </a:cxn>
+              <a:cxn ang="0">
+                <a:pos x="connsiteX24" y="connsiteY24"/>
+              </a:cxn>
+              <a:cxn ang="0">
+                <a:pos x="connsiteX25" y="connsiteY25"/>
+              </a:cxn>
+              <a:cxn ang="0">
+                <a:pos x="connsiteX26" y="connsiteY26"/>
+              </a:cxn>
+              <a:cxn ang="0">
+                <a:pos x="connsiteX27" y="connsiteY27"/>
+              </a:cxn>
+              <a:cxn ang="0">
+                <a:pos x="connsiteX28" y="connsiteY28"/>
+              </a:cxn>
+              <a:cxn ang="0">
+                <a:pos x="connsiteX29" y="connsiteY29"/>
+              </a:cxn>
+              <a:cxn ang="0">
+                <a:pos x="connsiteX30" y="connsiteY30"/>
+              </a:cxn>
+              <a:cxn ang="0">
+                <a:pos x="connsiteX31" y="connsiteY31"/>
+              </a:cxn>
+              <a:cxn ang="0">
+                <a:pos x="connsiteX32" y="connsiteY32"/>
+              </a:cxn>
+              <a:cxn ang="0">
+                <a:pos x="connsiteX33" y="connsiteY33"/>
+              </a:cxn>
+              <a:cxn ang="0">
+                <a:pos x="connsiteX34" y="connsiteY34"/>
+              </a:cxn>
+              <a:cxn ang="0">
+                <a:pos x="connsiteX35" y="connsiteY35"/>
+              </a:cxn>
+            </a:cxnLst>
+            <a:rect l="l" t="t" r="r" b="b"/>
+            <a:pathLst>
+              <a:path w="10853928" h="18288" fill="none" extrusionOk="0">
+                <a:moveTo>
+                  <a:pt x="0" y="0"/>
+                </a:moveTo>
+                <a:cubicBezTo>
+                  <a:pt x="146993" y="-19076"/>
+                  <a:pt x="347684" y="-4790"/>
+                  <a:pt x="461292" y="0"/>
+                </a:cubicBezTo>
+                <a:cubicBezTo>
+                  <a:pt x="574900" y="4790"/>
+                  <a:pt x="808367" y="19821"/>
+                  <a:pt x="1139662" y="0"/>
+                </a:cubicBezTo>
+                <a:cubicBezTo>
+                  <a:pt x="1470957" y="-19821"/>
+                  <a:pt x="1627405" y="5721"/>
+                  <a:pt x="1926572" y="0"/>
+                </a:cubicBezTo>
+                <a:cubicBezTo>
+                  <a:pt x="2225739" y="-5721"/>
+                  <a:pt x="2137730" y="-3235"/>
+                  <a:pt x="2279325" y="0"/>
+                </a:cubicBezTo>
+                <a:cubicBezTo>
+                  <a:pt x="2420920" y="3235"/>
+                  <a:pt x="2456518" y="9685"/>
+                  <a:pt x="2632078" y="0"/>
+                </a:cubicBezTo>
+                <a:cubicBezTo>
+                  <a:pt x="2807638" y="-9685"/>
+                  <a:pt x="3211516" y="-43007"/>
+                  <a:pt x="3527527" y="0"/>
+                </a:cubicBezTo>
+                <a:cubicBezTo>
+                  <a:pt x="3843538" y="43007"/>
+                  <a:pt x="4058833" y="22042"/>
+                  <a:pt x="4205897" y="0"/>
+                </a:cubicBezTo>
+                <a:cubicBezTo>
+                  <a:pt x="4352961" y="-22042"/>
+                  <a:pt x="4474805" y="-11846"/>
+                  <a:pt x="4558650" y="0"/>
+                </a:cubicBezTo>
+                <a:cubicBezTo>
+                  <a:pt x="4642495" y="11846"/>
+                  <a:pt x="5041928" y="-6069"/>
+                  <a:pt x="5237020" y="0"/>
+                </a:cubicBezTo>
+                <a:cubicBezTo>
+                  <a:pt x="5432112" y="6069"/>
+                  <a:pt x="5943266" y="-17479"/>
+                  <a:pt x="6132469" y="0"/>
+                </a:cubicBezTo>
+                <a:cubicBezTo>
+                  <a:pt x="6321672" y="17479"/>
+                  <a:pt x="6483872" y="26234"/>
+                  <a:pt x="6702301" y="0"/>
+                </a:cubicBezTo>
+                <a:cubicBezTo>
+                  <a:pt x="6920730" y="-26234"/>
+                  <a:pt x="6991194" y="-15156"/>
+                  <a:pt x="7272132" y="0"/>
+                </a:cubicBezTo>
+                <a:cubicBezTo>
+                  <a:pt x="7553070" y="15156"/>
+                  <a:pt x="7684444" y="-32961"/>
+                  <a:pt x="7950502" y="0"/>
+                </a:cubicBezTo>
+                <a:cubicBezTo>
+                  <a:pt x="8216560" y="32961"/>
+                  <a:pt x="8493290" y="-10491"/>
+                  <a:pt x="8737412" y="0"/>
+                </a:cubicBezTo>
+                <a:cubicBezTo>
+                  <a:pt x="8981534" y="10491"/>
+                  <a:pt x="9191586" y="-13899"/>
+                  <a:pt x="9524322" y="0"/>
+                </a:cubicBezTo>
+                <a:cubicBezTo>
+                  <a:pt x="9857058" y="13899"/>
+                  <a:pt x="10297509" y="7485"/>
+                  <a:pt x="10853928" y="0"/>
+                </a:cubicBezTo>
+                <a:cubicBezTo>
+                  <a:pt x="10854574" y="4451"/>
+                  <a:pt x="10854418" y="9226"/>
+                  <a:pt x="10853928" y="18288"/>
+                </a:cubicBezTo>
+                <a:cubicBezTo>
+                  <a:pt x="10691638" y="28522"/>
+                  <a:pt x="10574319" y="29578"/>
+                  <a:pt x="10392636" y="18288"/>
+                </a:cubicBezTo>
+                <a:cubicBezTo>
+                  <a:pt x="10210953" y="6998"/>
+                  <a:pt x="9836277" y="-16742"/>
+                  <a:pt x="9497187" y="18288"/>
+                </a:cubicBezTo>
+                <a:cubicBezTo>
+                  <a:pt x="9158097" y="53318"/>
+                  <a:pt x="9119479" y="30714"/>
+                  <a:pt x="8818817" y="18288"/>
+                </a:cubicBezTo>
+                <a:cubicBezTo>
+                  <a:pt x="8518155" y="5863"/>
+                  <a:pt x="8640037" y="6483"/>
+                  <a:pt x="8466064" y="18288"/>
+                </a:cubicBezTo>
+                <a:cubicBezTo>
+                  <a:pt x="8292091" y="30093"/>
+                  <a:pt x="7997656" y="18914"/>
+                  <a:pt x="7787693" y="18288"/>
+                </a:cubicBezTo>
+                <a:cubicBezTo>
+                  <a:pt x="7577730" y="17662"/>
+                  <a:pt x="7412468" y="21416"/>
+                  <a:pt x="7217862" y="18288"/>
+                </a:cubicBezTo>
+                <a:cubicBezTo>
+                  <a:pt x="7023256" y="15160"/>
+                  <a:pt x="6898018" y="14824"/>
+                  <a:pt x="6648031" y="18288"/>
+                </a:cubicBezTo>
+                <a:cubicBezTo>
+                  <a:pt x="6398044" y="21752"/>
+                  <a:pt x="6254402" y="38625"/>
+                  <a:pt x="6078200" y="18288"/>
+                </a:cubicBezTo>
+                <a:cubicBezTo>
+                  <a:pt x="5901998" y="-2049"/>
+                  <a:pt x="5622886" y="3213"/>
+                  <a:pt x="5508368" y="18288"/>
+                </a:cubicBezTo>
+                <a:cubicBezTo>
+                  <a:pt x="5393850" y="33363"/>
+                  <a:pt x="5036260" y="26830"/>
+                  <a:pt x="4721459" y="18288"/>
+                </a:cubicBezTo>
+                <a:cubicBezTo>
+                  <a:pt x="4406658" y="9746"/>
+                  <a:pt x="4239221" y="41551"/>
+                  <a:pt x="4043088" y="18288"/>
+                </a:cubicBezTo>
+                <a:cubicBezTo>
+                  <a:pt x="3846955" y="-4975"/>
+                  <a:pt x="3818802" y="34658"/>
+                  <a:pt x="3690336" y="18288"/>
+                </a:cubicBezTo>
+                <a:cubicBezTo>
+                  <a:pt x="3561870" y="1918"/>
+                  <a:pt x="3265491" y="42194"/>
+                  <a:pt x="3120504" y="18288"/>
+                </a:cubicBezTo>
+                <a:cubicBezTo>
+                  <a:pt x="2975517" y="-5618"/>
+                  <a:pt x="2720254" y="36673"/>
+                  <a:pt x="2333595" y="18288"/>
+                </a:cubicBezTo>
+                <a:cubicBezTo>
+                  <a:pt x="1946936" y="-97"/>
+                  <a:pt x="2097241" y="5776"/>
+                  <a:pt x="1872303" y="18288"/>
+                </a:cubicBezTo>
+                <a:cubicBezTo>
+                  <a:pt x="1647365" y="30800"/>
+                  <a:pt x="1282708" y="45380"/>
+                  <a:pt x="976854" y="18288"/>
+                </a:cubicBezTo>
+                <a:cubicBezTo>
+                  <a:pt x="671000" y="-8804"/>
+                  <a:pt x="408401" y="-12775"/>
+                  <a:pt x="0" y="18288"/>
+                </a:cubicBezTo>
+                <a:cubicBezTo>
+                  <a:pt x="-213" y="9468"/>
+                  <a:pt x="187" y="4459"/>
+                  <a:pt x="0" y="0"/>
+                </a:cubicBezTo>
+                <a:close/>
+              </a:path>
+              <a:path w="10853928" h="18288" stroke="0" extrusionOk="0">
+                <a:moveTo>
+                  <a:pt x="0" y="0"/>
+                </a:moveTo>
+                <a:cubicBezTo>
+                  <a:pt x="267322" y="15284"/>
+                  <a:pt x="415388" y="-21048"/>
+                  <a:pt x="569831" y="0"/>
+                </a:cubicBezTo>
+                <a:cubicBezTo>
+                  <a:pt x="724274" y="21048"/>
+                  <a:pt x="769333" y="-2353"/>
+                  <a:pt x="922584" y="0"/>
+                </a:cubicBezTo>
+                <a:cubicBezTo>
+                  <a:pt x="1075835" y="2353"/>
+                  <a:pt x="1399490" y="-145"/>
+                  <a:pt x="1818033" y="0"/>
+                </a:cubicBezTo>
+                <a:cubicBezTo>
+                  <a:pt x="2236576" y="145"/>
+                  <a:pt x="2145330" y="5482"/>
+                  <a:pt x="2387864" y="0"/>
+                </a:cubicBezTo>
+                <a:cubicBezTo>
+                  <a:pt x="2630398" y="-5482"/>
+                  <a:pt x="2793207" y="18487"/>
+                  <a:pt x="2957695" y="0"/>
+                </a:cubicBezTo>
+                <a:cubicBezTo>
+                  <a:pt x="3122183" y="-18487"/>
+                  <a:pt x="3579141" y="19003"/>
+                  <a:pt x="3853144" y="0"/>
+                </a:cubicBezTo>
+                <a:cubicBezTo>
+                  <a:pt x="4127147" y="-19003"/>
+                  <a:pt x="4209857" y="12211"/>
+                  <a:pt x="4314436" y="0"/>
+                </a:cubicBezTo>
+                <a:cubicBezTo>
+                  <a:pt x="4419015" y="-12211"/>
+                  <a:pt x="4762459" y="-17220"/>
+                  <a:pt x="5209885" y="0"/>
+                </a:cubicBezTo>
+                <a:cubicBezTo>
+                  <a:pt x="5657311" y="17220"/>
+                  <a:pt x="5692663" y="-3290"/>
+                  <a:pt x="6105335" y="0"/>
+                </a:cubicBezTo>
+                <a:cubicBezTo>
+                  <a:pt x="6518007" y="3290"/>
+                  <a:pt x="6455516" y="-5124"/>
+                  <a:pt x="6783705" y="0"/>
+                </a:cubicBezTo>
+                <a:cubicBezTo>
+                  <a:pt x="7111894" y="5124"/>
+                  <a:pt x="7441941" y="-17829"/>
+                  <a:pt x="7679154" y="0"/>
+                </a:cubicBezTo>
+                <a:cubicBezTo>
+                  <a:pt x="7916367" y="17829"/>
+                  <a:pt x="8102967" y="-24363"/>
+                  <a:pt x="8248985" y="0"/>
+                </a:cubicBezTo>
+                <a:cubicBezTo>
+                  <a:pt x="8395003" y="24363"/>
+                  <a:pt x="8552393" y="25505"/>
+                  <a:pt x="8818817" y="0"/>
+                </a:cubicBezTo>
+                <a:cubicBezTo>
+                  <a:pt x="9085241" y="-25505"/>
+                  <a:pt x="9411308" y="38000"/>
+                  <a:pt x="9605726" y="0"/>
+                </a:cubicBezTo>
+                <a:cubicBezTo>
+                  <a:pt x="9800144" y="-38000"/>
+                  <a:pt x="10006468" y="-25741"/>
+                  <a:pt x="10175558" y="0"/>
+                </a:cubicBezTo>
+                <a:cubicBezTo>
+                  <a:pt x="10344648" y="25741"/>
+                  <a:pt x="10696282" y="695"/>
+                  <a:pt x="10853928" y="0"/>
+                </a:cubicBezTo>
+                <a:cubicBezTo>
+                  <a:pt x="10853521" y="8690"/>
+                  <a:pt x="10853774" y="14141"/>
+                  <a:pt x="10853928" y="18288"/>
+                </a:cubicBezTo>
+                <a:cubicBezTo>
+                  <a:pt x="10608124" y="24255"/>
+                  <a:pt x="10343415" y="22307"/>
+                  <a:pt x="10067018" y="18288"/>
+                </a:cubicBezTo>
+                <a:cubicBezTo>
+                  <a:pt x="9790621" y="14270"/>
+                  <a:pt x="9843266" y="3564"/>
+                  <a:pt x="9714266" y="18288"/>
+                </a:cubicBezTo>
+                <a:cubicBezTo>
+                  <a:pt x="9585266" y="33012"/>
+                  <a:pt x="9379484" y="1875"/>
+                  <a:pt x="9252974" y="18288"/>
+                </a:cubicBezTo>
+                <a:cubicBezTo>
+                  <a:pt x="9126464" y="34701"/>
+                  <a:pt x="8580678" y="-4904"/>
+                  <a:pt x="8357525" y="18288"/>
+                </a:cubicBezTo>
+                <a:cubicBezTo>
+                  <a:pt x="8134372" y="41480"/>
+                  <a:pt x="7903199" y="26458"/>
+                  <a:pt x="7679154" y="18288"/>
+                </a:cubicBezTo>
+                <a:cubicBezTo>
+                  <a:pt x="7455109" y="10118"/>
+                  <a:pt x="7435944" y="27109"/>
+                  <a:pt x="7217862" y="18288"/>
+                </a:cubicBezTo>
+                <a:cubicBezTo>
+                  <a:pt x="6999780" y="9467"/>
+                  <a:pt x="6680409" y="18985"/>
+                  <a:pt x="6539492" y="18288"/>
+                </a:cubicBezTo>
+                <a:cubicBezTo>
+                  <a:pt x="6398575" y="17592"/>
+                  <a:pt x="6312077" y="33018"/>
+                  <a:pt x="6186739" y="18288"/>
+                </a:cubicBezTo>
+                <a:cubicBezTo>
+                  <a:pt x="6061401" y="3558"/>
+                  <a:pt x="5947033" y="12075"/>
+                  <a:pt x="5833986" y="18288"/>
+                </a:cubicBezTo>
+                <a:cubicBezTo>
+                  <a:pt x="5720939" y="24501"/>
+                  <a:pt x="5482226" y="8586"/>
+                  <a:pt x="5155616" y="18288"/>
+                </a:cubicBezTo>
+                <a:cubicBezTo>
+                  <a:pt x="4829006" y="27991"/>
+                  <a:pt x="4841274" y="29316"/>
+                  <a:pt x="4694324" y="18288"/>
+                </a:cubicBezTo>
+                <a:cubicBezTo>
+                  <a:pt x="4547374" y="7260"/>
+                  <a:pt x="4077675" y="7013"/>
+                  <a:pt x="3907414" y="18288"/>
+                </a:cubicBezTo>
+                <a:cubicBezTo>
+                  <a:pt x="3737153" y="29564"/>
+                  <a:pt x="3538393" y="21630"/>
+                  <a:pt x="3446122" y="18288"/>
+                </a:cubicBezTo>
+                <a:cubicBezTo>
+                  <a:pt x="3353851" y="14946"/>
+                  <a:pt x="2990320" y="-8091"/>
+                  <a:pt x="2659212" y="18288"/>
+                </a:cubicBezTo>
+                <a:cubicBezTo>
+                  <a:pt x="2328104" y="44667"/>
+                  <a:pt x="2427653" y="9607"/>
+                  <a:pt x="2306460" y="18288"/>
+                </a:cubicBezTo>
+                <a:cubicBezTo>
+                  <a:pt x="2185267" y="26969"/>
+                  <a:pt x="1719763" y="3717"/>
+                  <a:pt x="1519550" y="18288"/>
+                </a:cubicBezTo>
+                <a:cubicBezTo>
+                  <a:pt x="1319337" y="32860"/>
+                  <a:pt x="1167371" y="17040"/>
+                  <a:pt x="1058258" y="18288"/>
+                </a:cubicBezTo>
+                <a:cubicBezTo>
+                  <a:pt x="949145" y="19536"/>
+                  <a:pt x="780234" y="31447"/>
+                  <a:pt x="705505" y="18288"/>
+                </a:cubicBezTo>
+                <a:cubicBezTo>
+                  <a:pt x="630776" y="5129"/>
+                  <a:pt x="215796" y="30056"/>
+                  <a:pt x="0" y="18288"/>
+                </a:cubicBezTo>
+                <a:cubicBezTo>
+                  <a:pt x="-53" y="11301"/>
+                  <a:pt x="-649" y="7756"/>
+                  <a:pt x="0" y="0"/>
+                </a:cubicBezTo>
+                <a:close/>
+              </a:path>
+            </a:pathLst>
+          </a:custGeom>
+          <a:solidFill>
+            <a:schemeClr val="accent2"/>
+          </a:solidFill>
+          <a:ln w="41275" cap="rnd">
+            <a:solidFill>
+              <a:schemeClr val="accent2"/>
+            </a:solidFill>
+            <a:round/>
+            <a:extLst>
+              <a:ext uri="{C807C97D-BFC1-408E-A445-0C87EB9F89A2}">
+                <ask:lineSketchStyleProps xmlns:ask="http://schemas.microsoft.com/office/drawing/2018/sketchyshapes" sd="1219033472">
+                  <a:prstGeom prst="rect">
+                    <a:avLst/>
+                  </a:prstGeom>
+                  <ask:type>
+                    <ask:lineSketchFreehand/>
+                  </ask:type>
+                </ask:lineSketchStyleProps>
+              </a:ext>
+            </a:extLst>
+          </a:ln>
+        </p:spPr>
+        <p:style>
+          <a:lnRef idx="2">
+            <a:schemeClr val="accent1">
+              <a:shade val="50000"/>
+            </a:schemeClr>
+          </a:lnRef>
+          <a:fillRef idx="1">
+            <a:schemeClr val="accent1"/>
+          </a:fillRef>
+          <a:effectRef idx="0">
+            <a:schemeClr val="accent1"/>
+          </a:effectRef>
+          <a:fontRef idx="minor">
+            <a:schemeClr val="lt1"/>
+          </a:fontRef>
+        </p:style>
+        <p:txBody>
+          <a:bodyPr rtlCol="0" anchor="ctr"/>
+          <a:lstStyle/>
+          <a:p>
+            <a:pPr algn="ctr"/>
+            <a:endParaRPr lang="en-US"/>
+          </a:p>
+        </p:txBody>
+      </p:sp>
+      <p:sp>
+        <p:nvSpPr>
+          <p:cNvPr id="5" name="Content Placeholder 4">
+            <a:extLst>
+              <a:ext uri="{FF2B5EF4-FFF2-40B4-BE49-F238E27FC236}">
+                <a16:creationId xmlns:a16="http://schemas.microsoft.com/office/drawing/2014/main" id="{9CDD473B-455C-247E-5EF8-85BBA20BFF57}"/>
+              </a:ext>
+            </a:extLst>
+          </p:cNvPr>
+          <p:cNvSpPr>
+            <a:spLocks noGrp="1"/>
+          </p:cNvSpPr>
+          <p:nvPr>
+            <p:ph idx="1"/>
+          </p:nvPr>
+        </p:nvSpPr>
+        <p:spPr>
+          <a:xfrm>
+            <a:off x="838200" y="1929384"/>
+            <a:ext cx="10515600" cy="4251960"/>
+          </a:xfrm>
+        </p:spPr>
+        <p:txBody>
+          <a:bodyPr>
+            <a:normAutofit fontScale="77500" lnSpcReduction="20000"/>
+          </a:bodyPr>
+          <a:lstStyle/>
           <a:p>
             <a:pPr marL="0" indent="0">
               <a:buNone/>
@@ -4216,13 +5162,19 @@
           <a:p>
             <a:r>
               <a:rPr lang="en-US" sz="2200" dirty="0"/>
-              <a:t>Change in HPI from the prior year was computed for each year starting in 1976, for all zip codes, and outliers were determined for each year, to identify zip codes of high growth and large decline.</a:t>
+              <a:t>Change in HPI from the prior year was computed for each year starting in 1976, for all Zip Codes, and outliers were determined for each year, to identify Zip Codes of high growth and large decline.</a:t>
             </a:r>
           </a:p>
           <a:p>
             <a:r>
               <a:rPr lang="en-US" sz="2200" dirty="0"/>
-              <a:t>Change in HPI was computed for periods of 3, 5, 10, and 20 years, as well as the full 44 years, and outliers were determined for each period.</a:t>
+              <a:t>Zip Codes with no data for a particular year were dropped, so there are Zip Codes that were included some years but not others.</a:t>
+            </a:r>
+          </a:p>
+          <a:p>
+            <a:r>
+              <a:rPr lang="en-US" sz="2200" dirty="0"/>
+              <a:t>Change in HPI was computed for periods of 3, 5, 10, and 20 years, as well as the full 44 years, and outliers were determined for each period.  There were ### outliers for the longest period, ### for the shortest.</a:t>
             </a:r>
           </a:p>
           <a:p>
@@ -4275,7 +5227,7 @@
     </p:spTree>
     <p:extLst>
       <p:ext uri="{BB962C8B-B14F-4D97-AF65-F5344CB8AC3E}">
-        <p14:creationId xmlns:p14="http://schemas.microsoft.com/office/powerpoint/2010/main" val="3623733460"/>
+        <p14:creationId xmlns:p14="http://schemas.microsoft.com/office/powerpoint/2010/main" val="282584994"/>
       </p:ext>
     </p:extLst>
   </p:cSld>

--- a/craig_slides.pptx
+++ b/craig_slides.pptx
@@ -118,7 +118,7 @@
   <pc:docChgLst>
     <pc:chgData name="Craig Gallagher" userId="28cd9cc4fde23f80" providerId="LiveId" clId="{8D5E68E8-7DA0-4E45-B594-BBE4F9FACBA1}"/>
     <pc:docChg chg="undo custSel addSld delSld modSld">
-      <pc:chgData name="Craig Gallagher" userId="28cd9cc4fde23f80" providerId="LiveId" clId="{8D5E68E8-7DA0-4E45-B594-BBE4F9FACBA1}" dt="2023-05-03T00:56:22.919" v="1678" actId="20577"/>
+      <pc:chgData name="Craig Gallagher" userId="28cd9cc4fde23f80" providerId="LiveId" clId="{8D5E68E8-7DA0-4E45-B594-BBE4F9FACBA1}" dt="2023-05-03T01:00:14.016" v="1679" actId="20577"/>
       <pc:docMkLst>
         <pc:docMk/>
       </pc:docMkLst>
@@ -179,7 +179,7 @@
         </pc:sldMkLst>
       </pc:sldChg>
       <pc:sldChg chg="addSp modSp add mod">
-        <pc:chgData name="Craig Gallagher" userId="28cd9cc4fde23f80" providerId="LiveId" clId="{8D5E68E8-7DA0-4E45-B594-BBE4F9FACBA1}" dt="2023-05-03T00:43:23.399" v="1412" actId="14100"/>
+        <pc:chgData name="Craig Gallagher" userId="28cd9cc4fde23f80" providerId="LiveId" clId="{8D5E68E8-7DA0-4E45-B594-BBE4F9FACBA1}" dt="2023-05-03T01:00:14.016" v="1679" actId="20577"/>
         <pc:sldMkLst>
           <pc:docMk/>
           <pc:sldMk cId="347274745" sldId="266"/>
@@ -193,7 +193,7 @@
           </ac:spMkLst>
         </pc:spChg>
         <pc:spChg chg="mod">
-          <ac:chgData name="Craig Gallagher" userId="28cd9cc4fde23f80" providerId="LiveId" clId="{8D5E68E8-7DA0-4E45-B594-BBE4F9FACBA1}" dt="2023-05-03T00:28:08.885" v="1311" actId="27636"/>
+          <ac:chgData name="Craig Gallagher" userId="28cd9cc4fde23f80" providerId="LiveId" clId="{8D5E68E8-7DA0-4E45-B594-BBE4F9FACBA1}" dt="2023-05-03T01:00:14.016" v="1679" actId="20577"/>
           <ac:spMkLst>
             <pc:docMk/>
             <pc:sldMk cId="347274745" sldId="266"/>
@@ -4251,7 +4251,7 @@
           <a:p>
             <a:r>
               <a:rPr lang="en-US" sz="2200" dirty="0"/>
-              <a:t>Years with data ranged 44 years from 1975 to 2022, for exactly 13,000 unique Zip Codes.</a:t>
+              <a:t>Years with data ranged 48 years from 1975 to 2022, for exactly 13,000 unique Zip Codes.</a:t>
             </a:r>
           </a:p>
           <a:p>

--- a/craig_slides.pptx
+++ b/craig_slides.pptx
@@ -118,7 +118,7 @@
   <pc:docChgLst>
     <pc:chgData name="Craig Gallagher" userId="28cd9cc4fde23f80" providerId="LiveId" clId="{8D5E68E8-7DA0-4E45-B594-BBE4F9FACBA1}"/>
     <pc:docChg chg="undo custSel addSld delSld modSld">
-      <pc:chgData name="Craig Gallagher" userId="28cd9cc4fde23f80" providerId="LiveId" clId="{8D5E68E8-7DA0-4E45-B594-BBE4F9FACBA1}" dt="2023-05-03T01:00:14.016" v="1679" actId="20577"/>
+      <pc:chgData name="Craig Gallagher" userId="28cd9cc4fde23f80" providerId="LiveId" clId="{8D5E68E8-7DA0-4E45-B594-BBE4F9FACBA1}" dt="2023-05-03T01:47:41.492" v="1944" actId="20577"/>
       <pc:docMkLst>
         <pc:docMk/>
       </pc:docMkLst>
@@ -225,13 +225,13 @@
         </pc:sldMkLst>
       </pc:sldChg>
       <pc:sldChg chg="modSp add mod">
-        <pc:chgData name="Craig Gallagher" userId="28cd9cc4fde23f80" providerId="LiveId" clId="{8D5E68E8-7DA0-4E45-B594-BBE4F9FACBA1}" dt="2023-05-03T00:56:22.919" v="1678" actId="20577"/>
+        <pc:chgData name="Craig Gallagher" userId="28cd9cc4fde23f80" providerId="LiveId" clId="{8D5E68E8-7DA0-4E45-B594-BBE4F9FACBA1}" dt="2023-05-03T01:47:41.492" v="1944" actId="20577"/>
         <pc:sldMkLst>
           <pc:docMk/>
           <pc:sldMk cId="282584994" sldId="267"/>
         </pc:sldMkLst>
         <pc:spChg chg="mod">
-          <ac:chgData name="Craig Gallagher" userId="28cd9cc4fde23f80" providerId="LiveId" clId="{8D5E68E8-7DA0-4E45-B594-BBE4F9FACBA1}" dt="2023-05-03T00:56:22.919" v="1678" actId="20577"/>
+          <ac:chgData name="Craig Gallagher" userId="28cd9cc4fde23f80" providerId="LiveId" clId="{8D5E68E8-7DA0-4E45-B594-BBE4F9FACBA1}" dt="2023-05-03T01:47:41.492" v="1944" actId="20577"/>
           <ac:spMkLst>
             <pc:docMk/>
             <pc:sldMk cId="282584994" sldId="267"/>
@@ -5174,7 +5174,7 @@
           <a:p>
             <a:r>
               <a:rPr lang="en-US" sz="2200" dirty="0"/>
-              <a:t>Change in HPI was computed for periods of 3, 5, 10, and 20 years, as well as the full 44 years, and outliers were determined for each period.  There were ### outliers for the longest period, ### for the shortest.</a:t>
+              <a:t>Change in HPI was computed for periods of 3, 5, 10, and 20 years, as well as the full 48 years, and outliers were determined for each period.  There were 126 outliers for the 20-year period, 273 for the 3-year period.  The full 48-year period had no outliers.</a:t>
             </a:r>
           </a:p>
           <a:p>
@@ -5214,6 +5214,12 @@
             <a:r>
               <a:rPr lang="en-US" sz="2200" dirty="0"/>
               <a:t>Multiple .csv files were used to store the results, but it would be possible to use a single file, so a future improvement would be to update this analysis code to do that, which would require altering the code for later analysis that accesses those files.</a:t>
+            </a:r>
+          </a:p>
+          <a:p>
+            <a:r>
+              <a:rPr lang="en-US" sz="2200" dirty="0"/>
+              <a:t>Add consideration into the code for periods with no mathematically outliers – perhaps top and bottom 5 zip codes.</a:t>
             </a:r>
           </a:p>
           <a:p>

--- a/craig_slides.pptx
+++ b/craig_slides.pptx
@@ -7,6 +7,9 @@
   <p:sldIdLst>
     <p:sldId id="266" r:id="rId2"/>
     <p:sldId id="267" r:id="rId3"/>
+    <p:sldId id="269" r:id="rId4"/>
+    <p:sldId id="270" r:id="rId5"/>
+    <p:sldId id="268" r:id="rId6"/>
   </p:sldIdLst>
   <p:sldSz cx="12192000" cy="6858000"/>
   <p:notesSz cx="6858000" cy="9144000"/>
@@ -117,8 +120,8 @@
 <pc:chgInfo xmlns:a="http://schemas.openxmlformats.org/drawingml/2006/main" xmlns:r="http://schemas.openxmlformats.org/officeDocument/2006/relationships" xmlns:ac="http://schemas.microsoft.com/office/drawing/2013/main/command" xmlns:pc="http://schemas.microsoft.com/office/powerpoint/2013/main/command">
   <pc:docChgLst>
     <pc:chgData name="Craig Gallagher" userId="28cd9cc4fde23f80" providerId="LiveId" clId="{8D5E68E8-7DA0-4E45-B594-BBE4F9FACBA1}"/>
-    <pc:docChg chg="undo custSel addSld delSld modSld">
-      <pc:chgData name="Craig Gallagher" userId="28cd9cc4fde23f80" providerId="LiveId" clId="{8D5E68E8-7DA0-4E45-B594-BBE4F9FACBA1}" dt="2023-05-03T01:47:41.492" v="1944" actId="20577"/>
+    <pc:docChg chg="undo custSel addSld delSld modSld sldOrd">
+      <pc:chgData name="Craig Gallagher" userId="28cd9cc4fde23f80" providerId="LiveId" clId="{8D5E68E8-7DA0-4E45-B594-BBE4F9FACBA1}" dt="2023-05-04T03:42:05.813" v="2931" actId="20577"/>
       <pc:docMkLst>
         <pc:docMk/>
       </pc:docMkLst>
@@ -179,7 +182,7 @@
         </pc:sldMkLst>
       </pc:sldChg>
       <pc:sldChg chg="addSp modSp add mod">
-        <pc:chgData name="Craig Gallagher" userId="28cd9cc4fde23f80" providerId="LiveId" clId="{8D5E68E8-7DA0-4E45-B594-BBE4F9FACBA1}" dt="2023-05-03T01:00:14.016" v="1679" actId="20577"/>
+        <pc:chgData name="Craig Gallagher" userId="28cd9cc4fde23f80" providerId="LiveId" clId="{8D5E68E8-7DA0-4E45-B594-BBE4F9FACBA1}" dt="2023-05-03T02:55:26.192" v="2279" actId="20577"/>
         <pc:sldMkLst>
           <pc:docMk/>
           <pc:sldMk cId="347274745" sldId="266"/>
@@ -193,7 +196,7 @@
           </ac:spMkLst>
         </pc:spChg>
         <pc:spChg chg="mod">
-          <ac:chgData name="Craig Gallagher" userId="28cd9cc4fde23f80" providerId="LiveId" clId="{8D5E68E8-7DA0-4E45-B594-BBE4F9FACBA1}" dt="2023-05-03T01:00:14.016" v="1679" actId="20577"/>
+          <ac:chgData name="Craig Gallagher" userId="28cd9cc4fde23f80" providerId="LiveId" clId="{8D5E68E8-7DA0-4E45-B594-BBE4F9FACBA1}" dt="2023-05-03T02:55:26.192" v="2279" actId="20577"/>
           <ac:spMkLst>
             <pc:docMk/>
             <pc:sldMk cId="347274745" sldId="266"/>
@@ -201,7 +204,7 @@
           </ac:spMkLst>
         </pc:spChg>
         <pc:spChg chg="add mod">
-          <ac:chgData name="Craig Gallagher" userId="28cd9cc4fde23f80" providerId="LiveId" clId="{8D5E68E8-7DA0-4E45-B594-BBE4F9FACBA1}" dt="2023-05-03T00:43:23.399" v="1412" actId="14100"/>
+          <ac:chgData name="Craig Gallagher" userId="28cd9cc4fde23f80" providerId="LiveId" clId="{8D5E68E8-7DA0-4E45-B594-BBE4F9FACBA1}" dt="2023-05-03T02:43:08.265" v="2274" actId="1076"/>
           <ac:spMkLst>
             <pc:docMk/>
             <pc:sldMk cId="347274745" sldId="266"/>
@@ -209,7 +212,7 @@
           </ac:spMkLst>
         </pc:spChg>
         <pc:picChg chg="add mod">
-          <ac:chgData name="Craig Gallagher" userId="28cd9cc4fde23f80" providerId="LiveId" clId="{8D5E68E8-7DA0-4E45-B594-BBE4F9FACBA1}" dt="2023-05-03T00:42:32.974" v="1403" actId="1076"/>
+          <ac:chgData name="Craig Gallagher" userId="28cd9cc4fde23f80" providerId="LiveId" clId="{8D5E68E8-7DA0-4E45-B594-BBE4F9FACBA1}" dt="2023-05-03T02:43:03.536" v="2273" actId="1076"/>
           <ac:picMkLst>
             <pc:docMk/>
             <pc:sldMk cId="347274745" sldId="266"/>
@@ -224,20 +227,52 @@
           <pc:sldMk cId="2440788019" sldId="266"/>
         </pc:sldMkLst>
       </pc:sldChg>
-      <pc:sldChg chg="modSp add mod">
-        <pc:chgData name="Craig Gallagher" userId="28cd9cc4fde23f80" providerId="LiveId" clId="{8D5E68E8-7DA0-4E45-B594-BBE4F9FACBA1}" dt="2023-05-03T01:47:41.492" v="1944" actId="20577"/>
+      <pc:sldChg chg="addSp delSp modSp add mod">
+        <pc:chgData name="Craig Gallagher" userId="28cd9cc4fde23f80" providerId="LiveId" clId="{8D5E68E8-7DA0-4E45-B594-BBE4F9FACBA1}" dt="2023-05-04T02:43:47.301" v="2336" actId="1076"/>
         <pc:sldMkLst>
           <pc:docMk/>
           <pc:sldMk cId="282584994" sldId="267"/>
         </pc:sldMkLst>
         <pc:spChg chg="mod">
-          <ac:chgData name="Craig Gallagher" userId="28cd9cc4fde23f80" providerId="LiveId" clId="{8D5E68E8-7DA0-4E45-B594-BBE4F9FACBA1}" dt="2023-05-03T01:47:41.492" v="1944" actId="20577"/>
+          <ac:chgData name="Craig Gallagher" userId="28cd9cc4fde23f80" providerId="LiveId" clId="{8D5E68E8-7DA0-4E45-B594-BBE4F9FACBA1}" dt="2023-05-03T04:44:37.751" v="2287" actId="14100"/>
           <ac:spMkLst>
             <pc:docMk/>
             <pc:sldMk cId="282584994" sldId="267"/>
             <ac:spMk id="5" creationId="{9CDD473B-455C-247E-5EF8-85BBA20BFF57}"/>
           </ac:spMkLst>
         </pc:spChg>
+        <pc:spChg chg="add mod">
+          <ac:chgData name="Craig Gallagher" userId="28cd9cc4fde23f80" providerId="LiveId" clId="{8D5E68E8-7DA0-4E45-B594-BBE4F9FACBA1}" dt="2023-05-04T02:43:47.301" v="2336" actId="1076"/>
+          <ac:spMkLst>
+            <pc:docMk/>
+            <pc:sldMk cId="282584994" sldId="267"/>
+            <ac:spMk id="6" creationId="{98E85320-EB3C-917D-2DAC-6EC4C12FD211}"/>
+          </ac:spMkLst>
+        </pc:spChg>
+        <pc:picChg chg="add mod">
+          <ac:chgData name="Craig Gallagher" userId="28cd9cc4fde23f80" providerId="LiveId" clId="{8D5E68E8-7DA0-4E45-B594-BBE4F9FACBA1}" dt="2023-05-04T02:42:18.312" v="2290" actId="1076"/>
+          <ac:picMkLst>
+            <pc:docMk/>
+            <pc:sldMk cId="282584994" sldId="267"/>
+            <ac:picMk id="3" creationId="{11B36382-B388-5EF8-696F-8486EEA1AC9B}"/>
+          </ac:picMkLst>
+        </pc:picChg>
+        <pc:picChg chg="add del mod">
+          <ac:chgData name="Craig Gallagher" userId="28cd9cc4fde23f80" providerId="LiveId" clId="{8D5E68E8-7DA0-4E45-B594-BBE4F9FACBA1}" dt="2023-05-03T04:43:58.464" v="2284" actId="478"/>
+          <ac:picMkLst>
+            <pc:docMk/>
+            <pc:sldMk cId="282584994" sldId="267"/>
+            <ac:picMk id="3" creationId="{A2F99948-E2F1-6EA3-AFA0-CCE8CAAC46E6}"/>
+          </ac:picMkLst>
+        </pc:picChg>
+        <pc:picChg chg="add del mod">
+          <ac:chgData name="Craig Gallagher" userId="28cd9cc4fde23f80" providerId="LiveId" clId="{8D5E68E8-7DA0-4E45-B594-BBE4F9FACBA1}" dt="2023-05-04T02:41:52.979" v="2288" actId="478"/>
+          <ac:picMkLst>
+            <pc:docMk/>
+            <pc:sldMk cId="282584994" sldId="267"/>
+            <ac:picMk id="7" creationId="{2D19953D-10AC-9002-1EE0-B0A920F33D6E}"/>
+          </ac:picMkLst>
+        </pc:picChg>
       </pc:sldChg>
       <pc:sldChg chg="del">
         <pc:chgData name="Craig Gallagher" userId="28cd9cc4fde23f80" providerId="LiveId" clId="{8D5E68E8-7DA0-4E45-B594-BBE4F9FACBA1}" dt="2023-05-02T18:53:16.830" v="7" actId="47"/>
@@ -245,6 +280,458 @@
           <pc:docMk/>
           <pc:sldMk cId="1364664700" sldId="267"/>
         </pc:sldMkLst>
+      </pc:sldChg>
+      <pc:sldChg chg="modSp add mod">
+        <pc:chgData name="Craig Gallagher" userId="28cd9cc4fde23f80" providerId="LiveId" clId="{8D5E68E8-7DA0-4E45-B594-BBE4F9FACBA1}" dt="2023-05-04T03:42:05.813" v="2931" actId="20577"/>
+        <pc:sldMkLst>
+          <pc:docMk/>
+          <pc:sldMk cId="4199895565" sldId="268"/>
+        </pc:sldMkLst>
+        <pc:spChg chg="mod">
+          <ac:chgData name="Craig Gallagher" userId="28cd9cc4fde23f80" providerId="LiveId" clId="{8D5E68E8-7DA0-4E45-B594-BBE4F9FACBA1}" dt="2023-05-04T03:42:05.813" v="2931" actId="20577"/>
+          <ac:spMkLst>
+            <pc:docMk/>
+            <pc:sldMk cId="4199895565" sldId="268"/>
+            <ac:spMk id="5" creationId="{9CDD473B-455C-247E-5EF8-85BBA20BFF57}"/>
+          </ac:spMkLst>
+        </pc:spChg>
+      </pc:sldChg>
+      <pc:sldChg chg="addSp delSp modSp new mod ord">
+        <pc:chgData name="Craig Gallagher" userId="28cd9cc4fde23f80" providerId="LiveId" clId="{8D5E68E8-7DA0-4E45-B594-BBE4F9FACBA1}" dt="2023-05-04T02:51:32.134" v="2540" actId="14100"/>
+        <pc:sldMkLst>
+          <pc:docMk/>
+          <pc:sldMk cId="1115262626" sldId="269"/>
+        </pc:sldMkLst>
+        <pc:spChg chg="del">
+          <ac:chgData name="Craig Gallagher" userId="28cd9cc4fde23f80" providerId="LiveId" clId="{8D5E68E8-7DA0-4E45-B594-BBE4F9FACBA1}" dt="2023-05-04T02:45:23.071" v="2361" actId="478"/>
+          <ac:spMkLst>
+            <pc:docMk/>
+            <pc:sldMk cId="1115262626" sldId="269"/>
+            <ac:spMk id="2" creationId="{A967EBF8-3423-4BFF-2657-13D88E1BECB8}"/>
+          </ac:spMkLst>
+        </pc:spChg>
+        <pc:spChg chg="del">
+          <ac:chgData name="Craig Gallagher" userId="28cd9cc4fde23f80" providerId="LiveId" clId="{8D5E68E8-7DA0-4E45-B594-BBE4F9FACBA1}" dt="2023-05-04T02:45:22.065" v="2360" actId="478"/>
+          <ac:spMkLst>
+            <pc:docMk/>
+            <pc:sldMk cId="1115262626" sldId="269"/>
+            <ac:spMk id="3" creationId="{8C7281A4-05A4-3E2A-EC12-9A1711E4991E}"/>
+          </ac:spMkLst>
+        </pc:spChg>
+        <pc:spChg chg="add mod">
+          <ac:chgData name="Craig Gallagher" userId="28cd9cc4fde23f80" providerId="LiveId" clId="{8D5E68E8-7DA0-4E45-B594-BBE4F9FACBA1}" dt="2023-05-04T02:45:54.349" v="2376" actId="1076"/>
+          <ac:spMkLst>
+            <pc:docMk/>
+            <pc:sldMk cId="1115262626" sldId="269"/>
+            <ac:spMk id="6" creationId="{EC776861-62D3-FDA2-458B-071B9043303A}"/>
+          </ac:spMkLst>
+        </pc:spChg>
+        <pc:spChg chg="add mod">
+          <ac:chgData name="Craig Gallagher" userId="28cd9cc4fde23f80" providerId="LiveId" clId="{8D5E68E8-7DA0-4E45-B594-BBE4F9FACBA1}" dt="2023-05-04T02:46:14.341" v="2388" actId="1076"/>
+          <ac:spMkLst>
+            <pc:docMk/>
+            <pc:sldMk cId="1115262626" sldId="269"/>
+            <ac:spMk id="7" creationId="{2FADF304-9937-9F3C-6557-9097A0855BA8}"/>
+          </ac:spMkLst>
+        </pc:spChg>
+        <pc:spChg chg="add mod">
+          <ac:chgData name="Craig Gallagher" userId="28cd9cc4fde23f80" providerId="LiveId" clId="{8D5E68E8-7DA0-4E45-B594-BBE4F9FACBA1}" dt="2023-05-04T02:46:22.225" v="2396" actId="20577"/>
+          <ac:spMkLst>
+            <pc:docMk/>
+            <pc:sldMk cId="1115262626" sldId="269"/>
+            <ac:spMk id="8" creationId="{4C962386-8B7C-ABE3-6A60-8B25CA384080}"/>
+          </ac:spMkLst>
+        </pc:spChg>
+        <pc:spChg chg="add mod">
+          <ac:chgData name="Craig Gallagher" userId="28cd9cc4fde23f80" providerId="LiveId" clId="{8D5E68E8-7DA0-4E45-B594-BBE4F9FACBA1}" dt="2023-05-04T02:46:28.967" v="2403" actId="20577"/>
+          <ac:spMkLst>
+            <pc:docMk/>
+            <pc:sldMk cId="1115262626" sldId="269"/>
+            <ac:spMk id="9" creationId="{E2928937-ACA6-4076-B1C9-8EF0018D0AFC}"/>
+          </ac:spMkLst>
+        </pc:spChg>
+        <pc:spChg chg="add mod">
+          <ac:chgData name="Craig Gallagher" userId="28cd9cc4fde23f80" providerId="LiveId" clId="{8D5E68E8-7DA0-4E45-B594-BBE4F9FACBA1}" dt="2023-05-04T02:46:41.534" v="2414" actId="20577"/>
+          <ac:spMkLst>
+            <pc:docMk/>
+            <pc:sldMk cId="1115262626" sldId="269"/>
+            <ac:spMk id="10" creationId="{459AA282-497D-794E-B560-8641448FB4E8}"/>
+          </ac:spMkLst>
+        </pc:spChg>
+        <pc:spChg chg="add mod">
+          <ac:chgData name="Craig Gallagher" userId="28cd9cc4fde23f80" providerId="LiveId" clId="{8D5E68E8-7DA0-4E45-B594-BBE4F9FACBA1}" dt="2023-05-04T02:46:54.247" v="2423" actId="20577"/>
+          <ac:spMkLst>
+            <pc:docMk/>
+            <pc:sldMk cId="1115262626" sldId="269"/>
+            <ac:spMk id="11" creationId="{5FC0B8D3-43C9-40CF-3C03-567AB4A39AED}"/>
+          </ac:spMkLst>
+        </pc:spChg>
+        <pc:spChg chg="add mod">
+          <ac:chgData name="Craig Gallagher" userId="28cd9cc4fde23f80" providerId="LiveId" clId="{8D5E68E8-7DA0-4E45-B594-BBE4F9FACBA1}" dt="2023-05-04T02:47:28.526" v="2432" actId="1076"/>
+          <ac:spMkLst>
+            <pc:docMk/>
+            <pc:sldMk cId="1115262626" sldId="269"/>
+            <ac:spMk id="12" creationId="{6021E029-7397-859F-93EF-560285AB839C}"/>
+          </ac:spMkLst>
+        </pc:spChg>
+        <pc:spChg chg="add mod">
+          <ac:chgData name="Craig Gallagher" userId="28cd9cc4fde23f80" providerId="LiveId" clId="{8D5E68E8-7DA0-4E45-B594-BBE4F9FACBA1}" dt="2023-05-04T02:49:55.796" v="2440" actId="20577"/>
+          <ac:spMkLst>
+            <pc:docMk/>
+            <pc:sldMk cId="1115262626" sldId="269"/>
+            <ac:spMk id="13" creationId="{8CE4FA9C-DAB3-4AA1-5F54-B2D5C40453AA}"/>
+          </ac:spMkLst>
+        </pc:spChg>
+        <pc:spChg chg="add mod">
+          <ac:chgData name="Craig Gallagher" userId="28cd9cc4fde23f80" providerId="LiveId" clId="{8D5E68E8-7DA0-4E45-B594-BBE4F9FACBA1}" dt="2023-05-04T02:50:05.143" v="2466" actId="20577"/>
+          <ac:spMkLst>
+            <pc:docMk/>
+            <pc:sldMk cId="1115262626" sldId="269"/>
+            <ac:spMk id="14" creationId="{59635EA7-7036-8121-4FFE-2B0A2CD28B60}"/>
+          </ac:spMkLst>
+        </pc:spChg>
+        <pc:spChg chg="add mod">
+          <ac:chgData name="Craig Gallagher" userId="28cd9cc4fde23f80" providerId="LiveId" clId="{8D5E68E8-7DA0-4E45-B594-BBE4F9FACBA1}" dt="2023-05-04T02:50:12.841" v="2477" actId="20577"/>
+          <ac:spMkLst>
+            <pc:docMk/>
+            <pc:sldMk cId="1115262626" sldId="269"/>
+            <ac:spMk id="15" creationId="{B4071C38-F1D7-CC05-AF74-BC06FE08E91E}"/>
+          </ac:spMkLst>
+        </pc:spChg>
+        <pc:spChg chg="add mod">
+          <ac:chgData name="Craig Gallagher" userId="28cd9cc4fde23f80" providerId="LiveId" clId="{8D5E68E8-7DA0-4E45-B594-BBE4F9FACBA1}" dt="2023-05-04T02:50:19.747" v="2483" actId="20577"/>
+          <ac:spMkLst>
+            <pc:docMk/>
+            <pc:sldMk cId="1115262626" sldId="269"/>
+            <ac:spMk id="16" creationId="{F3EBE0B7-EE0C-E25D-105F-F99C47E47941}"/>
+          </ac:spMkLst>
+        </pc:spChg>
+        <pc:spChg chg="add mod">
+          <ac:chgData name="Craig Gallagher" userId="28cd9cc4fde23f80" providerId="LiveId" clId="{8D5E68E8-7DA0-4E45-B594-BBE4F9FACBA1}" dt="2023-05-04T02:50:36.917" v="2500" actId="1076"/>
+          <ac:spMkLst>
+            <pc:docMk/>
+            <pc:sldMk cId="1115262626" sldId="269"/>
+            <ac:spMk id="17" creationId="{F8A01488-EA7B-EDD4-3768-1C524DEBDB0D}"/>
+          </ac:spMkLst>
+        </pc:spChg>
+        <pc:spChg chg="add mod">
+          <ac:chgData name="Craig Gallagher" userId="28cd9cc4fde23f80" providerId="LiveId" clId="{8D5E68E8-7DA0-4E45-B594-BBE4F9FACBA1}" dt="2023-05-04T02:51:24.565" v="2537" actId="1076"/>
+          <ac:spMkLst>
+            <pc:docMk/>
+            <pc:sldMk cId="1115262626" sldId="269"/>
+            <ac:spMk id="21" creationId="{C540A2E8-DE70-5469-8783-D21D525EC4D1}"/>
+          </ac:spMkLst>
+        </pc:spChg>
+        <pc:picChg chg="add mod">
+          <ac:chgData name="Craig Gallagher" userId="28cd9cc4fde23f80" providerId="LiveId" clId="{8D5E68E8-7DA0-4E45-B594-BBE4F9FACBA1}" dt="2023-05-04T02:45:28.727" v="2362" actId="931"/>
+          <ac:picMkLst>
+            <pc:docMk/>
+            <pc:sldMk cId="1115262626" sldId="269"/>
+            <ac:picMk id="5" creationId="{D29D12A4-C43E-8E90-6A89-07AB99AB7F3D}"/>
+          </ac:picMkLst>
+        </pc:picChg>
+        <pc:cxnChg chg="add mod">
+          <ac:chgData name="Craig Gallagher" userId="28cd9cc4fde23f80" providerId="LiveId" clId="{8D5E68E8-7DA0-4E45-B594-BBE4F9FACBA1}" dt="2023-05-04T02:50:59.393" v="2503" actId="692"/>
+          <ac:cxnSpMkLst>
+            <pc:docMk/>
+            <pc:sldMk cId="1115262626" sldId="269"/>
+            <ac:cxnSpMk id="19" creationId="{AD0480F9-11C1-1569-50A6-8AD9E1C4E272}"/>
+          </ac:cxnSpMkLst>
+        </pc:cxnChg>
+        <pc:cxnChg chg="add mod">
+          <ac:chgData name="Craig Gallagher" userId="28cd9cc4fde23f80" providerId="LiveId" clId="{8D5E68E8-7DA0-4E45-B594-BBE4F9FACBA1}" dt="2023-05-04T02:51:32.134" v="2540" actId="14100"/>
+          <ac:cxnSpMkLst>
+            <pc:docMk/>
+            <pc:sldMk cId="1115262626" sldId="269"/>
+            <ac:cxnSpMk id="22" creationId="{A95B52F2-4DDC-E898-6E51-0BB3EAFA2A79}"/>
+          </ac:cxnSpMkLst>
+        </pc:cxnChg>
+      </pc:sldChg>
+      <pc:sldChg chg="addSp delSp modSp add del mod">
+        <pc:chgData name="Craig Gallagher" userId="28cd9cc4fde23f80" providerId="LiveId" clId="{8D5E68E8-7DA0-4E45-B594-BBE4F9FACBA1}" dt="2023-05-04T02:45:15.739" v="2356" actId="2696"/>
+        <pc:sldMkLst>
+          <pc:docMk/>
+          <pc:sldMk cId="2447973523" sldId="269"/>
+        </pc:sldMkLst>
+        <pc:spChg chg="add del mod">
+          <ac:chgData name="Craig Gallagher" userId="28cd9cc4fde23f80" providerId="LiveId" clId="{8D5E68E8-7DA0-4E45-B594-BBE4F9FACBA1}" dt="2023-05-04T02:44:51.837" v="2353" actId="478"/>
+          <ac:spMkLst>
+            <pc:docMk/>
+            <pc:sldMk cId="2447973523" sldId="269"/>
+            <ac:spMk id="2" creationId="{FD9D63E0-5AD6-07B0-32DC-79DACA3E15B6}"/>
+          </ac:spMkLst>
+        </pc:spChg>
+        <pc:spChg chg="del mod">
+          <ac:chgData name="Craig Gallagher" userId="28cd9cc4fde23f80" providerId="LiveId" clId="{8D5E68E8-7DA0-4E45-B594-BBE4F9FACBA1}" dt="2023-05-04T02:43:58.837" v="2339" actId="478"/>
+          <ac:spMkLst>
+            <pc:docMk/>
+            <pc:sldMk cId="2447973523" sldId="269"/>
+            <ac:spMk id="5" creationId="{9CDD473B-455C-247E-5EF8-85BBA20BFF57}"/>
+          </ac:spMkLst>
+        </pc:spChg>
+        <pc:spChg chg="add del mod">
+          <ac:chgData name="Craig Gallagher" userId="28cd9cc4fde23f80" providerId="LiveId" clId="{8D5E68E8-7DA0-4E45-B594-BBE4F9FACBA1}" dt="2023-05-04T02:44:02.013" v="2340" actId="478"/>
+          <ac:spMkLst>
+            <pc:docMk/>
+            <pc:sldMk cId="2447973523" sldId="269"/>
+            <ac:spMk id="7" creationId="{30EEB430-1F96-BDF4-0D1E-B80C94A9C226}"/>
+          </ac:spMkLst>
+        </pc:spChg>
+        <pc:picChg chg="del mod">
+          <ac:chgData name="Craig Gallagher" userId="28cd9cc4fde23f80" providerId="LiveId" clId="{8D5E68E8-7DA0-4E45-B594-BBE4F9FACBA1}" dt="2023-05-04T02:44:02.873" v="2342" actId="478"/>
+          <ac:picMkLst>
+            <pc:docMk/>
+            <pc:sldMk cId="2447973523" sldId="269"/>
+            <ac:picMk id="3" creationId="{11B36382-B388-5EF8-696F-8486EEA1AC9B}"/>
+          </ac:picMkLst>
+        </pc:picChg>
+        <pc:picChg chg="add mod ord">
+          <ac:chgData name="Craig Gallagher" userId="28cd9cc4fde23f80" providerId="LiveId" clId="{8D5E68E8-7DA0-4E45-B594-BBE4F9FACBA1}" dt="2023-05-04T02:44:58.141" v="2355" actId="14100"/>
+          <ac:picMkLst>
+            <pc:docMk/>
+            <pc:sldMk cId="2447973523" sldId="269"/>
+            <ac:picMk id="9" creationId="{0EBB59F5-CAB9-93C6-3863-CE4AB5E3B944}"/>
+          </ac:picMkLst>
+        </pc:picChg>
+      </pc:sldChg>
+      <pc:sldChg chg="addSp delSp modSp add mod">
+        <pc:chgData name="Craig Gallagher" userId="28cd9cc4fde23f80" providerId="LiveId" clId="{8D5E68E8-7DA0-4E45-B594-BBE4F9FACBA1}" dt="2023-05-04T03:41:26.880" v="2875" actId="1076"/>
+        <pc:sldMkLst>
+          <pc:docMk/>
+          <pc:sldMk cId="1049537664" sldId="270"/>
+        </pc:sldMkLst>
+        <pc:spChg chg="mod">
+          <ac:chgData name="Craig Gallagher" userId="28cd9cc4fde23f80" providerId="LiveId" clId="{8D5E68E8-7DA0-4E45-B594-BBE4F9FACBA1}" dt="2023-05-04T03:30:28.892" v="2698" actId="1037"/>
+          <ac:spMkLst>
+            <pc:docMk/>
+            <pc:sldMk cId="1049537664" sldId="270"/>
+            <ac:spMk id="7" creationId="{2FADF304-9937-9F3C-6557-9097A0855BA8}"/>
+          </ac:spMkLst>
+        </pc:spChg>
+        <pc:spChg chg="mod">
+          <ac:chgData name="Craig Gallagher" userId="28cd9cc4fde23f80" providerId="LiveId" clId="{8D5E68E8-7DA0-4E45-B594-BBE4F9FACBA1}" dt="2023-05-04T03:23:52.006" v="2610" actId="1076"/>
+          <ac:spMkLst>
+            <pc:docMk/>
+            <pc:sldMk cId="1049537664" sldId="270"/>
+            <ac:spMk id="8" creationId="{4C962386-8B7C-ABE3-6A60-8B25CA384080}"/>
+          </ac:spMkLst>
+        </pc:spChg>
+        <pc:spChg chg="mod">
+          <ac:chgData name="Craig Gallagher" userId="28cd9cc4fde23f80" providerId="LiveId" clId="{8D5E68E8-7DA0-4E45-B594-BBE4F9FACBA1}" dt="2023-05-04T03:23:24.239" v="2599" actId="1076"/>
+          <ac:spMkLst>
+            <pc:docMk/>
+            <pc:sldMk cId="1049537664" sldId="270"/>
+            <ac:spMk id="9" creationId="{E2928937-ACA6-4076-B1C9-8EF0018D0AFC}"/>
+          </ac:spMkLst>
+        </pc:spChg>
+        <pc:spChg chg="del">
+          <ac:chgData name="Craig Gallagher" userId="28cd9cc4fde23f80" providerId="LiveId" clId="{8D5E68E8-7DA0-4E45-B594-BBE4F9FACBA1}" dt="2023-05-04T02:53:28.322" v="2555" actId="478"/>
+          <ac:spMkLst>
+            <pc:docMk/>
+            <pc:sldMk cId="1049537664" sldId="270"/>
+            <ac:spMk id="10" creationId="{459AA282-497D-794E-B560-8641448FB4E8}"/>
+          </ac:spMkLst>
+        </pc:spChg>
+        <pc:spChg chg="mod">
+          <ac:chgData name="Craig Gallagher" userId="28cd9cc4fde23f80" providerId="LiveId" clId="{8D5E68E8-7DA0-4E45-B594-BBE4F9FACBA1}" dt="2023-05-04T02:52:56.175" v="2551" actId="207"/>
+          <ac:spMkLst>
+            <pc:docMk/>
+            <pc:sldMk cId="1049537664" sldId="270"/>
+            <ac:spMk id="11" creationId="{5FC0B8D3-43C9-40CF-3C03-567AB4A39AED}"/>
+          </ac:spMkLst>
+        </pc:spChg>
+        <pc:spChg chg="mod">
+          <ac:chgData name="Craig Gallagher" userId="28cd9cc4fde23f80" providerId="LiveId" clId="{8D5E68E8-7DA0-4E45-B594-BBE4F9FACBA1}" dt="2023-05-04T03:24:04.142" v="2612" actId="1076"/>
+          <ac:spMkLst>
+            <pc:docMk/>
+            <pc:sldMk cId="1049537664" sldId="270"/>
+            <ac:spMk id="12" creationId="{6021E029-7397-859F-93EF-560285AB839C}"/>
+          </ac:spMkLst>
+        </pc:spChg>
+        <pc:spChg chg="mod">
+          <ac:chgData name="Craig Gallagher" userId="28cd9cc4fde23f80" providerId="LiveId" clId="{8D5E68E8-7DA0-4E45-B594-BBE4F9FACBA1}" dt="2023-05-04T03:34:44.631" v="2788" actId="1076"/>
+          <ac:spMkLst>
+            <pc:docMk/>
+            <pc:sldMk cId="1049537664" sldId="270"/>
+            <ac:spMk id="13" creationId="{8CE4FA9C-DAB3-4AA1-5F54-B2D5C40453AA}"/>
+          </ac:spMkLst>
+        </pc:spChg>
+        <pc:spChg chg="mod">
+          <ac:chgData name="Craig Gallagher" userId="28cd9cc4fde23f80" providerId="LiveId" clId="{8D5E68E8-7DA0-4E45-B594-BBE4F9FACBA1}" dt="2023-05-04T03:39:39.855" v="2865" actId="1076"/>
+          <ac:spMkLst>
+            <pc:docMk/>
+            <pc:sldMk cId="1049537664" sldId="270"/>
+            <ac:spMk id="14" creationId="{59635EA7-7036-8121-4FFE-2B0A2CD28B60}"/>
+          </ac:spMkLst>
+        </pc:spChg>
+        <pc:spChg chg="mod">
+          <ac:chgData name="Craig Gallagher" userId="28cd9cc4fde23f80" providerId="LiveId" clId="{8D5E68E8-7DA0-4E45-B594-BBE4F9FACBA1}" dt="2023-05-04T03:27:31.418" v="2640" actId="20577"/>
+          <ac:spMkLst>
+            <pc:docMk/>
+            <pc:sldMk cId="1049537664" sldId="270"/>
+            <ac:spMk id="15" creationId="{B4071C38-F1D7-CC05-AF74-BC06FE08E91E}"/>
+          </ac:spMkLst>
+        </pc:spChg>
+        <pc:spChg chg="del">
+          <ac:chgData name="Craig Gallagher" userId="28cd9cc4fde23f80" providerId="LiveId" clId="{8D5E68E8-7DA0-4E45-B594-BBE4F9FACBA1}" dt="2023-05-04T02:52:50.481" v="2550" actId="478"/>
+          <ac:spMkLst>
+            <pc:docMk/>
+            <pc:sldMk cId="1049537664" sldId="270"/>
+            <ac:spMk id="16" creationId="{F3EBE0B7-EE0C-E25D-105F-F99C47E47941}"/>
+          </ac:spMkLst>
+        </pc:spChg>
+        <pc:spChg chg="mod">
+          <ac:chgData name="Craig Gallagher" userId="28cd9cc4fde23f80" providerId="LiveId" clId="{8D5E68E8-7DA0-4E45-B594-BBE4F9FACBA1}" dt="2023-05-04T03:28:00.847" v="2644" actId="1076"/>
+          <ac:spMkLst>
+            <pc:docMk/>
+            <pc:sldMk cId="1049537664" sldId="270"/>
+            <ac:spMk id="17" creationId="{F8A01488-EA7B-EDD4-3768-1C524DEBDB0D}"/>
+          </ac:spMkLst>
+        </pc:spChg>
+        <pc:spChg chg="add mod">
+          <ac:chgData name="Craig Gallagher" userId="28cd9cc4fde23f80" providerId="LiveId" clId="{8D5E68E8-7DA0-4E45-B594-BBE4F9FACBA1}" dt="2023-05-04T03:24:42.872" v="2618" actId="207"/>
+          <ac:spMkLst>
+            <pc:docMk/>
+            <pc:sldMk cId="1049537664" sldId="270"/>
+            <ac:spMk id="20" creationId="{C9950B9A-A764-154A-D8C0-7E6050CB1E95}"/>
+          </ac:spMkLst>
+        </pc:spChg>
+        <pc:spChg chg="mod">
+          <ac:chgData name="Craig Gallagher" userId="28cd9cc4fde23f80" providerId="LiveId" clId="{8D5E68E8-7DA0-4E45-B594-BBE4F9FACBA1}" dt="2023-05-04T03:30:21.657" v="2694" actId="1035"/>
+          <ac:spMkLst>
+            <pc:docMk/>
+            <pc:sldMk cId="1049537664" sldId="270"/>
+            <ac:spMk id="21" creationId="{C540A2E8-DE70-5469-8783-D21D525EC4D1}"/>
+          </ac:spMkLst>
+        </pc:spChg>
+        <pc:spChg chg="add mod">
+          <ac:chgData name="Craig Gallagher" userId="28cd9cc4fde23f80" providerId="LiveId" clId="{8D5E68E8-7DA0-4E45-B594-BBE4F9FACBA1}" dt="2023-05-04T03:41:26.880" v="2875" actId="1076"/>
+          <ac:spMkLst>
+            <pc:docMk/>
+            <pc:sldMk cId="1049537664" sldId="270"/>
+            <ac:spMk id="26" creationId="{E034DD05-5D8C-11C9-523E-A044682E808D}"/>
+          </ac:spMkLst>
+        </pc:spChg>
+        <pc:spChg chg="add mod">
+          <ac:chgData name="Craig Gallagher" userId="28cd9cc4fde23f80" providerId="LiveId" clId="{8D5E68E8-7DA0-4E45-B594-BBE4F9FACBA1}" dt="2023-05-04T03:30:04.852" v="2686" actId="20577"/>
+          <ac:spMkLst>
+            <pc:docMk/>
+            <pc:sldMk cId="1049537664" sldId="270"/>
+            <ac:spMk id="27" creationId="{0966223E-128A-07BD-CF6C-497E72BE3571}"/>
+          </ac:spMkLst>
+        </pc:spChg>
+        <pc:spChg chg="add mod">
+          <ac:chgData name="Craig Gallagher" userId="28cd9cc4fde23f80" providerId="LiveId" clId="{8D5E68E8-7DA0-4E45-B594-BBE4F9FACBA1}" dt="2023-05-04T03:31:23.703" v="2712" actId="1076"/>
+          <ac:spMkLst>
+            <pc:docMk/>
+            <pc:sldMk cId="1049537664" sldId="270"/>
+            <ac:spMk id="31" creationId="{CE4E5599-C3AC-6D13-1A97-850373AC838B}"/>
+          </ac:spMkLst>
+        </pc:spChg>
+        <pc:spChg chg="add mod">
+          <ac:chgData name="Craig Gallagher" userId="28cd9cc4fde23f80" providerId="LiveId" clId="{8D5E68E8-7DA0-4E45-B594-BBE4F9FACBA1}" dt="2023-05-04T03:31:37.702" v="2720" actId="1076"/>
+          <ac:spMkLst>
+            <pc:docMk/>
+            <pc:sldMk cId="1049537664" sldId="270"/>
+            <ac:spMk id="32" creationId="{C861425F-3FC4-6DE2-9B5F-0036FA7D7265}"/>
+          </ac:spMkLst>
+        </pc:spChg>
+        <pc:spChg chg="add mod">
+          <ac:chgData name="Craig Gallagher" userId="28cd9cc4fde23f80" providerId="LiveId" clId="{8D5E68E8-7DA0-4E45-B594-BBE4F9FACBA1}" dt="2023-05-04T03:35:12.279" v="2831" actId="1076"/>
+          <ac:spMkLst>
+            <pc:docMk/>
+            <pc:sldMk cId="1049537664" sldId="270"/>
+            <ac:spMk id="37" creationId="{21F0499E-D3A0-D830-CD7D-9069B801534A}"/>
+          </ac:spMkLst>
+        </pc:spChg>
+        <pc:spChg chg="add mod">
+          <ac:chgData name="Craig Gallagher" userId="28cd9cc4fde23f80" providerId="LiveId" clId="{8D5E68E8-7DA0-4E45-B594-BBE4F9FACBA1}" dt="2023-05-04T03:36:26.202" v="2832" actId="692"/>
+          <ac:spMkLst>
+            <pc:docMk/>
+            <pc:sldMk cId="1049537664" sldId="270"/>
+            <ac:spMk id="38" creationId="{5A8BEF34-F333-D5AC-6680-876377530A56}"/>
+          </ac:spMkLst>
+        </pc:spChg>
+        <pc:spChg chg="add mod">
+          <ac:chgData name="Craig Gallagher" userId="28cd9cc4fde23f80" providerId="LiveId" clId="{8D5E68E8-7DA0-4E45-B594-BBE4F9FACBA1}" dt="2023-05-04T03:38:52.263" v="2837" actId="688"/>
+          <ac:spMkLst>
+            <pc:docMk/>
+            <pc:sldMk cId="1049537664" sldId="270"/>
+            <ac:spMk id="39" creationId="{57A9F7D5-5688-26D2-A066-99217129ADED}"/>
+          </ac:spMkLst>
+        </pc:spChg>
+        <pc:spChg chg="add mod">
+          <ac:chgData name="Craig Gallagher" userId="28cd9cc4fde23f80" providerId="LiveId" clId="{8D5E68E8-7DA0-4E45-B594-BBE4F9FACBA1}" dt="2023-05-04T03:39:12.375" v="2864" actId="1076"/>
+          <ac:spMkLst>
+            <pc:docMk/>
+            <pc:sldMk cId="1049537664" sldId="270"/>
+            <ac:spMk id="40" creationId="{16D9A4FB-9CCC-A7A6-8E89-F65ABD433D64}"/>
+          </ac:spMkLst>
+        </pc:spChg>
+        <pc:spChg chg="add mod">
+          <ac:chgData name="Craig Gallagher" userId="28cd9cc4fde23f80" providerId="LiveId" clId="{8D5E68E8-7DA0-4E45-B594-BBE4F9FACBA1}" dt="2023-05-04T03:40:12.855" v="2874" actId="1076"/>
+          <ac:spMkLst>
+            <pc:docMk/>
+            <pc:sldMk cId="1049537664" sldId="270"/>
+            <ac:spMk id="41" creationId="{262F0F90-AD74-6ADD-2752-CE83CBB804C9}"/>
+          </ac:spMkLst>
+        </pc:spChg>
+        <pc:picChg chg="add del mod ord">
+          <ac:chgData name="Craig Gallagher" userId="28cd9cc4fde23f80" providerId="LiveId" clId="{8D5E68E8-7DA0-4E45-B594-BBE4F9FACBA1}" dt="2023-05-04T03:22:33.317" v="2588" actId="478"/>
+          <ac:picMkLst>
+            <pc:docMk/>
+            <pc:sldMk cId="1049537664" sldId="270"/>
+            <ac:picMk id="3" creationId="{48BA8B72-3418-2F37-933D-A93138227A25}"/>
+          </ac:picMkLst>
+        </pc:picChg>
+        <pc:picChg chg="del">
+          <ac:chgData name="Craig Gallagher" userId="28cd9cc4fde23f80" providerId="LiveId" clId="{8D5E68E8-7DA0-4E45-B594-BBE4F9FACBA1}" dt="2023-05-04T02:52:01.220" v="2542" actId="478"/>
+          <ac:picMkLst>
+            <pc:docMk/>
+            <pc:sldMk cId="1049537664" sldId="270"/>
+            <ac:picMk id="5" creationId="{D29D12A4-C43E-8E90-6A89-07AB99AB7F3D}"/>
+          </ac:picMkLst>
+        </pc:picChg>
+        <pc:picChg chg="add mod ord">
+          <ac:chgData name="Craig Gallagher" userId="28cd9cc4fde23f80" providerId="LiveId" clId="{8D5E68E8-7DA0-4E45-B594-BBE4F9FACBA1}" dt="2023-05-04T03:34:48.498" v="2790" actId="1076"/>
+          <ac:picMkLst>
+            <pc:docMk/>
+            <pc:sldMk cId="1049537664" sldId="270"/>
+            <ac:picMk id="18" creationId="{37BA474E-EF37-A38F-9850-DF2D69935399}"/>
+          </ac:picMkLst>
+        </pc:picChg>
+        <pc:cxnChg chg="mod">
+          <ac:chgData name="Craig Gallagher" userId="28cd9cc4fde23f80" providerId="LiveId" clId="{8D5E68E8-7DA0-4E45-B594-BBE4F9FACBA1}" dt="2023-05-04T03:28:05.454" v="2646" actId="14100"/>
+          <ac:cxnSpMkLst>
+            <pc:docMk/>
+            <pc:sldMk cId="1049537664" sldId="270"/>
+            <ac:cxnSpMk id="19" creationId="{AD0480F9-11C1-1569-50A6-8AD9E1C4E272}"/>
+          </ac:cxnSpMkLst>
+        </pc:cxnChg>
+        <pc:cxnChg chg="mod">
+          <ac:chgData name="Craig Gallagher" userId="28cd9cc4fde23f80" providerId="LiveId" clId="{8D5E68E8-7DA0-4E45-B594-BBE4F9FACBA1}" dt="2023-05-04T02:52:23.953" v="2546" actId="692"/>
+          <ac:cxnSpMkLst>
+            <pc:docMk/>
+            <pc:sldMk cId="1049537664" sldId="270"/>
+            <ac:cxnSpMk id="22" creationId="{A95B52F2-4DDC-E898-6E51-0BB3EAFA2A79}"/>
+          </ac:cxnSpMkLst>
+        </pc:cxnChg>
+        <pc:cxnChg chg="add mod">
+          <ac:chgData name="Craig Gallagher" userId="28cd9cc4fde23f80" providerId="LiveId" clId="{8D5E68E8-7DA0-4E45-B594-BBE4F9FACBA1}" dt="2023-05-04T03:30:14.288" v="2689" actId="14100"/>
+          <ac:cxnSpMkLst>
+            <pc:docMk/>
+            <pc:sldMk cId="1049537664" sldId="270"/>
+            <ac:cxnSpMk id="28" creationId="{925E8786-8422-E3BD-8FBB-BA375A42A070}"/>
+          </ac:cxnSpMkLst>
+        </pc:cxnChg>
+        <pc:cxnChg chg="add mod">
+          <ac:chgData name="Craig Gallagher" userId="28cd9cc4fde23f80" providerId="LiveId" clId="{8D5E68E8-7DA0-4E45-B594-BBE4F9FACBA1}" dt="2023-05-04T03:31:53.504" v="2724" actId="14100"/>
+          <ac:cxnSpMkLst>
+            <pc:docMk/>
+            <pc:sldMk cId="1049537664" sldId="270"/>
+            <ac:cxnSpMk id="33" creationId="{CB3D86E7-198B-B8F7-874C-2755CB387829}"/>
+          </ac:cxnSpMkLst>
+        </pc:cxnChg>
       </pc:sldChg>
     </pc:docChg>
   </pc:docChgLst>
@@ -398,7 +885,7 @@
           <a:p>
             <a:fld id="{5C8EB703-CAE4-E545-8522-297E6EFB5641}" type="datetimeFigureOut">
               <a:rPr lang="en-US" smtClean="0"/>
-              <a:t>5/2/2023</a:t>
+              <a:t>5/3/2023</a:t>
             </a:fld>
             <a:endParaRPr lang="en-US"/>
           </a:p>
@@ -596,7 +1083,7 @@
           <a:p>
             <a:fld id="{5C8EB703-CAE4-E545-8522-297E6EFB5641}" type="datetimeFigureOut">
               <a:rPr lang="en-US" smtClean="0"/>
-              <a:t>5/2/2023</a:t>
+              <a:t>5/3/2023</a:t>
             </a:fld>
             <a:endParaRPr lang="en-US"/>
           </a:p>
@@ -804,7 +1291,7 @@
           <a:p>
             <a:fld id="{5C8EB703-CAE4-E545-8522-297E6EFB5641}" type="datetimeFigureOut">
               <a:rPr lang="en-US" smtClean="0"/>
-              <a:t>5/2/2023</a:t>
+              <a:t>5/3/2023</a:t>
             </a:fld>
             <a:endParaRPr lang="en-US"/>
           </a:p>
@@ -1002,7 +1489,7 @@
           <a:p>
             <a:fld id="{5C8EB703-CAE4-E545-8522-297E6EFB5641}" type="datetimeFigureOut">
               <a:rPr lang="en-US" smtClean="0"/>
-              <a:t>5/2/2023</a:t>
+              <a:t>5/3/2023</a:t>
             </a:fld>
             <a:endParaRPr lang="en-US"/>
           </a:p>
@@ -1277,7 +1764,7 @@
           <a:p>
             <a:fld id="{5C8EB703-CAE4-E545-8522-297E6EFB5641}" type="datetimeFigureOut">
               <a:rPr lang="en-US" smtClean="0"/>
-              <a:t>5/2/2023</a:t>
+              <a:t>5/3/2023</a:t>
             </a:fld>
             <a:endParaRPr lang="en-US"/>
           </a:p>
@@ -1542,7 +2029,7 @@
           <a:p>
             <a:fld id="{5C8EB703-CAE4-E545-8522-297E6EFB5641}" type="datetimeFigureOut">
               <a:rPr lang="en-US" smtClean="0"/>
-              <a:t>5/2/2023</a:t>
+              <a:t>5/3/2023</a:t>
             </a:fld>
             <a:endParaRPr lang="en-US"/>
           </a:p>
@@ -1954,7 +2441,7 @@
           <a:p>
             <a:fld id="{5C8EB703-CAE4-E545-8522-297E6EFB5641}" type="datetimeFigureOut">
               <a:rPr lang="en-US" smtClean="0"/>
-              <a:t>5/2/2023</a:t>
+              <a:t>5/3/2023</a:t>
             </a:fld>
             <a:endParaRPr lang="en-US"/>
           </a:p>
@@ -2095,7 +2582,7 @@
           <a:p>
             <a:fld id="{5C8EB703-CAE4-E545-8522-297E6EFB5641}" type="datetimeFigureOut">
               <a:rPr lang="en-US" smtClean="0"/>
-              <a:t>5/2/2023</a:t>
+              <a:t>5/3/2023</a:t>
             </a:fld>
             <a:endParaRPr lang="en-US"/>
           </a:p>
@@ -2208,7 +2695,7 @@
           <a:p>
             <a:fld id="{5C8EB703-CAE4-E545-8522-297E6EFB5641}" type="datetimeFigureOut">
               <a:rPr lang="en-US" smtClean="0"/>
-              <a:t>5/2/2023</a:t>
+              <a:t>5/3/2023</a:t>
             </a:fld>
             <a:endParaRPr lang="en-US"/>
           </a:p>
@@ -2519,7 +3006,7 @@
           <a:p>
             <a:fld id="{5C8EB703-CAE4-E545-8522-297E6EFB5641}" type="datetimeFigureOut">
               <a:rPr lang="en-US" smtClean="0"/>
-              <a:t>5/2/2023</a:t>
+              <a:t>5/3/2023</a:t>
             </a:fld>
             <a:endParaRPr lang="en-US"/>
           </a:p>
@@ -2807,7 +3294,7 @@
           <a:p>
             <a:fld id="{5C8EB703-CAE4-E545-8522-297E6EFB5641}" type="datetimeFigureOut">
               <a:rPr lang="en-US" smtClean="0"/>
-              <a:t>5/2/2023</a:t>
+              <a:t>5/3/2023</a:t>
             </a:fld>
             <a:endParaRPr lang="en-US"/>
           </a:p>
@@ -3048,7 +3535,7 @@
           <a:p>
             <a:fld id="{5C8EB703-CAE4-E545-8522-297E6EFB5641}" type="datetimeFigureOut">
               <a:rPr lang="en-US" smtClean="0"/>
-              <a:t>5/2/2023</a:t>
+              <a:t>5/3/2023</a:t>
             </a:fld>
             <a:endParaRPr lang="en-US"/>
           </a:p>
@@ -4224,13 +4711,13 @@
         </p:nvSpPr>
         <p:spPr>
           <a:xfrm>
-            <a:off x="669036" y="1841755"/>
-            <a:ext cx="5426964" cy="4860883"/>
+            <a:off x="669035" y="1841755"/>
+            <a:ext cx="4962423" cy="4360247"/>
           </a:xfrm>
         </p:spPr>
         <p:txBody>
           <a:bodyPr>
-            <a:normAutofit fontScale="92500" lnSpcReduction="10000"/>
+            <a:normAutofit/>
           </a:bodyPr>
           <a:lstStyle/>
           <a:p>
@@ -4251,29 +4738,32 @@
           <a:p>
             <a:r>
               <a:rPr lang="en-US" sz="2200" dirty="0"/>
-              <a:t>Years with data ranged 48 years from 1975 to 2022, for exactly 13,000 unique Zip Codes.</a:t>
+              <a:t>48 years: 1975 to 2022.</a:t>
             </a:r>
           </a:p>
           <a:p>
             <a:r>
               <a:rPr lang="en-US" sz="2200" dirty="0"/>
-              <a:t>Zip Codes do not have specific geographic boundaries - they specify delivery routes from a single postal station.  So they can not be easily put onto a map.</a:t>
+              <a:t>13,000 unique Zip Codes.</a:t>
             </a:r>
           </a:p>
           <a:p>
             <a:r>
               <a:rPr lang="en-US" sz="2200" dirty="0"/>
-              <a:t>Zip codes vary in geographical size and population.  In the contiguous 48 states, the largest is in NV at over 10,000 sqr miles.  The most populous is in TX with more than 114,000 people.  The smallest and least populated is a two-block area in Manhattan with 1,400 people.</a:t>
+              <a:t>Zip Codes do not have specific geographic boundaries - ZCTAs are roughly analogous.</a:t>
             </a:r>
           </a:p>
           <a:p>
             <a:r>
               <a:rPr lang="en-US" sz="2200" dirty="0"/>
-              <a:t>Every physical location has a Zip Code, so it can be used to group locations, but geographic considerations (such as proximity to schools) are not cleanly described by the Zip Code number. </a:t>
-            </a:r>
-          </a:p>
-          <a:p>
-            <a:endParaRPr lang="en-US" sz="2200" dirty="0"/>
+              <a:t>Zip codes vary greatly in geographical size and population.</a:t>
+            </a:r>
+          </a:p>
+          <a:p>
+            <a:r>
+              <a:rPr lang="en-US" sz="2200" dirty="0"/>
+              <a:t>Geographic considerations are not cleanly described by the Zip Code number. </a:t>
+            </a:r>
           </a:p>
         </p:txBody>
       </p:sp>
@@ -4299,8 +4789,8 @@
         </p:blipFill>
         <p:spPr>
           <a:xfrm>
-            <a:off x="6096000" y="2105318"/>
-            <a:ext cx="5909734" cy="3910530"/>
+            <a:off x="5376333" y="2289738"/>
+            <a:ext cx="6637867" cy="4392343"/>
           </a:xfrm>
           <a:prstGeom prst="rect">
             <a:avLst/>
@@ -4321,7 +4811,7 @@
         </p:nvSpPr>
         <p:spPr>
           <a:xfrm>
-            <a:off x="7120467" y="1854200"/>
+            <a:off x="7035800" y="2055813"/>
             <a:ext cx="4055533" cy="276999"/>
           </a:xfrm>
           <a:prstGeom prst="rect">
@@ -5135,13 +5625,13 @@
         </p:nvSpPr>
         <p:spPr>
           <a:xfrm>
-            <a:off x="838200" y="1929384"/>
-            <a:ext cx="10515600" cy="4251960"/>
+            <a:off x="838200" y="1929383"/>
+            <a:ext cx="5393267" cy="4479883"/>
           </a:xfrm>
         </p:spPr>
         <p:txBody>
           <a:bodyPr>
-            <a:normAutofit fontScale="77500" lnSpcReduction="20000"/>
+            <a:normAutofit/>
           </a:bodyPr>
           <a:lstStyle/>
           <a:p>
@@ -5162,19 +5652,19 @@
           <a:p>
             <a:r>
               <a:rPr lang="en-US" sz="2200" dirty="0"/>
-              <a:t>Change in HPI from the prior year was computed for each year starting in 1976, for all Zip Codes, and outliers were determined for each year, to identify Zip Codes of high growth and large decline.</a:t>
+              <a:t>Change in HPI from the prior year was computed to determine outliers.</a:t>
             </a:r>
           </a:p>
           <a:p>
             <a:r>
               <a:rPr lang="en-US" sz="2200" dirty="0"/>
-              <a:t>Zip Codes with no data for a particular year were dropped, so there are Zip Codes that were included some years but not others.</a:t>
+              <a:t>Zip Codes with no data for a particular year were dropped.</a:t>
             </a:r>
           </a:p>
           <a:p>
             <a:r>
               <a:rPr lang="en-US" sz="2200" dirty="0"/>
-              <a:t>Change in HPI was computed for periods of 3, 5, 10, and 20 years, as well as the full 48 years, and outliers were determined for each period.  There were 126 outliers for the 20-year period, 273 for the 3-year period.  The full 48-year period had no outliers.</a:t>
+              <a:t>Outliers were determined for five longer periods.</a:t>
             </a:r>
           </a:p>
           <a:p>
@@ -5184,11 +5674,2699 @@
             </a:r>
           </a:p>
           <a:p>
+            <a:endParaRPr lang="en-US" sz="2200" dirty="0"/>
+          </a:p>
+        </p:txBody>
+      </p:sp>
+      <p:pic>
+        <p:nvPicPr>
+          <p:cNvPr id="3" name="Picture 2">
+            <a:extLst>
+              <a:ext uri="{FF2B5EF4-FFF2-40B4-BE49-F238E27FC236}">
+                <a16:creationId xmlns:a16="http://schemas.microsoft.com/office/drawing/2014/main" id="{11B36382-B388-5EF8-696F-8486EEA1AC9B}"/>
+              </a:ext>
+            </a:extLst>
+          </p:cNvPr>
+          <p:cNvPicPr>
+            <a:picLocks noChangeAspect="1"/>
+          </p:cNvPicPr>
+          <p:nvPr/>
+        </p:nvPicPr>
+        <p:blipFill>
+          <a:blip r:embed="rId2"/>
+          <a:stretch>
+            <a:fillRect/>
+          </a:stretch>
+        </p:blipFill>
+        <p:spPr>
+          <a:xfrm>
+            <a:off x="6231467" y="1924410"/>
+            <a:ext cx="5852172" cy="4389129"/>
+          </a:xfrm>
+          <a:prstGeom prst="rect">
+            <a:avLst/>
+          </a:prstGeom>
+        </p:spPr>
+      </p:pic>
+      <p:sp>
+        <p:nvSpPr>
+          <p:cNvPr id="6" name="Content Placeholder 4">
+            <a:extLst>
+              <a:ext uri="{FF2B5EF4-FFF2-40B4-BE49-F238E27FC236}">
+                <a16:creationId xmlns:a16="http://schemas.microsoft.com/office/drawing/2014/main" id="{98E85320-EB3C-917D-2DAC-6EC4C12FD211}"/>
+              </a:ext>
+            </a:extLst>
+          </p:cNvPr>
+          <p:cNvSpPr txBox="1">
+            <a:spLocks/>
+          </p:cNvSpPr>
+          <p:nvPr/>
+        </p:nvSpPr>
+        <p:spPr>
+          <a:xfrm>
+            <a:off x="7653867" y="2172759"/>
+            <a:ext cx="4284133" cy="391541"/>
+          </a:xfrm>
+          <a:prstGeom prst="rect">
+            <a:avLst/>
+          </a:prstGeom>
+        </p:spPr>
+        <p:txBody>
+          <a:bodyPr vert="horz" lIns="91440" tIns="45720" rIns="91440" bIns="45720" rtlCol="0">
+            <a:normAutofit/>
+          </a:bodyPr>
+          <a:lstStyle>
+            <a:lvl1pPr marL="228600" indent="-228600" algn="l" defTabSz="914400" rtl="0" eaLnBrk="1" latinLnBrk="0" hangingPunct="1">
+              <a:lnSpc>
+                <a:spcPct val="90000"/>
+              </a:lnSpc>
+              <a:spcBef>
+                <a:spcPts val="1000"/>
+              </a:spcBef>
+              <a:buFont typeface="Arial" panose="020B0604020202020204" pitchFamily="34" charset="0"/>
+              <a:buChar char="•"/>
+              <a:defRPr sz="2800" kern="1200">
+                <a:solidFill>
+                  <a:schemeClr val="tx1"/>
+                </a:solidFill>
+                <a:latin typeface="+mn-lt"/>
+                <a:ea typeface="+mn-ea"/>
+                <a:cs typeface="+mn-cs"/>
+              </a:defRPr>
+            </a:lvl1pPr>
+            <a:lvl2pPr marL="685800" indent="-228600" algn="l" defTabSz="914400" rtl="0" eaLnBrk="1" latinLnBrk="0" hangingPunct="1">
+              <a:lnSpc>
+                <a:spcPct val="90000"/>
+              </a:lnSpc>
+              <a:spcBef>
+                <a:spcPts val="500"/>
+              </a:spcBef>
+              <a:buFont typeface="Arial" panose="020B0604020202020204" pitchFamily="34" charset="0"/>
+              <a:buChar char="•"/>
+              <a:defRPr sz="2400" kern="1200">
+                <a:solidFill>
+                  <a:schemeClr val="tx1"/>
+                </a:solidFill>
+                <a:latin typeface="+mn-lt"/>
+                <a:ea typeface="+mn-ea"/>
+                <a:cs typeface="+mn-cs"/>
+              </a:defRPr>
+            </a:lvl2pPr>
+            <a:lvl3pPr marL="1143000" indent="-228600" algn="l" defTabSz="914400" rtl="0" eaLnBrk="1" latinLnBrk="0" hangingPunct="1">
+              <a:lnSpc>
+                <a:spcPct val="90000"/>
+              </a:lnSpc>
+              <a:spcBef>
+                <a:spcPts val="500"/>
+              </a:spcBef>
+              <a:buFont typeface="Arial" panose="020B0604020202020204" pitchFamily="34" charset="0"/>
+              <a:buChar char="•"/>
+              <a:defRPr sz="2000" kern="1200">
+                <a:solidFill>
+                  <a:schemeClr val="tx1"/>
+                </a:solidFill>
+                <a:latin typeface="+mn-lt"/>
+                <a:ea typeface="+mn-ea"/>
+                <a:cs typeface="+mn-cs"/>
+              </a:defRPr>
+            </a:lvl3pPr>
+            <a:lvl4pPr marL="1600200" indent="-228600" algn="l" defTabSz="914400" rtl="0" eaLnBrk="1" latinLnBrk="0" hangingPunct="1">
+              <a:lnSpc>
+                <a:spcPct val="90000"/>
+              </a:lnSpc>
+              <a:spcBef>
+                <a:spcPts val="500"/>
+              </a:spcBef>
+              <a:buFont typeface="Arial" panose="020B0604020202020204" pitchFamily="34" charset="0"/>
+              <a:buChar char="•"/>
+              <a:defRPr sz="1800" kern="1200">
+                <a:solidFill>
+                  <a:schemeClr val="tx1"/>
+                </a:solidFill>
+                <a:latin typeface="+mn-lt"/>
+                <a:ea typeface="+mn-ea"/>
+                <a:cs typeface="+mn-cs"/>
+              </a:defRPr>
+            </a:lvl4pPr>
+            <a:lvl5pPr marL="2057400" indent="-228600" algn="l" defTabSz="914400" rtl="0" eaLnBrk="1" latinLnBrk="0" hangingPunct="1">
+              <a:lnSpc>
+                <a:spcPct val="90000"/>
+              </a:lnSpc>
+              <a:spcBef>
+                <a:spcPts val="500"/>
+              </a:spcBef>
+              <a:buFont typeface="Arial" panose="020B0604020202020204" pitchFamily="34" charset="0"/>
+              <a:buChar char="•"/>
+              <a:defRPr sz="1800" kern="1200">
+                <a:solidFill>
+                  <a:schemeClr val="tx1"/>
+                </a:solidFill>
+                <a:latin typeface="+mn-lt"/>
+                <a:ea typeface="+mn-ea"/>
+                <a:cs typeface="+mn-cs"/>
+              </a:defRPr>
+            </a:lvl5pPr>
+            <a:lvl6pPr marL="2514600" indent="-228600" algn="l" defTabSz="914400" rtl="0" eaLnBrk="1" latinLnBrk="0" hangingPunct="1">
+              <a:lnSpc>
+                <a:spcPct val="90000"/>
+              </a:lnSpc>
+              <a:spcBef>
+                <a:spcPts val="500"/>
+              </a:spcBef>
+              <a:buFont typeface="Arial" panose="020B0604020202020204" pitchFamily="34" charset="0"/>
+              <a:buChar char="•"/>
+              <a:defRPr sz="1800" kern="1200">
+                <a:solidFill>
+                  <a:schemeClr val="tx1"/>
+                </a:solidFill>
+                <a:latin typeface="+mn-lt"/>
+                <a:ea typeface="+mn-ea"/>
+                <a:cs typeface="+mn-cs"/>
+              </a:defRPr>
+            </a:lvl6pPr>
+            <a:lvl7pPr marL="2971800" indent="-228600" algn="l" defTabSz="914400" rtl="0" eaLnBrk="1" latinLnBrk="0" hangingPunct="1">
+              <a:lnSpc>
+                <a:spcPct val="90000"/>
+              </a:lnSpc>
+              <a:spcBef>
+                <a:spcPts val="500"/>
+              </a:spcBef>
+              <a:buFont typeface="Arial" panose="020B0604020202020204" pitchFamily="34" charset="0"/>
+              <a:buChar char="•"/>
+              <a:defRPr sz="1800" kern="1200">
+                <a:solidFill>
+                  <a:schemeClr val="tx1"/>
+                </a:solidFill>
+                <a:latin typeface="+mn-lt"/>
+                <a:ea typeface="+mn-ea"/>
+                <a:cs typeface="+mn-cs"/>
+              </a:defRPr>
+            </a:lvl7pPr>
+            <a:lvl8pPr marL="3429000" indent="-228600" algn="l" defTabSz="914400" rtl="0" eaLnBrk="1" latinLnBrk="0" hangingPunct="1">
+              <a:lnSpc>
+                <a:spcPct val="90000"/>
+              </a:lnSpc>
+              <a:spcBef>
+                <a:spcPts val="500"/>
+              </a:spcBef>
+              <a:buFont typeface="Arial" panose="020B0604020202020204" pitchFamily="34" charset="0"/>
+              <a:buChar char="•"/>
+              <a:defRPr sz="1800" kern="1200">
+                <a:solidFill>
+                  <a:schemeClr val="tx1"/>
+                </a:solidFill>
+                <a:latin typeface="+mn-lt"/>
+                <a:ea typeface="+mn-ea"/>
+                <a:cs typeface="+mn-cs"/>
+              </a:defRPr>
+            </a:lvl8pPr>
+            <a:lvl9pPr marL="3886200" indent="-228600" algn="l" defTabSz="914400" rtl="0" eaLnBrk="1" latinLnBrk="0" hangingPunct="1">
+              <a:lnSpc>
+                <a:spcPct val="90000"/>
+              </a:lnSpc>
+              <a:spcBef>
+                <a:spcPts val="500"/>
+              </a:spcBef>
+              <a:buFont typeface="Arial" panose="020B0604020202020204" pitchFamily="34" charset="0"/>
+              <a:buChar char="•"/>
+              <a:defRPr sz="1800" kern="1200">
+                <a:solidFill>
+                  <a:schemeClr val="tx1"/>
+                </a:solidFill>
+                <a:latin typeface="+mn-lt"/>
+                <a:ea typeface="+mn-ea"/>
+                <a:cs typeface="+mn-cs"/>
+              </a:defRPr>
+            </a:lvl9pPr>
+          </a:lstStyle>
+          <a:p>
             <a:pPr marL="0" indent="0">
+              <a:buFont typeface="Arial" panose="020B0604020202020204" pitchFamily="34" charset="0"/>
               <a:buNone/>
             </a:pPr>
-            <a:endParaRPr lang="en-US" sz="2200" dirty="0"/>
-          </a:p>
+            <a:r>
+              <a:rPr lang="en-US" sz="1200" b="1" dirty="0"/>
+              <a:t>Figure ##:</a:t>
+            </a:r>
+            <a:endParaRPr lang="en-US" sz="1200" dirty="0"/>
+          </a:p>
+        </p:txBody>
+      </p:sp>
+    </p:spTree>
+    <p:extLst>
+      <p:ext uri="{BB962C8B-B14F-4D97-AF65-F5344CB8AC3E}">
+        <p14:creationId xmlns:p14="http://schemas.microsoft.com/office/powerpoint/2010/main" val="282584994"/>
+      </p:ext>
+    </p:extLst>
+  </p:cSld>
+  <p:clrMapOvr>
+    <a:masterClrMapping/>
+  </p:clrMapOvr>
+</p:sld>
+</file>
+
+<file path=ppt/slides/slide3.xml><?xml version="1.0" encoding="utf-8"?>
+<p:sld xmlns:a="http://schemas.openxmlformats.org/drawingml/2006/main" xmlns:r="http://schemas.openxmlformats.org/officeDocument/2006/relationships" xmlns:p="http://schemas.openxmlformats.org/presentationml/2006/main">
+  <p:cSld>
+    <p:spTree>
+      <p:nvGrpSpPr>
+        <p:cNvPr id="1" name=""/>
+        <p:cNvGrpSpPr/>
+        <p:nvPr/>
+      </p:nvGrpSpPr>
+      <p:grpSpPr>
+        <a:xfrm>
+          <a:off x="0" y="0"/>
+          <a:ext cx="0" cy="0"/>
+          <a:chOff x="0" y="0"/>
+          <a:chExt cx="0" cy="0"/>
+        </a:xfrm>
+      </p:grpSpPr>
+      <p:pic>
+        <p:nvPicPr>
+          <p:cNvPr id="5" name="Picture 4">
+            <a:extLst>
+              <a:ext uri="{FF2B5EF4-FFF2-40B4-BE49-F238E27FC236}">
+                <a16:creationId xmlns:a16="http://schemas.microsoft.com/office/drawing/2014/main" id="{D29D12A4-C43E-8E90-6A89-07AB99AB7F3D}"/>
+              </a:ext>
+            </a:extLst>
+          </p:cNvPr>
+          <p:cNvPicPr>
+            <a:picLocks noChangeAspect="1"/>
+          </p:cNvPicPr>
+          <p:nvPr/>
+        </p:nvPicPr>
+        <p:blipFill>
+          <a:blip r:embed="rId2"/>
+          <a:stretch>
+            <a:fillRect/>
+          </a:stretch>
+        </p:blipFill>
+        <p:spPr>
+          <a:xfrm>
+            <a:off x="1766283" y="242443"/>
+            <a:ext cx="8659433" cy="6373114"/>
+          </a:xfrm>
+          <a:prstGeom prst="rect">
+            <a:avLst/>
+          </a:prstGeom>
+        </p:spPr>
+      </p:pic>
+      <p:sp>
+        <p:nvSpPr>
+          <p:cNvPr id="6" name="TextBox 5">
+            <a:extLst>
+              <a:ext uri="{FF2B5EF4-FFF2-40B4-BE49-F238E27FC236}">
+                <a16:creationId xmlns:a16="http://schemas.microsoft.com/office/drawing/2014/main" id="{EC776861-62D3-FDA2-458B-071B9043303A}"/>
+              </a:ext>
+            </a:extLst>
+          </p:cNvPr>
+          <p:cNvSpPr txBox="1"/>
+          <p:nvPr/>
+        </p:nvSpPr>
+        <p:spPr>
+          <a:xfrm>
+            <a:off x="2040466" y="59267"/>
+            <a:ext cx="2184400" cy="276999"/>
+          </a:xfrm>
+          <a:prstGeom prst="rect">
+            <a:avLst/>
+          </a:prstGeom>
+          <a:noFill/>
+        </p:spPr>
+        <p:txBody>
+          <a:bodyPr wrap="square" rtlCol="0">
+            <a:spAutoFit/>
+          </a:bodyPr>
+          <a:lstStyle/>
+          <a:p>
+            <a:r>
+              <a:rPr lang="en-US" sz="1200" b="1" dirty="0"/>
+              <a:t>Figure ##:</a:t>
+            </a:r>
+          </a:p>
+        </p:txBody>
+      </p:sp>
+      <p:sp>
+        <p:nvSpPr>
+          <p:cNvPr id="7" name="TextBox 6">
+            <a:extLst>
+              <a:ext uri="{FF2B5EF4-FFF2-40B4-BE49-F238E27FC236}">
+                <a16:creationId xmlns:a16="http://schemas.microsoft.com/office/drawing/2014/main" id="{2FADF304-9937-9F3C-6557-9097A0855BA8}"/>
+              </a:ext>
+            </a:extLst>
+          </p:cNvPr>
+          <p:cNvSpPr txBox="1"/>
+          <p:nvPr/>
+        </p:nvSpPr>
+        <p:spPr>
+          <a:xfrm>
+            <a:off x="7416800" y="3843867"/>
+            <a:ext cx="1520750" cy="276999"/>
+          </a:xfrm>
+          <a:prstGeom prst="rect">
+            <a:avLst/>
+          </a:prstGeom>
+          <a:noFill/>
+        </p:spPr>
+        <p:txBody>
+          <a:bodyPr wrap="square" rtlCol="0">
+            <a:spAutoFit/>
+          </a:bodyPr>
+          <a:lstStyle/>
+          <a:p>
+            <a:r>
+              <a:rPr lang="en-US" sz="1200" dirty="0"/>
+              <a:t>Atlanta</a:t>
+            </a:r>
+          </a:p>
+        </p:txBody>
+      </p:sp>
+      <p:sp>
+        <p:nvSpPr>
+          <p:cNvPr id="8" name="TextBox 7">
+            <a:extLst>
+              <a:ext uri="{FF2B5EF4-FFF2-40B4-BE49-F238E27FC236}">
+                <a16:creationId xmlns:a16="http://schemas.microsoft.com/office/drawing/2014/main" id="{4C962386-8B7C-ABE3-6A60-8B25CA384080}"/>
+              </a:ext>
+            </a:extLst>
+          </p:cNvPr>
+          <p:cNvSpPr txBox="1"/>
+          <p:nvPr/>
+        </p:nvSpPr>
+        <p:spPr>
+          <a:xfrm>
+            <a:off x="5029200" y="2954867"/>
+            <a:ext cx="1520750" cy="276999"/>
+          </a:xfrm>
+          <a:prstGeom prst="rect">
+            <a:avLst/>
+          </a:prstGeom>
+          <a:noFill/>
+        </p:spPr>
+        <p:txBody>
+          <a:bodyPr wrap="square" rtlCol="0">
+            <a:spAutoFit/>
+          </a:bodyPr>
+          <a:lstStyle/>
+          <a:p>
+            <a:r>
+              <a:rPr lang="en-US" sz="1200" dirty="0"/>
+              <a:t>Denver</a:t>
+            </a:r>
+          </a:p>
+        </p:txBody>
+      </p:sp>
+      <p:sp>
+        <p:nvSpPr>
+          <p:cNvPr id="9" name="TextBox 8">
+            <a:extLst>
+              <a:ext uri="{FF2B5EF4-FFF2-40B4-BE49-F238E27FC236}">
+                <a16:creationId xmlns:a16="http://schemas.microsoft.com/office/drawing/2014/main" id="{E2928937-ACA6-4076-B1C9-8EF0018D0AFC}"/>
+              </a:ext>
+            </a:extLst>
+          </p:cNvPr>
+          <p:cNvSpPr txBox="1"/>
+          <p:nvPr/>
+        </p:nvSpPr>
+        <p:spPr>
+          <a:xfrm>
+            <a:off x="3725333" y="2459223"/>
+            <a:ext cx="1520750" cy="276999"/>
+          </a:xfrm>
+          <a:prstGeom prst="rect">
+            <a:avLst/>
+          </a:prstGeom>
+          <a:noFill/>
+        </p:spPr>
+        <p:txBody>
+          <a:bodyPr wrap="square" rtlCol="0">
+            <a:spAutoFit/>
+          </a:bodyPr>
+          <a:lstStyle/>
+          <a:p>
+            <a:r>
+              <a:rPr lang="en-US" sz="1200" dirty="0"/>
+              <a:t>Boise</a:t>
+            </a:r>
+          </a:p>
+        </p:txBody>
+      </p:sp>
+      <p:sp>
+        <p:nvSpPr>
+          <p:cNvPr id="10" name="TextBox 9">
+            <a:extLst>
+              <a:ext uri="{FF2B5EF4-FFF2-40B4-BE49-F238E27FC236}">
+                <a16:creationId xmlns:a16="http://schemas.microsoft.com/office/drawing/2014/main" id="{459AA282-497D-794E-B560-8641448FB4E8}"/>
+              </a:ext>
+            </a:extLst>
+          </p:cNvPr>
+          <p:cNvSpPr txBox="1"/>
+          <p:nvPr/>
+        </p:nvSpPr>
+        <p:spPr>
+          <a:xfrm>
+            <a:off x="3056466" y="2677868"/>
+            <a:ext cx="1520750" cy="276999"/>
+          </a:xfrm>
+          <a:prstGeom prst="rect">
+            <a:avLst/>
+          </a:prstGeom>
+          <a:noFill/>
+        </p:spPr>
+        <p:txBody>
+          <a:bodyPr wrap="square" rtlCol="0">
+            <a:spAutoFit/>
+          </a:bodyPr>
+          <a:lstStyle/>
+          <a:p>
+            <a:r>
+              <a:rPr lang="en-US" sz="1200" dirty="0"/>
+              <a:t>Bend</a:t>
+            </a:r>
+          </a:p>
+        </p:txBody>
+      </p:sp>
+      <p:sp>
+        <p:nvSpPr>
+          <p:cNvPr id="11" name="TextBox 10">
+            <a:extLst>
+              <a:ext uri="{FF2B5EF4-FFF2-40B4-BE49-F238E27FC236}">
+                <a16:creationId xmlns:a16="http://schemas.microsoft.com/office/drawing/2014/main" id="{5FC0B8D3-43C9-40CF-3C03-567AB4A39AED}"/>
+              </a:ext>
+            </a:extLst>
+          </p:cNvPr>
+          <p:cNvSpPr txBox="1"/>
+          <p:nvPr/>
+        </p:nvSpPr>
+        <p:spPr>
+          <a:xfrm>
+            <a:off x="4385092" y="3982366"/>
+            <a:ext cx="1520750" cy="276999"/>
+          </a:xfrm>
+          <a:prstGeom prst="rect">
+            <a:avLst/>
+          </a:prstGeom>
+          <a:noFill/>
+        </p:spPr>
+        <p:txBody>
+          <a:bodyPr wrap="square" rtlCol="0">
+            <a:spAutoFit/>
+          </a:bodyPr>
+          <a:lstStyle/>
+          <a:p>
+            <a:r>
+              <a:rPr lang="en-US" sz="1200" dirty="0"/>
+              <a:t>Phoenix</a:t>
+            </a:r>
+          </a:p>
+        </p:txBody>
+      </p:sp>
+      <p:sp>
+        <p:nvSpPr>
+          <p:cNvPr id="12" name="TextBox 11">
+            <a:extLst>
+              <a:ext uri="{FF2B5EF4-FFF2-40B4-BE49-F238E27FC236}">
+                <a16:creationId xmlns:a16="http://schemas.microsoft.com/office/drawing/2014/main" id="{6021E029-7397-859F-93EF-560285AB839C}"/>
+              </a:ext>
+            </a:extLst>
+          </p:cNvPr>
+          <p:cNvSpPr txBox="1"/>
+          <p:nvPr/>
+        </p:nvSpPr>
+        <p:spPr>
+          <a:xfrm>
+            <a:off x="5709783" y="4646712"/>
+            <a:ext cx="1520750" cy="276999"/>
+          </a:xfrm>
+          <a:prstGeom prst="rect">
+            <a:avLst/>
+          </a:prstGeom>
+          <a:noFill/>
+        </p:spPr>
+        <p:txBody>
+          <a:bodyPr wrap="square" rtlCol="0">
+            <a:spAutoFit/>
+          </a:bodyPr>
+          <a:lstStyle/>
+          <a:p>
+            <a:r>
+              <a:rPr lang="en-US" sz="1200" dirty="0"/>
+              <a:t>Austin</a:t>
+            </a:r>
+          </a:p>
+        </p:txBody>
+      </p:sp>
+      <p:sp>
+        <p:nvSpPr>
+          <p:cNvPr id="13" name="TextBox 12">
+            <a:extLst>
+              <a:ext uri="{FF2B5EF4-FFF2-40B4-BE49-F238E27FC236}">
+                <a16:creationId xmlns:a16="http://schemas.microsoft.com/office/drawing/2014/main" id="{8CE4FA9C-DAB3-4AA1-5F54-B2D5C40453AA}"/>
+              </a:ext>
+            </a:extLst>
+          </p:cNvPr>
+          <p:cNvSpPr txBox="1"/>
+          <p:nvPr/>
+        </p:nvSpPr>
+        <p:spPr>
+          <a:xfrm>
+            <a:off x="5884654" y="4037540"/>
+            <a:ext cx="1520750" cy="276999"/>
+          </a:xfrm>
+          <a:prstGeom prst="rect">
+            <a:avLst/>
+          </a:prstGeom>
+          <a:noFill/>
+        </p:spPr>
+        <p:txBody>
+          <a:bodyPr wrap="square" rtlCol="0">
+            <a:spAutoFit/>
+          </a:bodyPr>
+          <a:lstStyle/>
+          <a:p>
+            <a:r>
+              <a:rPr lang="en-US" sz="1200" dirty="0"/>
+              <a:t>Dallas</a:t>
+            </a:r>
+          </a:p>
+        </p:txBody>
+      </p:sp>
+      <p:sp>
+        <p:nvSpPr>
+          <p:cNvPr id="14" name="TextBox 13">
+            <a:extLst>
+              <a:ext uri="{FF2B5EF4-FFF2-40B4-BE49-F238E27FC236}">
+                <a16:creationId xmlns:a16="http://schemas.microsoft.com/office/drawing/2014/main" id="{59635EA7-7036-8121-4FFE-2B0A2CD28B60}"/>
+              </a:ext>
+            </a:extLst>
+          </p:cNvPr>
+          <p:cNvSpPr txBox="1"/>
+          <p:nvPr/>
+        </p:nvSpPr>
+        <p:spPr>
+          <a:xfrm>
+            <a:off x="7933588" y="4767850"/>
+            <a:ext cx="1520750" cy="276999"/>
+          </a:xfrm>
+          <a:prstGeom prst="rect">
+            <a:avLst/>
+          </a:prstGeom>
+          <a:noFill/>
+        </p:spPr>
+        <p:txBody>
+          <a:bodyPr wrap="square" rtlCol="0">
+            <a:spAutoFit/>
+          </a:bodyPr>
+          <a:lstStyle/>
+          <a:p>
+            <a:r>
+              <a:rPr lang="en-US" sz="1200" dirty="0"/>
+              <a:t>All of Florida</a:t>
+            </a:r>
+          </a:p>
+        </p:txBody>
+      </p:sp>
+      <p:sp>
+        <p:nvSpPr>
+          <p:cNvPr id="15" name="TextBox 14">
+            <a:extLst>
+              <a:ext uri="{FF2B5EF4-FFF2-40B4-BE49-F238E27FC236}">
+                <a16:creationId xmlns:a16="http://schemas.microsoft.com/office/drawing/2014/main" id="{B4071C38-F1D7-CC05-AF74-BC06FE08E91E}"/>
+              </a:ext>
+            </a:extLst>
+          </p:cNvPr>
+          <p:cNvSpPr txBox="1"/>
+          <p:nvPr/>
+        </p:nvSpPr>
+        <p:spPr>
+          <a:xfrm>
+            <a:off x="3831167" y="3511377"/>
+            <a:ext cx="1520750" cy="276999"/>
+          </a:xfrm>
+          <a:prstGeom prst="rect">
+            <a:avLst/>
+          </a:prstGeom>
+          <a:noFill/>
+        </p:spPr>
+        <p:txBody>
+          <a:bodyPr wrap="square" rtlCol="0">
+            <a:spAutoFit/>
+          </a:bodyPr>
+          <a:lstStyle/>
+          <a:p>
+            <a:r>
+              <a:rPr lang="en-US" sz="1200" dirty="0"/>
+              <a:t>Las Vegas</a:t>
+            </a:r>
+          </a:p>
+        </p:txBody>
+      </p:sp>
+      <p:sp>
+        <p:nvSpPr>
+          <p:cNvPr id="16" name="TextBox 15">
+            <a:extLst>
+              <a:ext uri="{FF2B5EF4-FFF2-40B4-BE49-F238E27FC236}">
+                <a16:creationId xmlns:a16="http://schemas.microsoft.com/office/drawing/2014/main" id="{F3EBE0B7-EE0C-E25D-105F-F99C47E47941}"/>
+              </a:ext>
+            </a:extLst>
+          </p:cNvPr>
+          <p:cNvSpPr txBox="1"/>
+          <p:nvPr/>
+        </p:nvSpPr>
+        <p:spPr>
+          <a:xfrm>
+            <a:off x="3365501" y="3083558"/>
+            <a:ext cx="1520750" cy="276999"/>
+          </a:xfrm>
+          <a:prstGeom prst="rect">
+            <a:avLst/>
+          </a:prstGeom>
+          <a:noFill/>
+        </p:spPr>
+        <p:txBody>
+          <a:bodyPr wrap="square" rtlCol="0">
+            <a:spAutoFit/>
+          </a:bodyPr>
+          <a:lstStyle/>
+          <a:p>
+            <a:r>
+              <a:rPr lang="en-US" sz="1200" dirty="0"/>
+              <a:t>Reno</a:t>
+            </a:r>
+          </a:p>
+        </p:txBody>
+      </p:sp>
+      <p:sp>
+        <p:nvSpPr>
+          <p:cNvPr id="17" name="TextBox 16">
+            <a:extLst>
+              <a:ext uri="{FF2B5EF4-FFF2-40B4-BE49-F238E27FC236}">
+                <a16:creationId xmlns:a16="http://schemas.microsoft.com/office/drawing/2014/main" id="{F8A01488-EA7B-EDD4-3768-1C524DEBDB0D}"/>
+              </a:ext>
+            </a:extLst>
+          </p:cNvPr>
+          <p:cNvSpPr txBox="1"/>
+          <p:nvPr/>
+        </p:nvSpPr>
+        <p:spPr>
+          <a:xfrm>
+            <a:off x="2964958" y="4358649"/>
+            <a:ext cx="1520750" cy="276999"/>
+          </a:xfrm>
+          <a:prstGeom prst="rect">
+            <a:avLst/>
+          </a:prstGeom>
+          <a:noFill/>
+        </p:spPr>
+        <p:txBody>
+          <a:bodyPr wrap="square" rtlCol="0">
+            <a:spAutoFit/>
+          </a:bodyPr>
+          <a:lstStyle/>
+          <a:p>
+            <a:r>
+              <a:rPr lang="en-US" sz="1200" dirty="0"/>
+              <a:t>San Bernardino</a:t>
+            </a:r>
+          </a:p>
+        </p:txBody>
+      </p:sp>
+      <p:cxnSp>
+        <p:nvCxnSpPr>
+          <p:cNvPr id="19" name="Straight Arrow Connector 18">
+            <a:extLst>
+              <a:ext uri="{FF2B5EF4-FFF2-40B4-BE49-F238E27FC236}">
+                <a16:creationId xmlns:a16="http://schemas.microsoft.com/office/drawing/2014/main" id="{AD0480F9-11C1-1569-50A6-8AD9E1C4E272}"/>
+              </a:ext>
+            </a:extLst>
+          </p:cNvPr>
+          <p:cNvCxnSpPr>
+            <a:cxnSpLocks/>
+          </p:cNvCxnSpPr>
+          <p:nvPr/>
+        </p:nvCxnSpPr>
+        <p:spPr>
+          <a:xfrm flipV="1">
+            <a:off x="3217333" y="4111057"/>
+            <a:ext cx="613834" cy="247592"/>
+          </a:xfrm>
+          <a:prstGeom prst="straightConnector1">
+            <a:avLst/>
+          </a:prstGeom>
+          <a:ln>
+            <a:solidFill>
+              <a:schemeClr val="tx1"/>
+            </a:solidFill>
+            <a:tailEnd type="triangle"/>
+          </a:ln>
+        </p:spPr>
+        <p:style>
+          <a:lnRef idx="1">
+            <a:schemeClr val="accent1"/>
+          </a:lnRef>
+          <a:fillRef idx="0">
+            <a:schemeClr val="accent1"/>
+          </a:fillRef>
+          <a:effectRef idx="0">
+            <a:schemeClr val="accent1"/>
+          </a:effectRef>
+          <a:fontRef idx="minor">
+            <a:schemeClr val="tx1"/>
+          </a:fontRef>
+        </p:style>
+      </p:cxnSp>
+      <p:sp>
+        <p:nvSpPr>
+          <p:cNvPr id="21" name="TextBox 20">
+            <a:extLst>
+              <a:ext uri="{FF2B5EF4-FFF2-40B4-BE49-F238E27FC236}">
+                <a16:creationId xmlns:a16="http://schemas.microsoft.com/office/drawing/2014/main" id="{C540A2E8-DE70-5469-8783-D21D525EC4D1}"/>
+              </a:ext>
+            </a:extLst>
+          </p:cNvPr>
+          <p:cNvSpPr txBox="1"/>
+          <p:nvPr/>
+        </p:nvSpPr>
+        <p:spPr>
+          <a:xfrm>
+            <a:off x="2084425" y="3121955"/>
+            <a:ext cx="1520750" cy="461665"/>
+          </a:xfrm>
+          <a:prstGeom prst="rect">
+            <a:avLst/>
+          </a:prstGeom>
+          <a:noFill/>
+        </p:spPr>
+        <p:txBody>
+          <a:bodyPr wrap="square" rtlCol="0">
+            <a:spAutoFit/>
+          </a:bodyPr>
+          <a:lstStyle/>
+          <a:p>
+            <a:r>
+              <a:rPr lang="en-US" sz="1200" dirty="0"/>
+              <a:t>Sacramento and</a:t>
+            </a:r>
+            <a:br>
+              <a:rPr lang="en-US" sz="1200" dirty="0"/>
+            </a:br>
+            <a:r>
+              <a:rPr lang="en-US" sz="1200" dirty="0"/>
+              <a:t>Bay Area</a:t>
+            </a:r>
+          </a:p>
+        </p:txBody>
+      </p:sp>
+      <p:cxnSp>
+        <p:nvCxnSpPr>
+          <p:cNvPr id="22" name="Straight Arrow Connector 21">
+            <a:extLst>
+              <a:ext uri="{FF2B5EF4-FFF2-40B4-BE49-F238E27FC236}">
+                <a16:creationId xmlns:a16="http://schemas.microsoft.com/office/drawing/2014/main" id="{A95B52F2-4DDC-E898-6E51-0BB3EAFA2A79}"/>
+              </a:ext>
+            </a:extLst>
+          </p:cNvPr>
+          <p:cNvCxnSpPr>
+            <a:cxnSpLocks/>
+          </p:cNvCxnSpPr>
+          <p:nvPr/>
+        </p:nvCxnSpPr>
+        <p:spPr>
+          <a:xfrm>
+            <a:off x="2844800" y="3459841"/>
+            <a:ext cx="372533" cy="83172"/>
+          </a:xfrm>
+          <a:prstGeom prst="straightConnector1">
+            <a:avLst/>
+          </a:prstGeom>
+          <a:ln>
+            <a:solidFill>
+              <a:schemeClr val="tx1"/>
+            </a:solidFill>
+            <a:tailEnd type="triangle"/>
+          </a:ln>
+        </p:spPr>
+        <p:style>
+          <a:lnRef idx="1">
+            <a:schemeClr val="accent1"/>
+          </a:lnRef>
+          <a:fillRef idx="0">
+            <a:schemeClr val="accent1"/>
+          </a:fillRef>
+          <a:effectRef idx="0">
+            <a:schemeClr val="accent1"/>
+          </a:effectRef>
+          <a:fontRef idx="minor">
+            <a:schemeClr val="tx1"/>
+          </a:fontRef>
+        </p:style>
+      </p:cxnSp>
+    </p:spTree>
+    <p:extLst>
+      <p:ext uri="{BB962C8B-B14F-4D97-AF65-F5344CB8AC3E}">
+        <p14:creationId xmlns:p14="http://schemas.microsoft.com/office/powerpoint/2010/main" val="1115262626"/>
+      </p:ext>
+    </p:extLst>
+  </p:cSld>
+  <p:clrMapOvr>
+    <a:masterClrMapping/>
+  </p:clrMapOvr>
+</p:sld>
+</file>
+
+<file path=ppt/slides/slide4.xml><?xml version="1.0" encoding="utf-8"?>
+<p:sld xmlns:a="http://schemas.openxmlformats.org/drawingml/2006/main" xmlns:r="http://schemas.openxmlformats.org/officeDocument/2006/relationships" xmlns:p="http://schemas.openxmlformats.org/presentationml/2006/main">
+  <p:cSld>
+    <p:spTree>
+      <p:nvGrpSpPr>
+        <p:cNvPr id="1" name=""/>
+        <p:cNvGrpSpPr/>
+        <p:nvPr/>
+      </p:nvGrpSpPr>
+      <p:grpSpPr>
+        <a:xfrm>
+          <a:off x="0" y="0"/>
+          <a:ext cx="0" cy="0"/>
+          <a:chOff x="0" y="0"/>
+          <a:chExt cx="0" cy="0"/>
+        </a:xfrm>
+      </p:grpSpPr>
+      <p:pic>
+        <p:nvPicPr>
+          <p:cNvPr id="18" name="Picture 17">
+            <a:extLst>
+              <a:ext uri="{FF2B5EF4-FFF2-40B4-BE49-F238E27FC236}">
+                <a16:creationId xmlns:a16="http://schemas.microsoft.com/office/drawing/2014/main" id="{37BA474E-EF37-A38F-9850-DF2D69935399}"/>
+              </a:ext>
+            </a:extLst>
+          </p:cNvPr>
+          <p:cNvPicPr>
+            <a:picLocks noChangeAspect="1"/>
+          </p:cNvPicPr>
+          <p:nvPr/>
+        </p:nvPicPr>
+        <p:blipFill>
+          <a:blip r:embed="rId2"/>
+          <a:stretch>
+            <a:fillRect/>
+          </a:stretch>
+        </p:blipFill>
+        <p:spPr>
+          <a:xfrm>
+            <a:off x="1766283" y="299601"/>
+            <a:ext cx="8659433" cy="6258798"/>
+          </a:xfrm>
+          <a:prstGeom prst="rect">
+            <a:avLst/>
+          </a:prstGeom>
+        </p:spPr>
+      </p:pic>
+      <p:sp>
+        <p:nvSpPr>
+          <p:cNvPr id="6" name="TextBox 5">
+            <a:extLst>
+              <a:ext uri="{FF2B5EF4-FFF2-40B4-BE49-F238E27FC236}">
+                <a16:creationId xmlns:a16="http://schemas.microsoft.com/office/drawing/2014/main" id="{EC776861-62D3-FDA2-458B-071B9043303A}"/>
+              </a:ext>
+            </a:extLst>
+          </p:cNvPr>
+          <p:cNvSpPr txBox="1"/>
+          <p:nvPr/>
+        </p:nvSpPr>
+        <p:spPr>
+          <a:xfrm>
+            <a:off x="2040466" y="59267"/>
+            <a:ext cx="2184400" cy="276999"/>
+          </a:xfrm>
+          <a:prstGeom prst="rect">
+            <a:avLst/>
+          </a:prstGeom>
+          <a:noFill/>
+        </p:spPr>
+        <p:txBody>
+          <a:bodyPr wrap="square" rtlCol="0">
+            <a:spAutoFit/>
+          </a:bodyPr>
+          <a:lstStyle/>
+          <a:p>
+            <a:r>
+              <a:rPr lang="en-US" sz="1200" b="1" dirty="0"/>
+              <a:t>Figure ##:</a:t>
+            </a:r>
+          </a:p>
+        </p:txBody>
+      </p:sp>
+      <p:sp>
+        <p:nvSpPr>
+          <p:cNvPr id="7" name="TextBox 6">
+            <a:extLst>
+              <a:ext uri="{FF2B5EF4-FFF2-40B4-BE49-F238E27FC236}">
+                <a16:creationId xmlns:a16="http://schemas.microsoft.com/office/drawing/2014/main" id="{2FADF304-9937-9F3C-6557-9097A0855BA8}"/>
+              </a:ext>
+            </a:extLst>
+          </p:cNvPr>
+          <p:cNvSpPr txBox="1"/>
+          <p:nvPr/>
+        </p:nvSpPr>
+        <p:spPr>
+          <a:xfrm>
+            <a:off x="7127382" y="4377698"/>
+            <a:ext cx="1520750" cy="276999"/>
+          </a:xfrm>
+          <a:prstGeom prst="rect">
+            <a:avLst/>
+          </a:prstGeom>
+          <a:noFill/>
+        </p:spPr>
+        <p:txBody>
+          <a:bodyPr wrap="square" rtlCol="0">
+            <a:spAutoFit/>
+          </a:bodyPr>
+          <a:lstStyle/>
+          <a:p>
+            <a:r>
+              <a:rPr lang="en-US" sz="1200" dirty="0"/>
+              <a:t>Atlanta</a:t>
+            </a:r>
+          </a:p>
+        </p:txBody>
+      </p:sp>
+      <p:sp>
+        <p:nvSpPr>
+          <p:cNvPr id="8" name="TextBox 7">
+            <a:extLst>
+              <a:ext uri="{FF2B5EF4-FFF2-40B4-BE49-F238E27FC236}">
+                <a16:creationId xmlns:a16="http://schemas.microsoft.com/office/drawing/2014/main" id="{4C962386-8B7C-ABE3-6A60-8B25CA384080}"/>
+              </a:ext>
+            </a:extLst>
+          </p:cNvPr>
+          <p:cNvSpPr txBox="1"/>
+          <p:nvPr/>
+        </p:nvSpPr>
+        <p:spPr>
+          <a:xfrm>
+            <a:off x="6661187" y="2735025"/>
+            <a:ext cx="1520750" cy="276999"/>
+          </a:xfrm>
+          <a:prstGeom prst="rect">
+            <a:avLst/>
+          </a:prstGeom>
+          <a:noFill/>
+        </p:spPr>
+        <p:txBody>
+          <a:bodyPr wrap="square" rtlCol="0">
+            <a:spAutoFit/>
+          </a:bodyPr>
+          <a:lstStyle/>
+          <a:p>
+            <a:r>
+              <a:rPr lang="en-US" sz="1200" dirty="0"/>
+              <a:t>Rust Belt</a:t>
+            </a:r>
+          </a:p>
+        </p:txBody>
+      </p:sp>
+      <p:sp>
+        <p:nvSpPr>
+          <p:cNvPr id="9" name="TextBox 8">
+            <a:extLst>
+              <a:ext uri="{FF2B5EF4-FFF2-40B4-BE49-F238E27FC236}">
+                <a16:creationId xmlns:a16="http://schemas.microsoft.com/office/drawing/2014/main" id="{E2928937-ACA6-4076-B1C9-8EF0018D0AFC}"/>
+              </a:ext>
+            </a:extLst>
+          </p:cNvPr>
+          <p:cNvSpPr txBox="1"/>
+          <p:nvPr/>
+        </p:nvSpPr>
+        <p:spPr>
+          <a:xfrm>
+            <a:off x="3464491" y="2545116"/>
+            <a:ext cx="1520750" cy="276999"/>
+          </a:xfrm>
+          <a:prstGeom prst="rect">
+            <a:avLst/>
+          </a:prstGeom>
+          <a:noFill/>
+        </p:spPr>
+        <p:txBody>
+          <a:bodyPr wrap="square" rtlCol="0">
+            <a:spAutoFit/>
+          </a:bodyPr>
+          <a:lstStyle/>
+          <a:p>
+            <a:r>
+              <a:rPr lang="en-US" sz="1200" dirty="0"/>
+              <a:t>Boise</a:t>
+            </a:r>
+          </a:p>
+        </p:txBody>
+      </p:sp>
+      <p:sp>
+        <p:nvSpPr>
+          <p:cNvPr id="11" name="TextBox 10">
+            <a:extLst>
+              <a:ext uri="{FF2B5EF4-FFF2-40B4-BE49-F238E27FC236}">
+                <a16:creationId xmlns:a16="http://schemas.microsoft.com/office/drawing/2014/main" id="{5FC0B8D3-43C9-40CF-3C03-567AB4A39AED}"/>
+              </a:ext>
+            </a:extLst>
+          </p:cNvPr>
+          <p:cNvSpPr txBox="1"/>
+          <p:nvPr/>
+        </p:nvSpPr>
+        <p:spPr>
+          <a:xfrm>
+            <a:off x="4385092" y="3982366"/>
+            <a:ext cx="1520750" cy="276999"/>
+          </a:xfrm>
+          <a:prstGeom prst="rect">
+            <a:avLst/>
+          </a:prstGeom>
+          <a:noFill/>
+        </p:spPr>
+        <p:txBody>
+          <a:bodyPr wrap="square" rtlCol="0">
+            <a:spAutoFit/>
+          </a:bodyPr>
+          <a:lstStyle/>
+          <a:p>
+            <a:r>
+              <a:rPr lang="en-US" sz="1200" dirty="0">
+                <a:solidFill>
+                  <a:schemeClr val="bg1"/>
+                </a:solidFill>
+              </a:rPr>
+              <a:t>Phoenix</a:t>
+            </a:r>
+          </a:p>
+        </p:txBody>
+      </p:sp>
+      <p:sp>
+        <p:nvSpPr>
+          <p:cNvPr id="12" name="TextBox 11">
+            <a:extLst>
+              <a:ext uri="{FF2B5EF4-FFF2-40B4-BE49-F238E27FC236}">
+                <a16:creationId xmlns:a16="http://schemas.microsoft.com/office/drawing/2014/main" id="{6021E029-7397-859F-93EF-560285AB839C}"/>
+              </a:ext>
+            </a:extLst>
+          </p:cNvPr>
+          <p:cNvSpPr txBox="1"/>
+          <p:nvPr/>
+        </p:nvSpPr>
+        <p:spPr>
+          <a:xfrm>
+            <a:off x="5428795" y="4976285"/>
+            <a:ext cx="1520750" cy="276999"/>
+          </a:xfrm>
+          <a:prstGeom prst="rect">
+            <a:avLst/>
+          </a:prstGeom>
+          <a:noFill/>
+        </p:spPr>
+        <p:txBody>
+          <a:bodyPr wrap="square" rtlCol="0">
+            <a:spAutoFit/>
+          </a:bodyPr>
+          <a:lstStyle/>
+          <a:p>
+            <a:r>
+              <a:rPr lang="en-US" sz="1200" dirty="0"/>
+              <a:t>Austin</a:t>
+            </a:r>
+          </a:p>
+        </p:txBody>
+      </p:sp>
+      <p:sp>
+        <p:nvSpPr>
+          <p:cNvPr id="13" name="TextBox 12">
+            <a:extLst>
+              <a:ext uri="{FF2B5EF4-FFF2-40B4-BE49-F238E27FC236}">
+                <a16:creationId xmlns:a16="http://schemas.microsoft.com/office/drawing/2014/main" id="{8CE4FA9C-DAB3-4AA1-5F54-B2D5C40453AA}"/>
+              </a:ext>
+            </a:extLst>
+          </p:cNvPr>
+          <p:cNvSpPr txBox="1"/>
+          <p:nvPr/>
+        </p:nvSpPr>
+        <p:spPr>
+          <a:xfrm>
+            <a:off x="5888253" y="4415701"/>
+            <a:ext cx="1520750" cy="276999"/>
+          </a:xfrm>
+          <a:prstGeom prst="rect">
+            <a:avLst/>
+          </a:prstGeom>
+          <a:noFill/>
+        </p:spPr>
+        <p:txBody>
+          <a:bodyPr wrap="square" rtlCol="0">
+            <a:spAutoFit/>
+          </a:bodyPr>
+          <a:lstStyle/>
+          <a:p>
+            <a:r>
+              <a:rPr lang="en-US" sz="1200" dirty="0"/>
+              <a:t>Dallas</a:t>
+            </a:r>
+          </a:p>
+        </p:txBody>
+      </p:sp>
+      <p:sp>
+        <p:nvSpPr>
+          <p:cNvPr id="14" name="TextBox 13">
+            <a:extLst>
+              <a:ext uri="{FF2B5EF4-FFF2-40B4-BE49-F238E27FC236}">
+                <a16:creationId xmlns:a16="http://schemas.microsoft.com/office/drawing/2014/main" id="{59635EA7-7036-8121-4FFE-2B0A2CD28B60}"/>
+              </a:ext>
+            </a:extLst>
+          </p:cNvPr>
+          <p:cNvSpPr txBox="1"/>
+          <p:nvPr/>
+        </p:nvSpPr>
+        <p:spPr>
+          <a:xfrm>
+            <a:off x="7911120" y="4838994"/>
+            <a:ext cx="1520750" cy="461665"/>
+          </a:xfrm>
+          <a:prstGeom prst="rect">
+            <a:avLst/>
+          </a:prstGeom>
+          <a:noFill/>
+        </p:spPr>
+        <p:txBody>
+          <a:bodyPr wrap="square" rtlCol="0">
+            <a:spAutoFit/>
+          </a:bodyPr>
+          <a:lstStyle/>
+          <a:p>
+            <a:r>
+              <a:rPr lang="en-US" sz="1200" dirty="0"/>
+              <a:t>All of Florida</a:t>
+            </a:r>
+          </a:p>
+          <a:p>
+            <a:r>
+              <a:rPr lang="en-US" sz="1200" dirty="0"/>
+              <a:t>Especially Gulf Side</a:t>
+            </a:r>
+          </a:p>
+        </p:txBody>
+      </p:sp>
+      <p:sp>
+        <p:nvSpPr>
+          <p:cNvPr id="15" name="TextBox 14">
+            <a:extLst>
+              <a:ext uri="{FF2B5EF4-FFF2-40B4-BE49-F238E27FC236}">
+                <a16:creationId xmlns:a16="http://schemas.microsoft.com/office/drawing/2014/main" id="{B4071C38-F1D7-CC05-AF74-BC06FE08E91E}"/>
+              </a:ext>
+            </a:extLst>
+          </p:cNvPr>
+          <p:cNvSpPr txBox="1"/>
+          <p:nvPr/>
+        </p:nvSpPr>
+        <p:spPr>
+          <a:xfrm>
+            <a:off x="3425824" y="2069927"/>
+            <a:ext cx="1520750" cy="276999"/>
+          </a:xfrm>
+          <a:prstGeom prst="rect">
+            <a:avLst/>
+          </a:prstGeom>
+          <a:noFill/>
+        </p:spPr>
+        <p:txBody>
+          <a:bodyPr wrap="square" rtlCol="0">
+            <a:spAutoFit/>
+          </a:bodyPr>
+          <a:lstStyle/>
+          <a:p>
+            <a:r>
+              <a:rPr lang="en-US" sz="1200" dirty="0"/>
+              <a:t>Spokane Area</a:t>
+            </a:r>
+          </a:p>
+        </p:txBody>
+      </p:sp>
+      <p:sp>
+        <p:nvSpPr>
+          <p:cNvPr id="17" name="TextBox 16">
+            <a:extLst>
+              <a:ext uri="{FF2B5EF4-FFF2-40B4-BE49-F238E27FC236}">
+                <a16:creationId xmlns:a16="http://schemas.microsoft.com/office/drawing/2014/main" id="{F8A01488-EA7B-EDD4-3768-1C524DEBDB0D}"/>
+              </a:ext>
+            </a:extLst>
+          </p:cNvPr>
+          <p:cNvSpPr txBox="1"/>
+          <p:nvPr/>
+        </p:nvSpPr>
+        <p:spPr>
+          <a:xfrm>
+            <a:off x="2970004" y="4786802"/>
+            <a:ext cx="1520750" cy="276999"/>
+          </a:xfrm>
+          <a:prstGeom prst="rect">
+            <a:avLst/>
+          </a:prstGeom>
+          <a:noFill/>
+        </p:spPr>
+        <p:txBody>
+          <a:bodyPr wrap="square" rtlCol="0">
+            <a:spAutoFit/>
+          </a:bodyPr>
+          <a:lstStyle/>
+          <a:p>
+            <a:r>
+              <a:rPr lang="en-US" sz="1200" dirty="0"/>
+              <a:t>San Bernardino</a:t>
+            </a:r>
+          </a:p>
+        </p:txBody>
+      </p:sp>
+      <p:cxnSp>
+        <p:nvCxnSpPr>
+          <p:cNvPr id="19" name="Straight Arrow Connector 18">
+            <a:extLst>
+              <a:ext uri="{FF2B5EF4-FFF2-40B4-BE49-F238E27FC236}">
+                <a16:creationId xmlns:a16="http://schemas.microsoft.com/office/drawing/2014/main" id="{AD0480F9-11C1-1569-50A6-8AD9E1C4E272}"/>
+              </a:ext>
+            </a:extLst>
+          </p:cNvPr>
+          <p:cNvCxnSpPr>
+            <a:cxnSpLocks/>
+            <a:stCxn id="17" idx="0"/>
+          </p:cNvCxnSpPr>
+          <p:nvPr/>
+        </p:nvCxnSpPr>
+        <p:spPr>
+          <a:xfrm flipH="1" flipV="1">
+            <a:off x="3564599" y="4358648"/>
+            <a:ext cx="165780" cy="428154"/>
+          </a:xfrm>
+          <a:prstGeom prst="straightConnector1">
+            <a:avLst/>
+          </a:prstGeom>
+          <a:ln>
+            <a:solidFill>
+              <a:schemeClr val="tx1"/>
+            </a:solidFill>
+            <a:tailEnd type="triangle"/>
+          </a:ln>
+        </p:spPr>
+        <p:style>
+          <a:lnRef idx="1">
+            <a:schemeClr val="accent1"/>
+          </a:lnRef>
+          <a:fillRef idx="0">
+            <a:schemeClr val="accent1"/>
+          </a:fillRef>
+          <a:effectRef idx="0">
+            <a:schemeClr val="accent1"/>
+          </a:effectRef>
+          <a:fontRef idx="minor">
+            <a:schemeClr val="tx1"/>
+          </a:fontRef>
+        </p:style>
+      </p:cxnSp>
+      <p:sp>
+        <p:nvSpPr>
+          <p:cNvPr id="21" name="TextBox 20">
+            <a:extLst>
+              <a:ext uri="{FF2B5EF4-FFF2-40B4-BE49-F238E27FC236}">
+                <a16:creationId xmlns:a16="http://schemas.microsoft.com/office/drawing/2014/main" id="{C540A2E8-DE70-5469-8783-D21D525EC4D1}"/>
+              </a:ext>
+            </a:extLst>
+          </p:cNvPr>
+          <p:cNvSpPr txBox="1"/>
+          <p:nvPr/>
+        </p:nvSpPr>
+        <p:spPr>
+          <a:xfrm>
+            <a:off x="2084425" y="3074330"/>
+            <a:ext cx="1520750" cy="461665"/>
+          </a:xfrm>
+          <a:prstGeom prst="rect">
+            <a:avLst/>
+          </a:prstGeom>
+          <a:noFill/>
+        </p:spPr>
+        <p:txBody>
+          <a:bodyPr wrap="square" rtlCol="0">
+            <a:spAutoFit/>
+          </a:bodyPr>
+          <a:lstStyle/>
+          <a:p>
+            <a:r>
+              <a:rPr lang="en-US" sz="1200" dirty="0"/>
+              <a:t>Sacramento and</a:t>
+            </a:r>
+            <a:br>
+              <a:rPr lang="en-US" sz="1200" dirty="0"/>
+            </a:br>
+            <a:r>
+              <a:rPr lang="en-US" sz="1200" dirty="0"/>
+              <a:t>Bay Area</a:t>
+            </a:r>
+          </a:p>
+        </p:txBody>
+      </p:sp>
+      <p:cxnSp>
+        <p:nvCxnSpPr>
+          <p:cNvPr id="22" name="Straight Arrow Connector 21">
+            <a:extLst>
+              <a:ext uri="{FF2B5EF4-FFF2-40B4-BE49-F238E27FC236}">
+                <a16:creationId xmlns:a16="http://schemas.microsoft.com/office/drawing/2014/main" id="{A95B52F2-4DDC-E898-6E51-0BB3EAFA2A79}"/>
+              </a:ext>
+            </a:extLst>
+          </p:cNvPr>
+          <p:cNvCxnSpPr>
+            <a:cxnSpLocks/>
+          </p:cNvCxnSpPr>
+          <p:nvPr/>
+        </p:nvCxnSpPr>
+        <p:spPr>
+          <a:xfrm>
+            <a:off x="2844800" y="3459841"/>
+            <a:ext cx="372533" cy="83172"/>
+          </a:xfrm>
+          <a:prstGeom prst="straightConnector1">
+            <a:avLst/>
+          </a:prstGeom>
+          <a:ln>
+            <a:solidFill>
+              <a:schemeClr val="bg1"/>
+            </a:solidFill>
+            <a:tailEnd type="triangle"/>
+          </a:ln>
+        </p:spPr>
+        <p:style>
+          <a:lnRef idx="1">
+            <a:schemeClr val="accent1"/>
+          </a:lnRef>
+          <a:fillRef idx="0">
+            <a:schemeClr val="accent1"/>
+          </a:fillRef>
+          <a:effectRef idx="0">
+            <a:schemeClr val="accent1"/>
+          </a:effectRef>
+          <a:fontRef idx="minor">
+            <a:schemeClr val="tx1"/>
+          </a:fontRef>
+        </p:style>
+      </p:cxnSp>
+      <p:sp>
+        <p:nvSpPr>
+          <p:cNvPr id="20" name="Oval 19">
+            <a:extLst>
+              <a:ext uri="{FF2B5EF4-FFF2-40B4-BE49-F238E27FC236}">
+                <a16:creationId xmlns:a16="http://schemas.microsoft.com/office/drawing/2014/main" id="{C9950B9A-A764-154A-D8C0-7E6050CB1E95}"/>
+              </a:ext>
+            </a:extLst>
+          </p:cNvPr>
+          <p:cNvSpPr/>
+          <p:nvPr/>
+        </p:nvSpPr>
+        <p:spPr>
+          <a:xfrm>
+            <a:off x="6095999" y="3012024"/>
+            <a:ext cx="2733676" cy="776352"/>
+          </a:xfrm>
+          <a:prstGeom prst="ellipse">
+            <a:avLst/>
+          </a:prstGeom>
+          <a:noFill/>
+          <a:ln>
+            <a:solidFill>
+              <a:srgbClr val="FF0000"/>
+            </a:solidFill>
+          </a:ln>
+        </p:spPr>
+        <p:style>
+          <a:lnRef idx="2">
+            <a:schemeClr val="accent1">
+              <a:shade val="50000"/>
+            </a:schemeClr>
+          </a:lnRef>
+          <a:fillRef idx="1">
+            <a:schemeClr val="accent1"/>
+          </a:fillRef>
+          <a:effectRef idx="0">
+            <a:schemeClr val="accent1"/>
+          </a:effectRef>
+          <a:fontRef idx="minor">
+            <a:schemeClr val="lt1"/>
+          </a:fontRef>
+        </p:style>
+        <p:txBody>
+          <a:bodyPr rtlCol="0" anchor="ctr"/>
+          <a:lstStyle/>
+          <a:p>
+            <a:pPr algn="ctr"/>
+            <a:endParaRPr lang="en-US"/>
+          </a:p>
+        </p:txBody>
+      </p:sp>
+      <p:sp>
+        <p:nvSpPr>
+          <p:cNvPr id="26" name="TextBox 25">
+            <a:extLst>
+              <a:ext uri="{FF2B5EF4-FFF2-40B4-BE49-F238E27FC236}">
+                <a16:creationId xmlns:a16="http://schemas.microsoft.com/office/drawing/2014/main" id="{E034DD05-5D8C-11C9-523E-A044682E808D}"/>
+              </a:ext>
+            </a:extLst>
+          </p:cNvPr>
+          <p:cNvSpPr txBox="1"/>
+          <p:nvPr/>
+        </p:nvSpPr>
+        <p:spPr>
+          <a:xfrm>
+            <a:off x="4000479" y="4157227"/>
+            <a:ext cx="1520750" cy="276999"/>
+          </a:xfrm>
+          <a:prstGeom prst="rect">
+            <a:avLst/>
+          </a:prstGeom>
+          <a:noFill/>
+        </p:spPr>
+        <p:txBody>
+          <a:bodyPr wrap="square" rtlCol="0">
+            <a:spAutoFit/>
+          </a:bodyPr>
+          <a:lstStyle/>
+          <a:p>
+            <a:r>
+              <a:rPr lang="en-US" sz="1200" dirty="0"/>
+              <a:t>Phoenix</a:t>
+            </a:r>
+          </a:p>
+        </p:txBody>
+      </p:sp>
+      <p:sp>
+        <p:nvSpPr>
+          <p:cNvPr id="27" name="TextBox 26">
+            <a:extLst>
+              <a:ext uri="{FF2B5EF4-FFF2-40B4-BE49-F238E27FC236}">
+                <a16:creationId xmlns:a16="http://schemas.microsoft.com/office/drawing/2014/main" id="{0966223E-128A-07BD-CF6C-497E72BE3571}"/>
+              </a:ext>
+            </a:extLst>
+          </p:cNvPr>
+          <p:cNvSpPr txBox="1"/>
+          <p:nvPr/>
+        </p:nvSpPr>
+        <p:spPr>
+          <a:xfrm>
+            <a:off x="2123006" y="4371303"/>
+            <a:ext cx="1520750" cy="461665"/>
+          </a:xfrm>
+          <a:prstGeom prst="rect">
+            <a:avLst/>
+          </a:prstGeom>
+          <a:noFill/>
+        </p:spPr>
+        <p:txBody>
+          <a:bodyPr wrap="square" rtlCol="0">
+            <a:spAutoFit/>
+          </a:bodyPr>
+          <a:lstStyle/>
+          <a:p>
+            <a:r>
+              <a:rPr lang="en-US" sz="1200" dirty="0"/>
+              <a:t>Los Angeles</a:t>
+            </a:r>
+            <a:br>
+              <a:rPr lang="en-US" sz="1200" dirty="0"/>
+            </a:br>
+            <a:r>
+              <a:rPr lang="en-US" sz="1200" dirty="0"/>
+              <a:t>San Diego</a:t>
+            </a:r>
+          </a:p>
+        </p:txBody>
+      </p:sp>
+      <p:cxnSp>
+        <p:nvCxnSpPr>
+          <p:cNvPr id="28" name="Straight Arrow Connector 27">
+            <a:extLst>
+              <a:ext uri="{FF2B5EF4-FFF2-40B4-BE49-F238E27FC236}">
+                <a16:creationId xmlns:a16="http://schemas.microsoft.com/office/drawing/2014/main" id="{925E8786-8422-E3BD-8FBB-BA375A42A070}"/>
+              </a:ext>
+            </a:extLst>
+          </p:cNvPr>
+          <p:cNvCxnSpPr>
+            <a:cxnSpLocks/>
+          </p:cNvCxnSpPr>
+          <p:nvPr/>
+        </p:nvCxnSpPr>
+        <p:spPr>
+          <a:xfrm flipV="1">
+            <a:off x="2970004" y="4482877"/>
+            <a:ext cx="247329" cy="152770"/>
+          </a:xfrm>
+          <a:prstGeom prst="straightConnector1">
+            <a:avLst/>
+          </a:prstGeom>
+          <a:ln>
+            <a:solidFill>
+              <a:schemeClr val="tx1"/>
+            </a:solidFill>
+            <a:tailEnd type="triangle"/>
+          </a:ln>
+        </p:spPr>
+        <p:style>
+          <a:lnRef idx="1">
+            <a:schemeClr val="accent1"/>
+          </a:lnRef>
+          <a:fillRef idx="0">
+            <a:schemeClr val="accent1"/>
+          </a:fillRef>
+          <a:effectRef idx="0">
+            <a:schemeClr val="accent1"/>
+          </a:effectRef>
+          <a:fontRef idx="minor">
+            <a:schemeClr val="tx1"/>
+          </a:fontRef>
+        </p:style>
+      </p:cxnSp>
+      <p:sp>
+        <p:nvSpPr>
+          <p:cNvPr id="31" name="TextBox 30">
+            <a:extLst>
+              <a:ext uri="{FF2B5EF4-FFF2-40B4-BE49-F238E27FC236}">
+                <a16:creationId xmlns:a16="http://schemas.microsoft.com/office/drawing/2014/main" id="{CE4E5599-C3AC-6D13-1A97-850373AC838B}"/>
+              </a:ext>
+            </a:extLst>
+          </p:cNvPr>
+          <p:cNvSpPr txBox="1"/>
+          <p:nvPr/>
+        </p:nvSpPr>
+        <p:spPr>
+          <a:xfrm>
+            <a:off x="5428795" y="2891186"/>
+            <a:ext cx="1520750" cy="276999"/>
+          </a:xfrm>
+          <a:prstGeom prst="rect">
+            <a:avLst/>
+          </a:prstGeom>
+          <a:noFill/>
+        </p:spPr>
+        <p:txBody>
+          <a:bodyPr wrap="square" rtlCol="0">
+            <a:spAutoFit/>
+          </a:bodyPr>
+          <a:lstStyle/>
+          <a:p>
+            <a:r>
+              <a:rPr lang="en-US" sz="1200" dirty="0"/>
+              <a:t>Kansas City</a:t>
+            </a:r>
+          </a:p>
+        </p:txBody>
+      </p:sp>
+      <p:sp>
+        <p:nvSpPr>
+          <p:cNvPr id="32" name="TextBox 31">
+            <a:extLst>
+              <a:ext uri="{FF2B5EF4-FFF2-40B4-BE49-F238E27FC236}">
+                <a16:creationId xmlns:a16="http://schemas.microsoft.com/office/drawing/2014/main" id="{C861425F-3FC4-6DE2-9B5F-0036FA7D7265}"/>
+              </a:ext>
+            </a:extLst>
+          </p:cNvPr>
+          <p:cNvSpPr txBox="1"/>
+          <p:nvPr/>
+        </p:nvSpPr>
+        <p:spPr>
+          <a:xfrm>
+            <a:off x="5428795" y="3909829"/>
+            <a:ext cx="1520750" cy="276999"/>
+          </a:xfrm>
+          <a:prstGeom prst="rect">
+            <a:avLst/>
+          </a:prstGeom>
+          <a:noFill/>
+        </p:spPr>
+        <p:txBody>
+          <a:bodyPr wrap="square" rtlCol="0">
+            <a:spAutoFit/>
+          </a:bodyPr>
+          <a:lstStyle/>
+          <a:p>
+            <a:r>
+              <a:rPr lang="en-US" sz="1200" dirty="0"/>
+              <a:t>Tulsa</a:t>
+            </a:r>
+          </a:p>
+        </p:txBody>
+      </p:sp>
+      <p:cxnSp>
+        <p:nvCxnSpPr>
+          <p:cNvPr id="33" name="Straight Arrow Connector 32">
+            <a:extLst>
+              <a:ext uri="{FF2B5EF4-FFF2-40B4-BE49-F238E27FC236}">
+                <a16:creationId xmlns:a16="http://schemas.microsoft.com/office/drawing/2014/main" id="{CB3D86E7-198B-B8F7-874C-2755CB387829}"/>
+              </a:ext>
+            </a:extLst>
+          </p:cNvPr>
+          <p:cNvCxnSpPr>
+            <a:cxnSpLocks/>
+          </p:cNvCxnSpPr>
+          <p:nvPr/>
+        </p:nvCxnSpPr>
+        <p:spPr>
+          <a:xfrm>
+            <a:off x="5905842" y="3168185"/>
+            <a:ext cx="142589" cy="340638"/>
+          </a:xfrm>
+          <a:prstGeom prst="straightConnector1">
+            <a:avLst/>
+          </a:prstGeom>
+          <a:ln>
+            <a:solidFill>
+              <a:schemeClr val="tx1"/>
+            </a:solidFill>
+            <a:tailEnd type="triangle"/>
+          </a:ln>
+        </p:spPr>
+        <p:style>
+          <a:lnRef idx="1">
+            <a:schemeClr val="accent1"/>
+          </a:lnRef>
+          <a:fillRef idx="0">
+            <a:schemeClr val="accent1"/>
+          </a:fillRef>
+          <a:effectRef idx="0">
+            <a:schemeClr val="accent1"/>
+          </a:effectRef>
+          <a:fontRef idx="minor">
+            <a:schemeClr val="tx1"/>
+          </a:fontRef>
+        </p:style>
+      </p:cxnSp>
+      <p:sp>
+        <p:nvSpPr>
+          <p:cNvPr id="37" name="TextBox 36">
+            <a:extLst>
+              <a:ext uri="{FF2B5EF4-FFF2-40B4-BE49-F238E27FC236}">
+                <a16:creationId xmlns:a16="http://schemas.microsoft.com/office/drawing/2014/main" id="{21F0499E-D3A0-D830-CD7D-9069B801534A}"/>
+              </a:ext>
+            </a:extLst>
+          </p:cNvPr>
+          <p:cNvSpPr txBox="1"/>
+          <p:nvPr/>
+        </p:nvSpPr>
+        <p:spPr>
+          <a:xfrm>
+            <a:off x="7993248" y="3806037"/>
+            <a:ext cx="1907285" cy="276999"/>
+          </a:xfrm>
+          <a:prstGeom prst="rect">
+            <a:avLst/>
+          </a:prstGeom>
+          <a:noFill/>
+        </p:spPr>
+        <p:txBody>
+          <a:bodyPr wrap="square" rtlCol="0">
+            <a:spAutoFit/>
+          </a:bodyPr>
+          <a:lstStyle/>
+          <a:p>
+            <a:r>
+              <a:rPr lang="en-US" sz="1200" dirty="0"/>
+              <a:t>Tennessee, North Carolina</a:t>
+            </a:r>
+          </a:p>
+        </p:txBody>
+      </p:sp>
+      <p:sp>
+        <p:nvSpPr>
+          <p:cNvPr id="38" name="Oval 37">
+            <a:extLst>
+              <a:ext uri="{FF2B5EF4-FFF2-40B4-BE49-F238E27FC236}">
+                <a16:creationId xmlns:a16="http://schemas.microsoft.com/office/drawing/2014/main" id="{5A8BEF34-F333-D5AC-6680-876377530A56}"/>
+              </a:ext>
+            </a:extLst>
+          </p:cNvPr>
+          <p:cNvSpPr/>
+          <p:nvPr/>
+        </p:nvSpPr>
+        <p:spPr>
+          <a:xfrm>
+            <a:off x="6740357" y="3944712"/>
+            <a:ext cx="1644742" cy="501687"/>
+          </a:xfrm>
+          <a:prstGeom prst="ellipse">
+            <a:avLst/>
+          </a:prstGeom>
+          <a:noFill/>
+          <a:ln>
+            <a:solidFill>
+              <a:schemeClr val="accent1"/>
+            </a:solidFill>
+          </a:ln>
+        </p:spPr>
+        <p:style>
+          <a:lnRef idx="2">
+            <a:schemeClr val="accent1">
+              <a:shade val="50000"/>
+            </a:schemeClr>
+          </a:lnRef>
+          <a:fillRef idx="1">
+            <a:schemeClr val="accent1"/>
+          </a:fillRef>
+          <a:effectRef idx="0">
+            <a:schemeClr val="accent1"/>
+          </a:effectRef>
+          <a:fontRef idx="minor">
+            <a:schemeClr val="lt1"/>
+          </a:fontRef>
+        </p:style>
+        <p:txBody>
+          <a:bodyPr rtlCol="0" anchor="ctr"/>
+          <a:lstStyle/>
+          <a:p>
+            <a:pPr algn="ctr"/>
+            <a:endParaRPr lang="en-US"/>
+          </a:p>
+        </p:txBody>
+      </p:sp>
+      <p:sp>
+        <p:nvSpPr>
+          <p:cNvPr id="39" name="Oval 38">
+            <a:extLst>
+              <a:ext uri="{FF2B5EF4-FFF2-40B4-BE49-F238E27FC236}">
+                <a16:creationId xmlns:a16="http://schemas.microsoft.com/office/drawing/2014/main" id="{57A9F7D5-5688-26D2-A066-99217129ADED}"/>
+              </a:ext>
+            </a:extLst>
+          </p:cNvPr>
+          <p:cNvSpPr/>
+          <p:nvPr/>
+        </p:nvSpPr>
+        <p:spPr>
+          <a:xfrm rot="539115">
+            <a:off x="7876390" y="2479072"/>
+            <a:ext cx="1644742" cy="713185"/>
+          </a:xfrm>
+          <a:prstGeom prst="ellipse">
+            <a:avLst/>
+          </a:prstGeom>
+          <a:noFill/>
+          <a:ln>
+            <a:solidFill>
+              <a:schemeClr val="accent1"/>
+            </a:solidFill>
+          </a:ln>
+        </p:spPr>
+        <p:style>
+          <a:lnRef idx="2">
+            <a:schemeClr val="accent1">
+              <a:shade val="50000"/>
+            </a:schemeClr>
+          </a:lnRef>
+          <a:fillRef idx="1">
+            <a:schemeClr val="accent1"/>
+          </a:fillRef>
+          <a:effectRef idx="0">
+            <a:schemeClr val="accent1"/>
+          </a:effectRef>
+          <a:fontRef idx="minor">
+            <a:schemeClr val="lt1"/>
+          </a:fontRef>
+        </p:style>
+        <p:txBody>
+          <a:bodyPr rtlCol="0" anchor="ctr"/>
+          <a:lstStyle/>
+          <a:p>
+            <a:pPr algn="ctr"/>
+            <a:endParaRPr lang="en-US"/>
+          </a:p>
+        </p:txBody>
+      </p:sp>
+      <p:sp>
+        <p:nvSpPr>
+          <p:cNvPr id="40" name="TextBox 39">
+            <a:extLst>
+              <a:ext uri="{FF2B5EF4-FFF2-40B4-BE49-F238E27FC236}">
+                <a16:creationId xmlns:a16="http://schemas.microsoft.com/office/drawing/2014/main" id="{16D9A4FB-9CCC-A7A6-8E89-F65ABD433D64}"/>
+              </a:ext>
+            </a:extLst>
+          </p:cNvPr>
+          <p:cNvSpPr txBox="1"/>
+          <p:nvPr/>
+        </p:nvSpPr>
+        <p:spPr>
+          <a:xfrm>
+            <a:off x="7267836" y="2157506"/>
+            <a:ext cx="1907285" cy="276999"/>
+          </a:xfrm>
+          <a:prstGeom prst="rect">
+            <a:avLst/>
+          </a:prstGeom>
+          <a:noFill/>
+        </p:spPr>
+        <p:txBody>
+          <a:bodyPr wrap="square" rtlCol="0">
+            <a:spAutoFit/>
+          </a:bodyPr>
+          <a:lstStyle/>
+          <a:p>
+            <a:r>
+              <a:rPr lang="en-US" sz="1200" dirty="0"/>
+              <a:t>New England minus Boston</a:t>
+            </a:r>
+          </a:p>
+        </p:txBody>
+      </p:sp>
+      <p:sp>
+        <p:nvSpPr>
+          <p:cNvPr id="41" name="TextBox 40">
+            <a:extLst>
+              <a:ext uri="{FF2B5EF4-FFF2-40B4-BE49-F238E27FC236}">
+                <a16:creationId xmlns:a16="http://schemas.microsoft.com/office/drawing/2014/main" id="{262F0F90-AD74-6ADD-2752-CE83CBB804C9}"/>
+              </a:ext>
+            </a:extLst>
+          </p:cNvPr>
+          <p:cNvSpPr txBox="1"/>
+          <p:nvPr/>
+        </p:nvSpPr>
+        <p:spPr>
+          <a:xfrm>
+            <a:off x="6949545" y="5085617"/>
+            <a:ext cx="639329" cy="276999"/>
+          </a:xfrm>
+          <a:prstGeom prst="rect">
+            <a:avLst/>
+          </a:prstGeom>
+          <a:noFill/>
+        </p:spPr>
+        <p:txBody>
+          <a:bodyPr wrap="square" rtlCol="0">
+            <a:spAutoFit/>
+          </a:bodyPr>
+          <a:lstStyle/>
+          <a:p>
+            <a:r>
+              <a:rPr lang="en-US" sz="1200" dirty="0"/>
+              <a:t>Tampa</a:t>
+            </a:r>
+          </a:p>
+        </p:txBody>
+      </p:sp>
+    </p:spTree>
+    <p:extLst>
+      <p:ext uri="{BB962C8B-B14F-4D97-AF65-F5344CB8AC3E}">
+        <p14:creationId xmlns:p14="http://schemas.microsoft.com/office/powerpoint/2010/main" val="1049537664"/>
+      </p:ext>
+    </p:extLst>
+  </p:cSld>
+  <p:clrMapOvr>
+    <a:masterClrMapping/>
+  </p:clrMapOvr>
+</p:sld>
+</file>
+
+<file path=ppt/slides/slide5.xml><?xml version="1.0" encoding="utf-8"?>
+<p:sld xmlns:a="http://schemas.openxmlformats.org/drawingml/2006/main" xmlns:r="http://schemas.openxmlformats.org/officeDocument/2006/relationships" xmlns:p="http://schemas.openxmlformats.org/presentationml/2006/main">
+  <p:cSld>
+    <p:bg>
+      <p:bgPr>
+        <a:solidFill>
+          <a:schemeClr val="bg1"/>
+        </a:solidFill>
+        <a:effectLst/>
+      </p:bgPr>
+    </p:bg>
+    <p:spTree>
+      <p:nvGrpSpPr>
+        <p:cNvPr id="1" name=""/>
+        <p:cNvGrpSpPr/>
+        <p:nvPr/>
+      </p:nvGrpSpPr>
+      <p:grpSpPr>
+        <a:xfrm>
+          <a:off x="0" y="0"/>
+          <a:ext cx="0" cy="0"/>
+          <a:chOff x="0" y="0"/>
+          <a:chExt cx="0" cy="0"/>
+        </a:xfrm>
+      </p:grpSpPr>
+      <p:sp useBgFill="1">
+        <p:nvSpPr>
+          <p:cNvPr id="19" name="Rectangle 18">
+            <a:extLst>
+              <a:ext uri="{FF2B5EF4-FFF2-40B4-BE49-F238E27FC236}">
+                <a16:creationId xmlns:a16="http://schemas.microsoft.com/office/drawing/2014/main" id="{100EDD19-6802-4EC3-95CE-CFFAB042CFD6}"/>
+              </a:ext>
+              <a:ext uri="{C183D7F6-B498-43B3-948B-1728B52AA6E4}">
+                <adec:decorative xmlns:adec="http://schemas.microsoft.com/office/drawing/2017/decorative" val="1"/>
+              </a:ext>
+            </a:extLst>
+          </p:cNvPr>
+          <p:cNvSpPr>
+            <a:spLocks noGrp="1" noRot="1" noChangeAspect="1" noMove="1" noResize="1" noEditPoints="1" noAdjustHandles="1" noChangeArrowheads="1" noChangeShapeType="1" noTextEdit="1"/>
+          </p:cNvSpPr>
+          <p:nvPr>
+            <p:extLst>
+              <p:ext uri="{386F3935-93C4-4BCD-93E2-E3B085C9AB24}">
+                <p16:designElem xmlns:p16="http://schemas.microsoft.com/office/powerpoint/2015/main" val="1"/>
+              </p:ext>
+            </p:extLst>
+          </p:nvPr>
+        </p:nvSpPr>
+        <p:spPr>
+          <a:xfrm>
+            <a:off x="0" y="0"/>
+            <a:ext cx="12188952" cy="6858000"/>
+          </a:xfrm>
+          <a:prstGeom prst="rect">
+            <a:avLst/>
+          </a:prstGeom>
+          <a:ln>
+            <a:noFill/>
+          </a:ln>
+        </p:spPr>
+        <p:style>
+          <a:lnRef idx="2">
+            <a:schemeClr val="accent1">
+              <a:shade val="50000"/>
+            </a:schemeClr>
+          </a:lnRef>
+          <a:fillRef idx="1">
+            <a:schemeClr val="accent1"/>
+          </a:fillRef>
+          <a:effectRef idx="0">
+            <a:schemeClr val="accent1"/>
+          </a:effectRef>
+          <a:fontRef idx="minor">
+            <a:schemeClr val="lt1"/>
+          </a:fontRef>
+        </p:style>
+        <p:txBody>
+          <a:bodyPr rtlCol="0" anchor="ctr"/>
+          <a:lstStyle/>
+          <a:p>
+            <a:pPr algn="ctr"/>
+            <a:endParaRPr lang="en-US"/>
+          </a:p>
+        </p:txBody>
+      </p:sp>
+      <p:sp>
+        <p:nvSpPr>
+          <p:cNvPr id="4" name="Title 3">
+            <a:extLst>
+              <a:ext uri="{FF2B5EF4-FFF2-40B4-BE49-F238E27FC236}">
+                <a16:creationId xmlns:a16="http://schemas.microsoft.com/office/drawing/2014/main" id="{9F7A142E-2D28-D2DB-7C4C-A0994DEE6DE5}"/>
+              </a:ext>
+            </a:extLst>
+          </p:cNvPr>
+          <p:cNvSpPr>
+            <a:spLocks noGrp="1"/>
+          </p:cNvSpPr>
+          <p:nvPr>
+            <p:ph type="title"/>
+          </p:nvPr>
+        </p:nvSpPr>
+        <p:spPr>
+          <a:xfrm>
+            <a:off x="838200" y="365125"/>
+            <a:ext cx="10515600" cy="1325563"/>
+          </a:xfrm>
+        </p:spPr>
+        <p:txBody>
+          <a:bodyPr>
+            <a:normAutofit/>
+          </a:bodyPr>
+          <a:lstStyle/>
+          <a:p>
+            <a:r>
+              <a:rPr lang="en-US" sz="5400" dirty="0"/>
+              <a:t>Analytics: 1</a:t>
+            </a:r>
+          </a:p>
+        </p:txBody>
+      </p:sp>
+      <p:sp>
+        <p:nvSpPr>
+          <p:cNvPr id="21" name="sketch line">
+            <a:extLst>
+              <a:ext uri="{FF2B5EF4-FFF2-40B4-BE49-F238E27FC236}">
+                <a16:creationId xmlns:a16="http://schemas.microsoft.com/office/drawing/2014/main" id="{DB17E863-922E-4C26-BD64-E8FD41D28661}"/>
+              </a:ext>
+              <a:ext uri="{C183D7F6-B498-43B3-948B-1728B52AA6E4}">
+                <adec:decorative xmlns:adec="http://schemas.microsoft.com/office/drawing/2017/decorative" val="1"/>
+              </a:ext>
+            </a:extLst>
+          </p:cNvPr>
+          <p:cNvSpPr>
+            <a:spLocks noGrp="1" noRot="1" noChangeAspect="1" noMove="1" noResize="1" noEditPoints="1" noAdjustHandles="1" noChangeArrowheads="1" noChangeShapeType="1" noTextEdit="1"/>
+          </p:cNvSpPr>
+          <p:nvPr>
+            <p:extLst>
+              <p:ext uri="{386F3935-93C4-4BCD-93E2-E3B085C9AB24}">
+                <p16:designElem xmlns:p16="http://schemas.microsoft.com/office/powerpoint/2015/main" val="1"/>
+              </p:ext>
+            </p:extLst>
+          </p:nvPr>
+        </p:nvSpPr>
+        <p:spPr>
+          <a:xfrm>
+            <a:off x="669036" y="1677373"/>
+            <a:ext cx="10853928" cy="18288"/>
+          </a:xfrm>
+          <a:custGeom>
+            <a:avLst/>
+            <a:gdLst>
+              <a:gd name="connsiteX0" fmla="*/ 0 w 10853928"/>
+              <a:gd name="connsiteY0" fmla="*/ 0 h 18288"/>
+              <a:gd name="connsiteX1" fmla="*/ 461292 w 10853928"/>
+              <a:gd name="connsiteY1" fmla="*/ 0 h 18288"/>
+              <a:gd name="connsiteX2" fmla="*/ 1139662 w 10853928"/>
+              <a:gd name="connsiteY2" fmla="*/ 0 h 18288"/>
+              <a:gd name="connsiteX3" fmla="*/ 1926572 w 10853928"/>
+              <a:gd name="connsiteY3" fmla="*/ 0 h 18288"/>
+              <a:gd name="connsiteX4" fmla="*/ 2279325 w 10853928"/>
+              <a:gd name="connsiteY4" fmla="*/ 0 h 18288"/>
+              <a:gd name="connsiteX5" fmla="*/ 2632078 w 10853928"/>
+              <a:gd name="connsiteY5" fmla="*/ 0 h 18288"/>
+              <a:gd name="connsiteX6" fmla="*/ 3527527 w 10853928"/>
+              <a:gd name="connsiteY6" fmla="*/ 0 h 18288"/>
+              <a:gd name="connsiteX7" fmla="*/ 4205897 w 10853928"/>
+              <a:gd name="connsiteY7" fmla="*/ 0 h 18288"/>
+              <a:gd name="connsiteX8" fmla="*/ 4558650 w 10853928"/>
+              <a:gd name="connsiteY8" fmla="*/ 0 h 18288"/>
+              <a:gd name="connsiteX9" fmla="*/ 5237020 w 10853928"/>
+              <a:gd name="connsiteY9" fmla="*/ 0 h 18288"/>
+              <a:gd name="connsiteX10" fmla="*/ 6132469 w 10853928"/>
+              <a:gd name="connsiteY10" fmla="*/ 0 h 18288"/>
+              <a:gd name="connsiteX11" fmla="*/ 6702301 w 10853928"/>
+              <a:gd name="connsiteY11" fmla="*/ 0 h 18288"/>
+              <a:gd name="connsiteX12" fmla="*/ 7272132 w 10853928"/>
+              <a:gd name="connsiteY12" fmla="*/ 0 h 18288"/>
+              <a:gd name="connsiteX13" fmla="*/ 7950502 w 10853928"/>
+              <a:gd name="connsiteY13" fmla="*/ 0 h 18288"/>
+              <a:gd name="connsiteX14" fmla="*/ 8737412 w 10853928"/>
+              <a:gd name="connsiteY14" fmla="*/ 0 h 18288"/>
+              <a:gd name="connsiteX15" fmla="*/ 9524322 w 10853928"/>
+              <a:gd name="connsiteY15" fmla="*/ 0 h 18288"/>
+              <a:gd name="connsiteX16" fmla="*/ 10853928 w 10853928"/>
+              <a:gd name="connsiteY16" fmla="*/ 0 h 18288"/>
+              <a:gd name="connsiteX17" fmla="*/ 10853928 w 10853928"/>
+              <a:gd name="connsiteY17" fmla="*/ 18288 h 18288"/>
+              <a:gd name="connsiteX18" fmla="*/ 10392636 w 10853928"/>
+              <a:gd name="connsiteY18" fmla="*/ 18288 h 18288"/>
+              <a:gd name="connsiteX19" fmla="*/ 9497187 w 10853928"/>
+              <a:gd name="connsiteY19" fmla="*/ 18288 h 18288"/>
+              <a:gd name="connsiteX20" fmla="*/ 8818817 w 10853928"/>
+              <a:gd name="connsiteY20" fmla="*/ 18288 h 18288"/>
+              <a:gd name="connsiteX21" fmla="*/ 8466064 w 10853928"/>
+              <a:gd name="connsiteY21" fmla="*/ 18288 h 18288"/>
+              <a:gd name="connsiteX22" fmla="*/ 7787693 w 10853928"/>
+              <a:gd name="connsiteY22" fmla="*/ 18288 h 18288"/>
+              <a:gd name="connsiteX23" fmla="*/ 7217862 w 10853928"/>
+              <a:gd name="connsiteY23" fmla="*/ 18288 h 18288"/>
+              <a:gd name="connsiteX24" fmla="*/ 6648031 w 10853928"/>
+              <a:gd name="connsiteY24" fmla="*/ 18288 h 18288"/>
+              <a:gd name="connsiteX25" fmla="*/ 6078200 w 10853928"/>
+              <a:gd name="connsiteY25" fmla="*/ 18288 h 18288"/>
+              <a:gd name="connsiteX26" fmla="*/ 5508368 w 10853928"/>
+              <a:gd name="connsiteY26" fmla="*/ 18288 h 18288"/>
+              <a:gd name="connsiteX27" fmla="*/ 4721459 w 10853928"/>
+              <a:gd name="connsiteY27" fmla="*/ 18288 h 18288"/>
+              <a:gd name="connsiteX28" fmla="*/ 4043088 w 10853928"/>
+              <a:gd name="connsiteY28" fmla="*/ 18288 h 18288"/>
+              <a:gd name="connsiteX29" fmla="*/ 3690336 w 10853928"/>
+              <a:gd name="connsiteY29" fmla="*/ 18288 h 18288"/>
+              <a:gd name="connsiteX30" fmla="*/ 3120504 w 10853928"/>
+              <a:gd name="connsiteY30" fmla="*/ 18288 h 18288"/>
+              <a:gd name="connsiteX31" fmla="*/ 2333595 w 10853928"/>
+              <a:gd name="connsiteY31" fmla="*/ 18288 h 18288"/>
+              <a:gd name="connsiteX32" fmla="*/ 1872303 w 10853928"/>
+              <a:gd name="connsiteY32" fmla="*/ 18288 h 18288"/>
+              <a:gd name="connsiteX33" fmla="*/ 976854 w 10853928"/>
+              <a:gd name="connsiteY33" fmla="*/ 18288 h 18288"/>
+              <a:gd name="connsiteX34" fmla="*/ 0 w 10853928"/>
+              <a:gd name="connsiteY34" fmla="*/ 18288 h 18288"/>
+              <a:gd name="connsiteX35" fmla="*/ 0 w 10853928"/>
+              <a:gd name="connsiteY35" fmla="*/ 0 h 18288"/>
+            </a:gdLst>
+            <a:ahLst/>
+            <a:cxnLst>
+              <a:cxn ang="0">
+                <a:pos x="connsiteX0" y="connsiteY0"/>
+              </a:cxn>
+              <a:cxn ang="0">
+                <a:pos x="connsiteX1" y="connsiteY1"/>
+              </a:cxn>
+              <a:cxn ang="0">
+                <a:pos x="connsiteX2" y="connsiteY2"/>
+              </a:cxn>
+              <a:cxn ang="0">
+                <a:pos x="connsiteX3" y="connsiteY3"/>
+              </a:cxn>
+              <a:cxn ang="0">
+                <a:pos x="connsiteX4" y="connsiteY4"/>
+              </a:cxn>
+              <a:cxn ang="0">
+                <a:pos x="connsiteX5" y="connsiteY5"/>
+              </a:cxn>
+              <a:cxn ang="0">
+                <a:pos x="connsiteX6" y="connsiteY6"/>
+              </a:cxn>
+              <a:cxn ang="0">
+                <a:pos x="connsiteX7" y="connsiteY7"/>
+              </a:cxn>
+              <a:cxn ang="0">
+                <a:pos x="connsiteX8" y="connsiteY8"/>
+              </a:cxn>
+              <a:cxn ang="0">
+                <a:pos x="connsiteX9" y="connsiteY9"/>
+              </a:cxn>
+              <a:cxn ang="0">
+                <a:pos x="connsiteX10" y="connsiteY10"/>
+              </a:cxn>
+              <a:cxn ang="0">
+                <a:pos x="connsiteX11" y="connsiteY11"/>
+              </a:cxn>
+              <a:cxn ang="0">
+                <a:pos x="connsiteX12" y="connsiteY12"/>
+              </a:cxn>
+              <a:cxn ang="0">
+                <a:pos x="connsiteX13" y="connsiteY13"/>
+              </a:cxn>
+              <a:cxn ang="0">
+                <a:pos x="connsiteX14" y="connsiteY14"/>
+              </a:cxn>
+              <a:cxn ang="0">
+                <a:pos x="connsiteX15" y="connsiteY15"/>
+              </a:cxn>
+              <a:cxn ang="0">
+                <a:pos x="connsiteX16" y="connsiteY16"/>
+              </a:cxn>
+              <a:cxn ang="0">
+                <a:pos x="connsiteX17" y="connsiteY17"/>
+              </a:cxn>
+              <a:cxn ang="0">
+                <a:pos x="connsiteX18" y="connsiteY18"/>
+              </a:cxn>
+              <a:cxn ang="0">
+                <a:pos x="connsiteX19" y="connsiteY19"/>
+              </a:cxn>
+              <a:cxn ang="0">
+                <a:pos x="connsiteX20" y="connsiteY20"/>
+              </a:cxn>
+              <a:cxn ang="0">
+                <a:pos x="connsiteX21" y="connsiteY21"/>
+              </a:cxn>
+              <a:cxn ang="0">
+                <a:pos x="connsiteX22" y="connsiteY22"/>
+              </a:cxn>
+              <a:cxn ang="0">
+                <a:pos x="connsiteX23" y="connsiteY23"/>
+              </a:cxn>
+              <a:cxn ang="0">
+                <a:pos x="connsiteX24" y="connsiteY24"/>
+              </a:cxn>
+              <a:cxn ang="0">
+                <a:pos x="connsiteX25" y="connsiteY25"/>
+              </a:cxn>
+              <a:cxn ang="0">
+                <a:pos x="connsiteX26" y="connsiteY26"/>
+              </a:cxn>
+              <a:cxn ang="0">
+                <a:pos x="connsiteX27" y="connsiteY27"/>
+              </a:cxn>
+              <a:cxn ang="0">
+                <a:pos x="connsiteX28" y="connsiteY28"/>
+              </a:cxn>
+              <a:cxn ang="0">
+                <a:pos x="connsiteX29" y="connsiteY29"/>
+              </a:cxn>
+              <a:cxn ang="0">
+                <a:pos x="connsiteX30" y="connsiteY30"/>
+              </a:cxn>
+              <a:cxn ang="0">
+                <a:pos x="connsiteX31" y="connsiteY31"/>
+              </a:cxn>
+              <a:cxn ang="0">
+                <a:pos x="connsiteX32" y="connsiteY32"/>
+              </a:cxn>
+              <a:cxn ang="0">
+                <a:pos x="connsiteX33" y="connsiteY33"/>
+              </a:cxn>
+              <a:cxn ang="0">
+                <a:pos x="connsiteX34" y="connsiteY34"/>
+              </a:cxn>
+              <a:cxn ang="0">
+                <a:pos x="connsiteX35" y="connsiteY35"/>
+              </a:cxn>
+            </a:cxnLst>
+            <a:rect l="l" t="t" r="r" b="b"/>
+            <a:pathLst>
+              <a:path w="10853928" h="18288" fill="none" extrusionOk="0">
+                <a:moveTo>
+                  <a:pt x="0" y="0"/>
+                </a:moveTo>
+                <a:cubicBezTo>
+                  <a:pt x="146993" y="-19076"/>
+                  <a:pt x="347684" y="-4790"/>
+                  <a:pt x="461292" y="0"/>
+                </a:cubicBezTo>
+                <a:cubicBezTo>
+                  <a:pt x="574900" y="4790"/>
+                  <a:pt x="808367" y="19821"/>
+                  <a:pt x="1139662" y="0"/>
+                </a:cubicBezTo>
+                <a:cubicBezTo>
+                  <a:pt x="1470957" y="-19821"/>
+                  <a:pt x="1627405" y="5721"/>
+                  <a:pt x="1926572" y="0"/>
+                </a:cubicBezTo>
+                <a:cubicBezTo>
+                  <a:pt x="2225739" y="-5721"/>
+                  <a:pt x="2137730" y="-3235"/>
+                  <a:pt x="2279325" y="0"/>
+                </a:cubicBezTo>
+                <a:cubicBezTo>
+                  <a:pt x="2420920" y="3235"/>
+                  <a:pt x="2456518" y="9685"/>
+                  <a:pt x="2632078" y="0"/>
+                </a:cubicBezTo>
+                <a:cubicBezTo>
+                  <a:pt x="2807638" y="-9685"/>
+                  <a:pt x="3211516" y="-43007"/>
+                  <a:pt x="3527527" y="0"/>
+                </a:cubicBezTo>
+                <a:cubicBezTo>
+                  <a:pt x="3843538" y="43007"/>
+                  <a:pt x="4058833" y="22042"/>
+                  <a:pt x="4205897" y="0"/>
+                </a:cubicBezTo>
+                <a:cubicBezTo>
+                  <a:pt x="4352961" y="-22042"/>
+                  <a:pt x="4474805" y="-11846"/>
+                  <a:pt x="4558650" y="0"/>
+                </a:cubicBezTo>
+                <a:cubicBezTo>
+                  <a:pt x="4642495" y="11846"/>
+                  <a:pt x="5041928" y="-6069"/>
+                  <a:pt x="5237020" y="0"/>
+                </a:cubicBezTo>
+                <a:cubicBezTo>
+                  <a:pt x="5432112" y="6069"/>
+                  <a:pt x="5943266" y="-17479"/>
+                  <a:pt x="6132469" y="0"/>
+                </a:cubicBezTo>
+                <a:cubicBezTo>
+                  <a:pt x="6321672" y="17479"/>
+                  <a:pt x="6483872" y="26234"/>
+                  <a:pt x="6702301" y="0"/>
+                </a:cubicBezTo>
+                <a:cubicBezTo>
+                  <a:pt x="6920730" y="-26234"/>
+                  <a:pt x="6991194" y="-15156"/>
+                  <a:pt x="7272132" y="0"/>
+                </a:cubicBezTo>
+                <a:cubicBezTo>
+                  <a:pt x="7553070" y="15156"/>
+                  <a:pt x="7684444" y="-32961"/>
+                  <a:pt x="7950502" y="0"/>
+                </a:cubicBezTo>
+                <a:cubicBezTo>
+                  <a:pt x="8216560" y="32961"/>
+                  <a:pt x="8493290" y="-10491"/>
+                  <a:pt x="8737412" y="0"/>
+                </a:cubicBezTo>
+                <a:cubicBezTo>
+                  <a:pt x="8981534" y="10491"/>
+                  <a:pt x="9191586" y="-13899"/>
+                  <a:pt x="9524322" y="0"/>
+                </a:cubicBezTo>
+                <a:cubicBezTo>
+                  <a:pt x="9857058" y="13899"/>
+                  <a:pt x="10297509" y="7485"/>
+                  <a:pt x="10853928" y="0"/>
+                </a:cubicBezTo>
+                <a:cubicBezTo>
+                  <a:pt x="10854574" y="4451"/>
+                  <a:pt x="10854418" y="9226"/>
+                  <a:pt x="10853928" y="18288"/>
+                </a:cubicBezTo>
+                <a:cubicBezTo>
+                  <a:pt x="10691638" y="28522"/>
+                  <a:pt x="10574319" y="29578"/>
+                  <a:pt x="10392636" y="18288"/>
+                </a:cubicBezTo>
+                <a:cubicBezTo>
+                  <a:pt x="10210953" y="6998"/>
+                  <a:pt x="9836277" y="-16742"/>
+                  <a:pt x="9497187" y="18288"/>
+                </a:cubicBezTo>
+                <a:cubicBezTo>
+                  <a:pt x="9158097" y="53318"/>
+                  <a:pt x="9119479" y="30714"/>
+                  <a:pt x="8818817" y="18288"/>
+                </a:cubicBezTo>
+                <a:cubicBezTo>
+                  <a:pt x="8518155" y="5863"/>
+                  <a:pt x="8640037" y="6483"/>
+                  <a:pt x="8466064" y="18288"/>
+                </a:cubicBezTo>
+                <a:cubicBezTo>
+                  <a:pt x="8292091" y="30093"/>
+                  <a:pt x="7997656" y="18914"/>
+                  <a:pt x="7787693" y="18288"/>
+                </a:cubicBezTo>
+                <a:cubicBezTo>
+                  <a:pt x="7577730" y="17662"/>
+                  <a:pt x="7412468" y="21416"/>
+                  <a:pt x="7217862" y="18288"/>
+                </a:cubicBezTo>
+                <a:cubicBezTo>
+                  <a:pt x="7023256" y="15160"/>
+                  <a:pt x="6898018" y="14824"/>
+                  <a:pt x="6648031" y="18288"/>
+                </a:cubicBezTo>
+                <a:cubicBezTo>
+                  <a:pt x="6398044" y="21752"/>
+                  <a:pt x="6254402" y="38625"/>
+                  <a:pt x="6078200" y="18288"/>
+                </a:cubicBezTo>
+                <a:cubicBezTo>
+                  <a:pt x="5901998" y="-2049"/>
+                  <a:pt x="5622886" y="3213"/>
+                  <a:pt x="5508368" y="18288"/>
+                </a:cubicBezTo>
+                <a:cubicBezTo>
+                  <a:pt x="5393850" y="33363"/>
+                  <a:pt x="5036260" y="26830"/>
+                  <a:pt x="4721459" y="18288"/>
+                </a:cubicBezTo>
+                <a:cubicBezTo>
+                  <a:pt x="4406658" y="9746"/>
+                  <a:pt x="4239221" y="41551"/>
+                  <a:pt x="4043088" y="18288"/>
+                </a:cubicBezTo>
+                <a:cubicBezTo>
+                  <a:pt x="3846955" y="-4975"/>
+                  <a:pt x="3818802" y="34658"/>
+                  <a:pt x="3690336" y="18288"/>
+                </a:cubicBezTo>
+                <a:cubicBezTo>
+                  <a:pt x="3561870" y="1918"/>
+                  <a:pt x="3265491" y="42194"/>
+                  <a:pt x="3120504" y="18288"/>
+                </a:cubicBezTo>
+                <a:cubicBezTo>
+                  <a:pt x="2975517" y="-5618"/>
+                  <a:pt x="2720254" y="36673"/>
+                  <a:pt x="2333595" y="18288"/>
+                </a:cubicBezTo>
+                <a:cubicBezTo>
+                  <a:pt x="1946936" y="-97"/>
+                  <a:pt x="2097241" y="5776"/>
+                  <a:pt x="1872303" y="18288"/>
+                </a:cubicBezTo>
+                <a:cubicBezTo>
+                  <a:pt x="1647365" y="30800"/>
+                  <a:pt x="1282708" y="45380"/>
+                  <a:pt x="976854" y="18288"/>
+                </a:cubicBezTo>
+                <a:cubicBezTo>
+                  <a:pt x="671000" y="-8804"/>
+                  <a:pt x="408401" y="-12775"/>
+                  <a:pt x="0" y="18288"/>
+                </a:cubicBezTo>
+                <a:cubicBezTo>
+                  <a:pt x="-213" y="9468"/>
+                  <a:pt x="187" y="4459"/>
+                  <a:pt x="0" y="0"/>
+                </a:cubicBezTo>
+                <a:close/>
+              </a:path>
+              <a:path w="10853928" h="18288" stroke="0" extrusionOk="0">
+                <a:moveTo>
+                  <a:pt x="0" y="0"/>
+                </a:moveTo>
+                <a:cubicBezTo>
+                  <a:pt x="267322" y="15284"/>
+                  <a:pt x="415388" y="-21048"/>
+                  <a:pt x="569831" y="0"/>
+                </a:cubicBezTo>
+                <a:cubicBezTo>
+                  <a:pt x="724274" y="21048"/>
+                  <a:pt x="769333" y="-2353"/>
+                  <a:pt x="922584" y="0"/>
+                </a:cubicBezTo>
+                <a:cubicBezTo>
+                  <a:pt x="1075835" y="2353"/>
+                  <a:pt x="1399490" y="-145"/>
+                  <a:pt x="1818033" y="0"/>
+                </a:cubicBezTo>
+                <a:cubicBezTo>
+                  <a:pt x="2236576" y="145"/>
+                  <a:pt x="2145330" y="5482"/>
+                  <a:pt x="2387864" y="0"/>
+                </a:cubicBezTo>
+                <a:cubicBezTo>
+                  <a:pt x="2630398" y="-5482"/>
+                  <a:pt x="2793207" y="18487"/>
+                  <a:pt x="2957695" y="0"/>
+                </a:cubicBezTo>
+                <a:cubicBezTo>
+                  <a:pt x="3122183" y="-18487"/>
+                  <a:pt x="3579141" y="19003"/>
+                  <a:pt x="3853144" y="0"/>
+                </a:cubicBezTo>
+                <a:cubicBezTo>
+                  <a:pt x="4127147" y="-19003"/>
+                  <a:pt x="4209857" y="12211"/>
+                  <a:pt x="4314436" y="0"/>
+                </a:cubicBezTo>
+                <a:cubicBezTo>
+                  <a:pt x="4419015" y="-12211"/>
+                  <a:pt x="4762459" y="-17220"/>
+                  <a:pt x="5209885" y="0"/>
+                </a:cubicBezTo>
+                <a:cubicBezTo>
+                  <a:pt x="5657311" y="17220"/>
+                  <a:pt x="5692663" y="-3290"/>
+                  <a:pt x="6105335" y="0"/>
+                </a:cubicBezTo>
+                <a:cubicBezTo>
+                  <a:pt x="6518007" y="3290"/>
+                  <a:pt x="6455516" y="-5124"/>
+                  <a:pt x="6783705" y="0"/>
+                </a:cubicBezTo>
+                <a:cubicBezTo>
+                  <a:pt x="7111894" y="5124"/>
+                  <a:pt x="7441941" y="-17829"/>
+                  <a:pt x="7679154" y="0"/>
+                </a:cubicBezTo>
+                <a:cubicBezTo>
+                  <a:pt x="7916367" y="17829"/>
+                  <a:pt x="8102967" y="-24363"/>
+                  <a:pt x="8248985" y="0"/>
+                </a:cubicBezTo>
+                <a:cubicBezTo>
+                  <a:pt x="8395003" y="24363"/>
+                  <a:pt x="8552393" y="25505"/>
+                  <a:pt x="8818817" y="0"/>
+                </a:cubicBezTo>
+                <a:cubicBezTo>
+                  <a:pt x="9085241" y="-25505"/>
+                  <a:pt x="9411308" y="38000"/>
+                  <a:pt x="9605726" y="0"/>
+                </a:cubicBezTo>
+                <a:cubicBezTo>
+                  <a:pt x="9800144" y="-38000"/>
+                  <a:pt x="10006468" y="-25741"/>
+                  <a:pt x="10175558" y="0"/>
+                </a:cubicBezTo>
+                <a:cubicBezTo>
+                  <a:pt x="10344648" y="25741"/>
+                  <a:pt x="10696282" y="695"/>
+                  <a:pt x="10853928" y="0"/>
+                </a:cubicBezTo>
+                <a:cubicBezTo>
+                  <a:pt x="10853521" y="8690"/>
+                  <a:pt x="10853774" y="14141"/>
+                  <a:pt x="10853928" y="18288"/>
+                </a:cubicBezTo>
+                <a:cubicBezTo>
+                  <a:pt x="10608124" y="24255"/>
+                  <a:pt x="10343415" y="22307"/>
+                  <a:pt x="10067018" y="18288"/>
+                </a:cubicBezTo>
+                <a:cubicBezTo>
+                  <a:pt x="9790621" y="14270"/>
+                  <a:pt x="9843266" y="3564"/>
+                  <a:pt x="9714266" y="18288"/>
+                </a:cubicBezTo>
+                <a:cubicBezTo>
+                  <a:pt x="9585266" y="33012"/>
+                  <a:pt x="9379484" y="1875"/>
+                  <a:pt x="9252974" y="18288"/>
+                </a:cubicBezTo>
+                <a:cubicBezTo>
+                  <a:pt x="9126464" y="34701"/>
+                  <a:pt x="8580678" y="-4904"/>
+                  <a:pt x="8357525" y="18288"/>
+                </a:cubicBezTo>
+                <a:cubicBezTo>
+                  <a:pt x="8134372" y="41480"/>
+                  <a:pt x="7903199" y="26458"/>
+                  <a:pt x="7679154" y="18288"/>
+                </a:cubicBezTo>
+                <a:cubicBezTo>
+                  <a:pt x="7455109" y="10118"/>
+                  <a:pt x="7435944" y="27109"/>
+                  <a:pt x="7217862" y="18288"/>
+                </a:cubicBezTo>
+                <a:cubicBezTo>
+                  <a:pt x="6999780" y="9467"/>
+                  <a:pt x="6680409" y="18985"/>
+                  <a:pt x="6539492" y="18288"/>
+                </a:cubicBezTo>
+                <a:cubicBezTo>
+                  <a:pt x="6398575" y="17592"/>
+                  <a:pt x="6312077" y="33018"/>
+                  <a:pt x="6186739" y="18288"/>
+                </a:cubicBezTo>
+                <a:cubicBezTo>
+                  <a:pt x="6061401" y="3558"/>
+                  <a:pt x="5947033" y="12075"/>
+                  <a:pt x="5833986" y="18288"/>
+                </a:cubicBezTo>
+                <a:cubicBezTo>
+                  <a:pt x="5720939" y="24501"/>
+                  <a:pt x="5482226" y="8586"/>
+                  <a:pt x="5155616" y="18288"/>
+                </a:cubicBezTo>
+                <a:cubicBezTo>
+                  <a:pt x="4829006" y="27991"/>
+                  <a:pt x="4841274" y="29316"/>
+                  <a:pt x="4694324" y="18288"/>
+                </a:cubicBezTo>
+                <a:cubicBezTo>
+                  <a:pt x="4547374" y="7260"/>
+                  <a:pt x="4077675" y="7013"/>
+                  <a:pt x="3907414" y="18288"/>
+                </a:cubicBezTo>
+                <a:cubicBezTo>
+                  <a:pt x="3737153" y="29564"/>
+                  <a:pt x="3538393" y="21630"/>
+                  <a:pt x="3446122" y="18288"/>
+                </a:cubicBezTo>
+                <a:cubicBezTo>
+                  <a:pt x="3353851" y="14946"/>
+                  <a:pt x="2990320" y="-8091"/>
+                  <a:pt x="2659212" y="18288"/>
+                </a:cubicBezTo>
+                <a:cubicBezTo>
+                  <a:pt x="2328104" y="44667"/>
+                  <a:pt x="2427653" y="9607"/>
+                  <a:pt x="2306460" y="18288"/>
+                </a:cubicBezTo>
+                <a:cubicBezTo>
+                  <a:pt x="2185267" y="26969"/>
+                  <a:pt x="1719763" y="3717"/>
+                  <a:pt x="1519550" y="18288"/>
+                </a:cubicBezTo>
+                <a:cubicBezTo>
+                  <a:pt x="1319337" y="32860"/>
+                  <a:pt x="1167371" y="17040"/>
+                  <a:pt x="1058258" y="18288"/>
+                </a:cubicBezTo>
+                <a:cubicBezTo>
+                  <a:pt x="949145" y="19536"/>
+                  <a:pt x="780234" y="31447"/>
+                  <a:pt x="705505" y="18288"/>
+                </a:cubicBezTo>
+                <a:cubicBezTo>
+                  <a:pt x="630776" y="5129"/>
+                  <a:pt x="215796" y="30056"/>
+                  <a:pt x="0" y="18288"/>
+                </a:cubicBezTo>
+                <a:cubicBezTo>
+                  <a:pt x="-53" y="11301"/>
+                  <a:pt x="-649" y="7756"/>
+                  <a:pt x="0" y="0"/>
+                </a:cubicBezTo>
+                <a:close/>
+              </a:path>
+            </a:pathLst>
+          </a:custGeom>
+          <a:solidFill>
+            <a:schemeClr val="accent2"/>
+          </a:solidFill>
+          <a:ln w="41275" cap="rnd">
+            <a:solidFill>
+              <a:schemeClr val="accent2"/>
+            </a:solidFill>
+            <a:round/>
+            <a:extLst>
+              <a:ext uri="{C807C97D-BFC1-408E-A445-0C87EB9F89A2}">
+                <ask:lineSketchStyleProps xmlns:ask="http://schemas.microsoft.com/office/drawing/2018/sketchyshapes" sd="1219033472">
+                  <a:prstGeom prst="rect">
+                    <a:avLst/>
+                  </a:prstGeom>
+                  <ask:type>
+                    <ask:lineSketchFreehand/>
+                  </ask:type>
+                </ask:lineSketchStyleProps>
+              </a:ext>
+            </a:extLst>
+          </a:ln>
+        </p:spPr>
+        <p:style>
+          <a:lnRef idx="2">
+            <a:schemeClr val="accent1">
+              <a:shade val="50000"/>
+            </a:schemeClr>
+          </a:lnRef>
+          <a:fillRef idx="1">
+            <a:schemeClr val="accent1"/>
+          </a:fillRef>
+          <a:effectRef idx="0">
+            <a:schemeClr val="accent1"/>
+          </a:effectRef>
+          <a:fontRef idx="minor">
+            <a:schemeClr val="lt1"/>
+          </a:fontRef>
+        </p:style>
+        <p:txBody>
+          <a:bodyPr rtlCol="0" anchor="ctr"/>
+          <a:lstStyle/>
+          <a:p>
+            <a:pPr algn="ctr"/>
+            <a:endParaRPr lang="en-US"/>
+          </a:p>
+        </p:txBody>
+      </p:sp>
+      <p:sp>
+        <p:nvSpPr>
+          <p:cNvPr id="5" name="Content Placeholder 4">
+            <a:extLst>
+              <a:ext uri="{FF2B5EF4-FFF2-40B4-BE49-F238E27FC236}">
+                <a16:creationId xmlns:a16="http://schemas.microsoft.com/office/drawing/2014/main" id="{9CDD473B-455C-247E-5EF8-85BBA20BFF57}"/>
+              </a:ext>
+            </a:extLst>
+          </p:cNvPr>
+          <p:cNvSpPr>
+            <a:spLocks noGrp="1"/>
+          </p:cNvSpPr>
+          <p:nvPr>
+            <p:ph idx="1"/>
+          </p:nvPr>
+        </p:nvSpPr>
+        <p:spPr>
+          <a:xfrm>
+            <a:off x="838200" y="1929383"/>
+            <a:ext cx="10515600" cy="4479883"/>
+          </a:xfrm>
+        </p:spPr>
+        <p:txBody>
+          <a:bodyPr>
+            <a:normAutofit/>
+          </a:bodyPr>
+          <a:lstStyle/>
           <a:p>
             <a:pPr marL="0" indent="0">
               <a:buNone/>
@@ -5207,19 +8385,19 @@
           <a:p>
             <a:r>
               <a:rPr lang="en-US" sz="2200" dirty="0"/>
-              <a:t>It would be interesting to cross-check the period outliers lists to separate recent outliers from long-term ones.</a:t>
+              <a:t>It would be interesting to cross-check the period outliers lists to separate one-hit-wonder outliers from stable ones, if any.</a:t>
             </a:r>
           </a:p>
           <a:p>
             <a:r>
               <a:rPr lang="en-US" sz="2200" dirty="0"/>
-              <a:t>Multiple .csv files were used to store the results, but it would be possible to use a single file, so a future improvement would be to update this analysis code to do that, which would require altering the code for later analysis that accesses those files.</a:t>
+              <a:t>It would be possible to use a single file to store all the data, using tags.</a:t>
             </a:r>
           </a:p>
           <a:p>
             <a:r>
               <a:rPr lang="en-US" sz="2200" dirty="0"/>
-              <a:t>Add consideration into the code for periods with no mathematically outliers – perhaps top and bottom 5 zip codes.</a:t>
+              <a:t>Periods with no mathematical outliers – perhaps top and bottom 5%.</a:t>
             </a:r>
           </a:p>
           <a:p>
@@ -5233,7 +8411,7 @@
     </p:spTree>
     <p:extLst>
       <p:ext uri="{BB962C8B-B14F-4D97-AF65-F5344CB8AC3E}">
-        <p14:creationId xmlns:p14="http://schemas.microsoft.com/office/powerpoint/2010/main" val="282584994"/>
+        <p14:creationId xmlns:p14="http://schemas.microsoft.com/office/powerpoint/2010/main" val="4199895565"/>
       </p:ext>
     </p:extLst>
   </p:cSld>

--- a/craig_slides.pptx
+++ b/craig_slides.pptx
@@ -121,7 +121,7 @@
   <pc:docChgLst>
     <pc:chgData name="Craig Gallagher" userId="28cd9cc4fde23f80" providerId="LiveId" clId="{8D5E68E8-7DA0-4E45-B594-BBE4F9FACBA1}"/>
     <pc:docChg chg="undo custSel addSld delSld modSld sldOrd">
-      <pc:chgData name="Craig Gallagher" userId="28cd9cc4fde23f80" providerId="LiveId" clId="{8D5E68E8-7DA0-4E45-B594-BBE4F9FACBA1}" dt="2023-05-04T03:42:05.813" v="2931" actId="20577"/>
+      <pc:chgData name="Craig Gallagher" userId="28cd9cc4fde23f80" providerId="LiveId" clId="{8D5E68E8-7DA0-4E45-B594-BBE4F9FACBA1}" dt="2023-05-04T16:52:30.518" v="2957" actId="14100"/>
       <pc:docMkLst>
         <pc:docMk/>
       </pc:docMkLst>
@@ -495,11 +495,19 @@
         </pc:picChg>
       </pc:sldChg>
       <pc:sldChg chg="addSp delSp modSp add mod">
-        <pc:chgData name="Craig Gallagher" userId="28cd9cc4fde23f80" providerId="LiveId" clId="{8D5E68E8-7DA0-4E45-B594-BBE4F9FACBA1}" dt="2023-05-04T03:41:26.880" v="2875" actId="1076"/>
+        <pc:chgData name="Craig Gallagher" userId="28cd9cc4fde23f80" providerId="LiveId" clId="{8D5E68E8-7DA0-4E45-B594-BBE4F9FACBA1}" dt="2023-05-04T16:52:30.518" v="2957" actId="14100"/>
         <pc:sldMkLst>
           <pc:docMk/>
           <pc:sldMk cId="1049537664" sldId="270"/>
         </pc:sldMkLst>
+        <pc:spChg chg="add mod">
+          <ac:chgData name="Craig Gallagher" userId="28cd9cc4fde23f80" providerId="LiveId" clId="{8D5E68E8-7DA0-4E45-B594-BBE4F9FACBA1}" dt="2023-05-04T16:52:18.707" v="2955" actId="1037"/>
+          <ac:spMkLst>
+            <pc:docMk/>
+            <pc:sldMk cId="1049537664" sldId="270"/>
+            <ac:spMk id="2" creationId="{797794FA-74DD-FFA9-7813-6F7C0F0F3C55}"/>
+          </ac:spMkLst>
+        </pc:spChg>
         <pc:spChg chg="mod">
           <ac:chgData name="Craig Gallagher" userId="28cd9cc4fde23f80" providerId="LiveId" clId="{8D5E68E8-7DA0-4E45-B594-BBE4F9FACBA1}" dt="2023-05-04T03:30:28.892" v="2698" actId="1037"/>
           <ac:spMkLst>
@@ -700,6 +708,14 @@
             <ac:picMk id="18" creationId="{37BA474E-EF37-A38F-9850-DF2D69935399}"/>
           </ac:picMkLst>
         </pc:picChg>
+        <pc:cxnChg chg="add mod">
+          <ac:chgData name="Craig Gallagher" userId="28cd9cc4fde23f80" providerId="LiveId" clId="{8D5E68E8-7DA0-4E45-B594-BBE4F9FACBA1}" dt="2023-05-04T16:52:30.518" v="2957" actId="14100"/>
+          <ac:cxnSpMkLst>
+            <pc:docMk/>
+            <pc:sldMk cId="1049537664" sldId="270"/>
+            <ac:cxnSpMk id="3" creationId="{DD865379-99B1-4D57-1B53-3924D74B4B68}"/>
+          </ac:cxnSpMkLst>
+        </pc:cxnChg>
         <pc:cxnChg chg="mod">
           <ac:chgData name="Craig Gallagher" userId="28cd9cc4fde23f80" providerId="LiveId" clId="{8D5E68E8-7DA0-4E45-B594-BBE4F9FACBA1}" dt="2023-05-04T03:28:05.454" v="2646" actId="14100"/>
           <ac:cxnSpMkLst>
@@ -885,7 +901,7 @@
           <a:p>
             <a:fld id="{5C8EB703-CAE4-E545-8522-297E6EFB5641}" type="datetimeFigureOut">
               <a:rPr lang="en-US" smtClean="0"/>
-              <a:t>5/3/2023</a:t>
+              <a:t>5/4/2023</a:t>
             </a:fld>
             <a:endParaRPr lang="en-US"/>
           </a:p>
@@ -1083,7 +1099,7 @@
           <a:p>
             <a:fld id="{5C8EB703-CAE4-E545-8522-297E6EFB5641}" type="datetimeFigureOut">
               <a:rPr lang="en-US" smtClean="0"/>
-              <a:t>5/3/2023</a:t>
+              <a:t>5/4/2023</a:t>
             </a:fld>
             <a:endParaRPr lang="en-US"/>
           </a:p>
@@ -1291,7 +1307,7 @@
           <a:p>
             <a:fld id="{5C8EB703-CAE4-E545-8522-297E6EFB5641}" type="datetimeFigureOut">
               <a:rPr lang="en-US" smtClean="0"/>
-              <a:t>5/3/2023</a:t>
+              <a:t>5/4/2023</a:t>
             </a:fld>
             <a:endParaRPr lang="en-US"/>
           </a:p>
@@ -1489,7 +1505,7 @@
           <a:p>
             <a:fld id="{5C8EB703-CAE4-E545-8522-297E6EFB5641}" type="datetimeFigureOut">
               <a:rPr lang="en-US" smtClean="0"/>
-              <a:t>5/3/2023</a:t>
+              <a:t>5/4/2023</a:t>
             </a:fld>
             <a:endParaRPr lang="en-US"/>
           </a:p>
@@ -1764,7 +1780,7 @@
           <a:p>
             <a:fld id="{5C8EB703-CAE4-E545-8522-297E6EFB5641}" type="datetimeFigureOut">
               <a:rPr lang="en-US" smtClean="0"/>
-              <a:t>5/3/2023</a:t>
+              <a:t>5/4/2023</a:t>
             </a:fld>
             <a:endParaRPr lang="en-US"/>
           </a:p>
@@ -2029,7 +2045,7 @@
           <a:p>
             <a:fld id="{5C8EB703-CAE4-E545-8522-297E6EFB5641}" type="datetimeFigureOut">
               <a:rPr lang="en-US" smtClean="0"/>
-              <a:t>5/3/2023</a:t>
+              <a:t>5/4/2023</a:t>
             </a:fld>
             <a:endParaRPr lang="en-US"/>
           </a:p>
@@ -2441,7 +2457,7 @@
           <a:p>
             <a:fld id="{5C8EB703-CAE4-E545-8522-297E6EFB5641}" type="datetimeFigureOut">
               <a:rPr lang="en-US" smtClean="0"/>
-              <a:t>5/3/2023</a:t>
+              <a:t>5/4/2023</a:t>
             </a:fld>
             <a:endParaRPr lang="en-US"/>
           </a:p>
@@ -2582,7 +2598,7 @@
           <a:p>
             <a:fld id="{5C8EB703-CAE4-E545-8522-297E6EFB5641}" type="datetimeFigureOut">
               <a:rPr lang="en-US" smtClean="0"/>
-              <a:t>5/3/2023</a:t>
+              <a:t>5/4/2023</a:t>
             </a:fld>
             <a:endParaRPr lang="en-US"/>
           </a:p>
@@ -2695,7 +2711,7 @@
           <a:p>
             <a:fld id="{5C8EB703-CAE4-E545-8522-297E6EFB5641}" type="datetimeFigureOut">
               <a:rPr lang="en-US" smtClean="0"/>
-              <a:t>5/3/2023</a:t>
+              <a:t>5/4/2023</a:t>
             </a:fld>
             <a:endParaRPr lang="en-US"/>
           </a:p>
@@ -3006,7 +3022,7 @@
           <a:p>
             <a:fld id="{5C8EB703-CAE4-E545-8522-297E6EFB5641}" type="datetimeFigureOut">
               <a:rPr lang="en-US" smtClean="0"/>
-              <a:t>5/3/2023</a:t>
+              <a:t>5/4/2023</a:t>
             </a:fld>
             <a:endParaRPr lang="en-US"/>
           </a:p>
@@ -3294,7 +3310,7 @@
           <a:p>
             <a:fld id="{5C8EB703-CAE4-E545-8522-297E6EFB5641}" type="datetimeFigureOut">
               <a:rPr lang="en-US" smtClean="0"/>
-              <a:t>5/3/2023</a:t>
+              <a:t>5/4/2023</a:t>
             </a:fld>
             <a:endParaRPr lang="en-US"/>
           </a:p>
@@ -3535,7 +3551,7 @@
           <a:p>
             <a:fld id="{5C8EB703-CAE4-E545-8522-297E6EFB5641}" type="datetimeFigureOut">
               <a:rPr lang="en-US" smtClean="0"/>
-              <a:t>5/3/2023</a:t>
+              <a:t>5/4/2023</a:t>
             </a:fld>
             <a:endParaRPr lang="en-US"/>
           </a:p>
@@ -7569,6 +7585,86 @@
           </a:p>
         </p:txBody>
       </p:sp>
+      <p:sp>
+        <p:nvSpPr>
+          <p:cNvPr id="2" name="TextBox 1">
+            <a:extLst>
+              <a:ext uri="{FF2B5EF4-FFF2-40B4-BE49-F238E27FC236}">
+                <a16:creationId xmlns:a16="http://schemas.microsoft.com/office/drawing/2014/main" id="{797794FA-74DD-FFA9-7813-6F7C0F0F3C55}"/>
+              </a:ext>
+            </a:extLst>
+          </p:cNvPr>
+          <p:cNvSpPr txBox="1"/>
+          <p:nvPr/>
+        </p:nvSpPr>
+        <p:spPr>
+          <a:xfrm>
+            <a:off x="7580407" y="3365577"/>
+            <a:ext cx="1520750" cy="276999"/>
+          </a:xfrm>
+          <a:prstGeom prst="rect">
+            <a:avLst/>
+          </a:prstGeom>
+          <a:noFill/>
+        </p:spPr>
+        <p:txBody>
+          <a:bodyPr wrap="square" rtlCol="0">
+            <a:spAutoFit/>
+          </a:bodyPr>
+          <a:lstStyle/>
+          <a:p>
+            <a:r>
+              <a:rPr lang="en-US" sz="1200" dirty="0"/>
+              <a:t>Cincinnati</a:t>
+            </a:r>
+          </a:p>
+        </p:txBody>
+      </p:sp>
+      <p:cxnSp>
+        <p:nvCxnSpPr>
+          <p:cNvPr id="3" name="Straight Arrow Connector 2">
+            <a:extLst>
+              <a:ext uri="{FF2B5EF4-FFF2-40B4-BE49-F238E27FC236}">
+                <a16:creationId xmlns:a16="http://schemas.microsoft.com/office/drawing/2014/main" id="{DD865379-99B1-4D57-1B53-3924D74B4B68}"/>
+              </a:ext>
+            </a:extLst>
+          </p:cNvPr>
+          <p:cNvCxnSpPr>
+            <a:cxnSpLocks/>
+            <a:stCxn id="2" idx="1"/>
+          </p:cNvCxnSpPr>
+          <p:nvPr/>
+        </p:nvCxnSpPr>
+        <p:spPr>
+          <a:xfrm flipH="1">
+            <a:off x="7409003" y="3504077"/>
+            <a:ext cx="171404" cy="120701"/>
+          </a:xfrm>
+          <a:prstGeom prst="straightConnector1">
+            <a:avLst/>
+          </a:prstGeom>
+          <a:ln>
+            <a:solidFill>
+              <a:schemeClr val="tx1"/>
+            </a:solidFill>
+            <a:tailEnd type="triangle"/>
+          </a:ln>
+        </p:spPr>
+        <p:style>
+          <a:lnRef idx="1">
+            <a:schemeClr val="accent1"/>
+          </a:lnRef>
+          <a:fillRef idx="0">
+            <a:schemeClr val="accent1"/>
+          </a:fillRef>
+          <a:effectRef idx="0">
+            <a:schemeClr val="accent1"/>
+          </a:effectRef>
+          <a:fontRef idx="minor">
+            <a:schemeClr val="tx1"/>
+          </a:fontRef>
+        </p:style>
+      </p:cxnSp>
     </p:spTree>
     <p:extLst>
       <p:ext uri="{BB962C8B-B14F-4D97-AF65-F5344CB8AC3E}">
